--- a/Lending Club Case Study.pptx
+++ b/Lending Club Case Study.pptx
@@ -5,7 +5,7 @@
     <p:sldMasterId id="2147483660" r:id="rId1"/>
   </p:sldMasterIdLst>
   <p:notesMasterIdLst>
-    <p:notesMasterId r:id="rId9"/>
+    <p:notesMasterId r:id="rId12"/>
   </p:notesMasterIdLst>
   <p:sldIdLst>
     <p:sldId id="256" r:id="rId2"/>
@@ -14,7 +14,10 @@
     <p:sldId id="271" r:id="rId5"/>
     <p:sldId id="273" r:id="rId6"/>
     <p:sldId id="274" r:id="rId7"/>
-    <p:sldId id="265" r:id="rId8"/>
+    <p:sldId id="275" r:id="rId8"/>
+    <p:sldId id="277" r:id="rId9"/>
+    <p:sldId id="278" r:id="rId10"/>
+    <p:sldId id="276" r:id="rId11"/>
   </p:sldIdLst>
   <p:sldSz cx="12192000" cy="6858000"/>
   <p:notesSz cx="6858000" cy="9144000"/>
@@ -1865,6 +1868,13 @@
         </dgm:presLayoutVars>
       </dgm:prSet>
       <dgm:spPr/>
+      <dgm:t>
+        <a:bodyPr/>
+        <a:lstStyle/>
+        <a:p>
+          <a:endParaRPr lang="en-US"/>
+        </a:p>
+      </dgm:t>
     </dgm:pt>
     <dgm:pt modelId="{D429B2B9-A72E-4D91-BE3C-D79598AB4EAB}" type="pres">
       <dgm:prSet presAssocID="{3A2215E4-FE7F-4A42-84C9-D546D1AE4B27}" presName="hierRoot1" presStyleCnt="0">
@@ -1896,6 +1906,13 @@
     <dgm:pt modelId="{630957C2-8221-4CE1-8282-34C6DB1C7813}" type="pres">
       <dgm:prSet presAssocID="{3A2215E4-FE7F-4A42-84C9-D546D1AE4B27}" presName="rootConnector1" presStyleLbl="node1" presStyleIdx="0" presStyleCnt="0"/>
       <dgm:spPr/>
+      <dgm:t>
+        <a:bodyPr/>
+        <a:lstStyle/>
+        <a:p>
+          <a:endParaRPr lang="en-US"/>
+        </a:p>
+      </dgm:t>
     </dgm:pt>
     <dgm:pt modelId="{72B5FE51-6623-4DE6-9264-AEDEFA3F14F7}" type="pres">
       <dgm:prSet presAssocID="{3A2215E4-FE7F-4A42-84C9-D546D1AE4B27}" presName="hierChild2" presStyleCnt="0"/>
@@ -1904,6 +1921,13 @@
     <dgm:pt modelId="{A4C2DE93-B39F-4797-80F9-DC1FB3ACA03F}" type="pres">
       <dgm:prSet presAssocID="{8DE01690-E435-4784-B833-4489A222DBF9}" presName="Name37" presStyleLbl="parChTrans1D2" presStyleIdx="0" presStyleCnt="3"/>
       <dgm:spPr/>
+      <dgm:t>
+        <a:bodyPr/>
+        <a:lstStyle/>
+        <a:p>
+          <a:endParaRPr lang="en-US"/>
+        </a:p>
+      </dgm:t>
     </dgm:pt>
     <dgm:pt modelId="{C884E7AF-4E99-4331-A265-D949F687BFD6}" type="pres">
       <dgm:prSet presAssocID="{664672DA-5F30-46AA-BAE9-8C3347CC9C27}" presName="hierRoot2" presStyleCnt="0">
@@ -1935,6 +1959,13 @@
     <dgm:pt modelId="{F75272B9-0DC6-4718-ABD0-826F41F86FF1}" type="pres">
       <dgm:prSet presAssocID="{664672DA-5F30-46AA-BAE9-8C3347CC9C27}" presName="rootConnector" presStyleLbl="node2" presStyleIdx="0" presStyleCnt="3"/>
       <dgm:spPr/>
+      <dgm:t>
+        <a:bodyPr/>
+        <a:lstStyle/>
+        <a:p>
+          <a:endParaRPr lang="en-US"/>
+        </a:p>
+      </dgm:t>
     </dgm:pt>
     <dgm:pt modelId="{D2A69278-1802-4878-B00D-8379785632EB}" type="pres">
       <dgm:prSet presAssocID="{664672DA-5F30-46AA-BAE9-8C3347CC9C27}" presName="hierChild4" presStyleCnt="0"/>
@@ -1947,6 +1978,13 @@
     <dgm:pt modelId="{BD0660EB-B27D-4727-9F51-D27382866684}" type="pres">
       <dgm:prSet presAssocID="{F81C8AC1-7023-4697-A57C-F8B9B909F91C}" presName="Name37" presStyleLbl="parChTrans1D2" presStyleIdx="1" presStyleCnt="3"/>
       <dgm:spPr/>
+      <dgm:t>
+        <a:bodyPr/>
+        <a:lstStyle/>
+        <a:p>
+          <a:endParaRPr lang="en-US"/>
+        </a:p>
+      </dgm:t>
     </dgm:pt>
     <dgm:pt modelId="{5D5E8397-FAD6-4F0F-B1C9-ABC46CD0617B}" type="pres">
       <dgm:prSet presAssocID="{9D1CBF9E-B31F-4222-BC62-40666671B978}" presName="hierRoot2" presStyleCnt="0">
@@ -1978,6 +2016,13 @@
     <dgm:pt modelId="{E77A34C5-4A57-4D11-B391-5398EDAD840B}" type="pres">
       <dgm:prSet presAssocID="{9D1CBF9E-B31F-4222-BC62-40666671B978}" presName="rootConnector" presStyleLbl="node2" presStyleIdx="1" presStyleCnt="3"/>
       <dgm:spPr/>
+      <dgm:t>
+        <a:bodyPr/>
+        <a:lstStyle/>
+        <a:p>
+          <a:endParaRPr lang="en-US"/>
+        </a:p>
+      </dgm:t>
     </dgm:pt>
     <dgm:pt modelId="{B6752FFD-D14A-45A0-973F-AAEA1E886E56}" type="pres">
       <dgm:prSet presAssocID="{9D1CBF9E-B31F-4222-BC62-40666671B978}" presName="hierChild4" presStyleCnt="0"/>
@@ -1990,6 +2035,13 @@
     <dgm:pt modelId="{90D86C31-4679-44EA-A16F-D70F0CC2C9CD}" type="pres">
       <dgm:prSet presAssocID="{E989D053-22D5-47DE-9CB0-0D1C452B1C09}" presName="Name37" presStyleLbl="parChTrans1D2" presStyleIdx="2" presStyleCnt="3"/>
       <dgm:spPr/>
+      <dgm:t>
+        <a:bodyPr/>
+        <a:lstStyle/>
+        <a:p>
+          <a:endParaRPr lang="en-US"/>
+        </a:p>
+      </dgm:t>
     </dgm:pt>
     <dgm:pt modelId="{0E166EEA-C52E-45C3-8FDD-D6970ECEED18}" type="pres">
       <dgm:prSet presAssocID="{D9880F51-13DC-443A-AD1A-50D181CCA064}" presName="hierRoot2" presStyleCnt="0">
@@ -2021,6 +2073,13 @@
     <dgm:pt modelId="{D9C3FF79-D5A0-4216-9287-E00C800815CE}" type="pres">
       <dgm:prSet presAssocID="{D9880F51-13DC-443A-AD1A-50D181CCA064}" presName="rootConnector" presStyleLbl="node2" presStyleIdx="2" presStyleCnt="3"/>
       <dgm:spPr/>
+      <dgm:t>
+        <a:bodyPr/>
+        <a:lstStyle/>
+        <a:p>
+          <a:endParaRPr lang="en-US"/>
+        </a:p>
+      </dgm:t>
     </dgm:pt>
     <dgm:pt modelId="{5EAD38F4-B6B9-4899-86C6-69B62BCA7C18}" type="pres">
       <dgm:prSet presAssocID="{D9880F51-13DC-443A-AD1A-50D181CCA064}" presName="hierChild4" presStyleCnt="0"/>
@@ -2036,22 +2095,22 @@
     </dgm:pt>
   </dgm:ptLst>
   <dgm:cxnLst>
+    <dgm:cxn modelId="{5AA2C709-AA3D-4B92-B06A-A5E6B50FC3C0}" type="presOf" srcId="{14ACFFDF-773B-4110-8C1D-D64485C218B4}" destId="{E728C49E-F516-4C66-9A07-CE5F8741B32D}" srcOrd="0" destOrd="0" presId="urn:microsoft.com/office/officeart/2005/8/layout/orgChart1"/>
+    <dgm:cxn modelId="{DCD8D987-5886-4290-AE54-6748118620BB}" type="presOf" srcId="{664672DA-5F30-46AA-BAE9-8C3347CC9C27}" destId="{F75272B9-0DC6-4718-ABD0-826F41F86FF1}" srcOrd="1" destOrd="0" presId="urn:microsoft.com/office/officeart/2005/8/layout/orgChart1"/>
+    <dgm:cxn modelId="{EBE31B59-11EC-47FF-80C6-6918795FB1D0}" type="presOf" srcId="{664672DA-5F30-46AA-BAE9-8C3347CC9C27}" destId="{D96322A7-53C1-4FAA-81BB-3FF4B2DB028E}" srcOrd="0" destOrd="0" presId="urn:microsoft.com/office/officeart/2005/8/layout/orgChart1"/>
     <dgm:cxn modelId="{64DDB99A-DFAE-4CC0-99AD-2E46D429BBBF}" type="presOf" srcId="{E989D053-22D5-47DE-9CB0-0D1C452B1C09}" destId="{90D86C31-4679-44EA-A16F-D70F0CC2C9CD}" srcOrd="0" destOrd="0" presId="urn:microsoft.com/office/officeart/2005/8/layout/orgChart1"/>
+    <dgm:cxn modelId="{9AEEE231-B82A-455E-B92A-0729ACEC1AA3}" type="presOf" srcId="{D9880F51-13DC-443A-AD1A-50D181CCA064}" destId="{A1BD2EE5-7A5C-4691-8585-3E2816824BDD}" srcOrd="0" destOrd="0" presId="urn:microsoft.com/office/officeart/2005/8/layout/orgChart1"/>
+    <dgm:cxn modelId="{0E4FE162-1AEF-40F1-A443-EC3F00E55A74}" srcId="{14ACFFDF-773B-4110-8C1D-D64485C218B4}" destId="{3A2215E4-FE7F-4A42-84C9-D546D1AE4B27}" srcOrd="0" destOrd="0" parTransId="{21B2F1AB-9018-4492-9F49-288A8E4EA530}" sibTransId="{2F67A977-3A0D-4E0F-B687-CBAF66766CEB}"/>
+    <dgm:cxn modelId="{01B6237B-5820-4C7F-8A91-E09763CA2001}" type="presOf" srcId="{F81C8AC1-7023-4697-A57C-F8B9B909F91C}" destId="{BD0660EB-B27D-4727-9F51-D27382866684}" srcOrd="0" destOrd="0" presId="urn:microsoft.com/office/officeart/2005/8/layout/orgChart1"/>
+    <dgm:cxn modelId="{AEEB5B13-301B-4AD0-86F1-291DD570BE10}" srcId="{3A2215E4-FE7F-4A42-84C9-D546D1AE4B27}" destId="{664672DA-5F30-46AA-BAE9-8C3347CC9C27}" srcOrd="0" destOrd="0" parTransId="{8DE01690-E435-4784-B833-4489A222DBF9}" sibTransId="{B24902EB-69F0-4457-BDC4-FBC2B087D4ED}"/>
+    <dgm:cxn modelId="{EA0CD301-156A-4F95-9C09-B6DD9849B042}" type="presOf" srcId="{3A2215E4-FE7F-4A42-84C9-D546D1AE4B27}" destId="{630957C2-8221-4CE1-8282-34C6DB1C7813}" srcOrd="1" destOrd="0" presId="urn:microsoft.com/office/officeart/2005/8/layout/orgChart1"/>
+    <dgm:cxn modelId="{126BBCAC-CC90-4BC5-929B-CE0CEC3731D5}" type="presOf" srcId="{8DE01690-E435-4784-B833-4489A222DBF9}" destId="{A4C2DE93-B39F-4797-80F9-DC1FB3ACA03F}" srcOrd="0" destOrd="0" presId="urn:microsoft.com/office/officeart/2005/8/layout/orgChart1"/>
+    <dgm:cxn modelId="{8DF13EFF-F1D9-4F06-AEB3-815D7D6D6C95}" type="presOf" srcId="{D9880F51-13DC-443A-AD1A-50D181CCA064}" destId="{D9C3FF79-D5A0-4216-9287-E00C800815CE}" srcOrd="1" destOrd="0" presId="urn:microsoft.com/office/officeart/2005/8/layout/orgChart1"/>
+    <dgm:cxn modelId="{5BD1488A-78AA-4A2A-A0CD-6A073B60BD4A}" type="presOf" srcId="{3A2215E4-FE7F-4A42-84C9-D546D1AE4B27}" destId="{236225DC-98BC-4744-9DCD-9AB26048F319}" srcOrd="0" destOrd="0" presId="urn:microsoft.com/office/officeart/2005/8/layout/orgChart1"/>
+    <dgm:cxn modelId="{8B583DB3-1ACD-4C1A-B3F5-FC19BE36BD94}" srcId="{3A2215E4-FE7F-4A42-84C9-D546D1AE4B27}" destId="{9D1CBF9E-B31F-4222-BC62-40666671B978}" srcOrd="1" destOrd="0" parTransId="{F81C8AC1-7023-4697-A57C-F8B9B909F91C}" sibTransId="{5F1B484D-D245-4E26-81C3-A1AC532E6CC9}"/>
+    <dgm:cxn modelId="{532DF228-3574-4A65-B4C6-98039B12CEF4}" type="presOf" srcId="{9D1CBF9E-B31F-4222-BC62-40666671B978}" destId="{63BE9807-E7D8-447A-9C56-E9E1BAFAB101}" srcOrd="0" destOrd="0" presId="urn:microsoft.com/office/officeart/2005/8/layout/orgChart1"/>
     <dgm:cxn modelId="{2CACA4EE-01B9-4C68-8E80-EE745C490D0F}" type="presOf" srcId="{9D1CBF9E-B31F-4222-BC62-40666671B978}" destId="{E77A34C5-4A57-4D11-B391-5398EDAD840B}" srcOrd="1" destOrd="0" presId="urn:microsoft.com/office/officeart/2005/8/layout/orgChart1"/>
-    <dgm:cxn modelId="{8DF13EFF-F1D9-4F06-AEB3-815D7D6D6C95}" type="presOf" srcId="{D9880F51-13DC-443A-AD1A-50D181CCA064}" destId="{D9C3FF79-D5A0-4216-9287-E00C800815CE}" srcOrd="1" destOrd="0" presId="urn:microsoft.com/office/officeart/2005/8/layout/orgChart1"/>
-    <dgm:cxn modelId="{532DF228-3574-4A65-B4C6-98039B12CEF4}" type="presOf" srcId="{9D1CBF9E-B31F-4222-BC62-40666671B978}" destId="{63BE9807-E7D8-447A-9C56-E9E1BAFAB101}" srcOrd="0" destOrd="0" presId="urn:microsoft.com/office/officeart/2005/8/layout/orgChart1"/>
-    <dgm:cxn modelId="{DCD8D987-5886-4290-AE54-6748118620BB}" type="presOf" srcId="{664672DA-5F30-46AA-BAE9-8C3347CC9C27}" destId="{F75272B9-0DC6-4718-ABD0-826F41F86FF1}" srcOrd="1" destOrd="0" presId="urn:microsoft.com/office/officeart/2005/8/layout/orgChart1"/>
-    <dgm:cxn modelId="{5BD1488A-78AA-4A2A-A0CD-6A073B60BD4A}" type="presOf" srcId="{3A2215E4-FE7F-4A42-84C9-D546D1AE4B27}" destId="{236225DC-98BC-4744-9DCD-9AB26048F319}" srcOrd="0" destOrd="0" presId="urn:microsoft.com/office/officeart/2005/8/layout/orgChart1"/>
-    <dgm:cxn modelId="{AEEB5B13-301B-4AD0-86F1-291DD570BE10}" srcId="{3A2215E4-FE7F-4A42-84C9-D546D1AE4B27}" destId="{664672DA-5F30-46AA-BAE9-8C3347CC9C27}" srcOrd="0" destOrd="0" parTransId="{8DE01690-E435-4784-B833-4489A222DBF9}" sibTransId="{B24902EB-69F0-4457-BDC4-FBC2B087D4ED}"/>
     <dgm:cxn modelId="{81F54DB8-6C5D-4CCA-95A4-9B0D08D7DE19}" srcId="{3A2215E4-FE7F-4A42-84C9-D546D1AE4B27}" destId="{D9880F51-13DC-443A-AD1A-50D181CCA064}" srcOrd="2" destOrd="0" parTransId="{E989D053-22D5-47DE-9CB0-0D1C452B1C09}" sibTransId="{ED94C89B-96EE-492E-8449-76C1D21F4F8D}"/>
-    <dgm:cxn modelId="{EBE31B59-11EC-47FF-80C6-6918795FB1D0}" type="presOf" srcId="{664672DA-5F30-46AA-BAE9-8C3347CC9C27}" destId="{D96322A7-53C1-4FAA-81BB-3FF4B2DB028E}" srcOrd="0" destOrd="0" presId="urn:microsoft.com/office/officeart/2005/8/layout/orgChart1"/>
-    <dgm:cxn modelId="{5AA2C709-AA3D-4B92-B06A-A5E6B50FC3C0}" type="presOf" srcId="{14ACFFDF-773B-4110-8C1D-D64485C218B4}" destId="{E728C49E-F516-4C66-9A07-CE5F8741B32D}" srcOrd="0" destOrd="0" presId="urn:microsoft.com/office/officeart/2005/8/layout/orgChart1"/>
-    <dgm:cxn modelId="{126BBCAC-CC90-4BC5-929B-CE0CEC3731D5}" type="presOf" srcId="{8DE01690-E435-4784-B833-4489A222DBF9}" destId="{A4C2DE93-B39F-4797-80F9-DC1FB3ACA03F}" srcOrd="0" destOrd="0" presId="urn:microsoft.com/office/officeart/2005/8/layout/orgChart1"/>
-    <dgm:cxn modelId="{0E4FE162-1AEF-40F1-A443-EC3F00E55A74}" srcId="{14ACFFDF-773B-4110-8C1D-D64485C218B4}" destId="{3A2215E4-FE7F-4A42-84C9-D546D1AE4B27}" srcOrd="0" destOrd="0" parTransId="{21B2F1AB-9018-4492-9F49-288A8E4EA530}" sibTransId="{2F67A977-3A0D-4E0F-B687-CBAF66766CEB}"/>
-    <dgm:cxn modelId="{EA0CD301-156A-4F95-9C09-B6DD9849B042}" type="presOf" srcId="{3A2215E4-FE7F-4A42-84C9-D546D1AE4B27}" destId="{630957C2-8221-4CE1-8282-34C6DB1C7813}" srcOrd="1" destOrd="0" presId="urn:microsoft.com/office/officeart/2005/8/layout/orgChart1"/>
-    <dgm:cxn modelId="{8B583DB3-1ACD-4C1A-B3F5-FC19BE36BD94}" srcId="{3A2215E4-FE7F-4A42-84C9-D546D1AE4B27}" destId="{9D1CBF9E-B31F-4222-BC62-40666671B978}" srcOrd="1" destOrd="0" parTransId="{F81C8AC1-7023-4697-A57C-F8B9B909F91C}" sibTransId="{5F1B484D-D245-4E26-81C3-A1AC532E6CC9}"/>
-    <dgm:cxn modelId="{01B6237B-5820-4C7F-8A91-E09763CA2001}" type="presOf" srcId="{F81C8AC1-7023-4697-A57C-F8B9B909F91C}" destId="{BD0660EB-B27D-4727-9F51-D27382866684}" srcOrd="0" destOrd="0" presId="urn:microsoft.com/office/officeart/2005/8/layout/orgChart1"/>
-    <dgm:cxn modelId="{9AEEE231-B82A-455E-B92A-0729ACEC1AA3}" type="presOf" srcId="{D9880F51-13DC-443A-AD1A-50D181CCA064}" destId="{A1BD2EE5-7A5C-4691-8585-3E2816824BDD}" srcOrd="0" destOrd="0" presId="urn:microsoft.com/office/officeart/2005/8/layout/orgChart1"/>
     <dgm:cxn modelId="{ED0857F7-42D3-4695-9285-7317D4D30478}" type="presParOf" srcId="{E728C49E-F516-4C66-9A07-CE5F8741B32D}" destId="{D429B2B9-A72E-4D91-BE3C-D79598AB4EAB}" srcOrd="0" destOrd="0" presId="urn:microsoft.com/office/officeart/2005/8/layout/orgChart1"/>
     <dgm:cxn modelId="{49246C1D-42CF-4A18-A39B-027646392D50}" type="presParOf" srcId="{D429B2B9-A72E-4D91-BE3C-D79598AB4EAB}" destId="{7BC6237F-5D44-466A-BA0B-1D83C3E588AF}" srcOrd="0" destOrd="0" presId="urn:microsoft.com/office/officeart/2005/8/layout/orgChart1"/>
     <dgm:cxn modelId="{D787D5FE-BC5A-418E-B8A0-C61FBB0152FC}" type="presParOf" srcId="{7BC6237F-5D44-466A-BA0B-1D83C3E588AF}" destId="{236225DC-98BC-4744-9DCD-9AB26048F319}" srcOrd="0" destOrd="0" presId="urn:microsoft.com/office/officeart/2005/8/layout/orgChart1"/>
@@ -2689,12 +2748,8 @@
         <a:lstStyle/>
         <a:p>
           <a:r>
-            <a:rPr lang="en-US" sz="2000" dirty="0" err="1" smtClean="0"/>
-            <a:t>Emp_length</a:t>
-          </a:r>
-          <a:r>
             <a:rPr lang="en-US" sz="2000" dirty="0" smtClean="0"/>
-            <a:t> = NA</a:t>
+            <a:t>Emp_length = NA</a:t>
           </a:r>
           <a:endParaRPr lang="en-US" sz="2000" dirty="0"/>
         </a:p>
@@ -2812,12 +2867,8 @@
         <a:lstStyle/>
         <a:p>
           <a:r>
-            <a:rPr lang="en-US" sz="2000" dirty="0" err="1" smtClean="0"/>
-            <a:t>pub_rec_bankruptcies</a:t>
-          </a:r>
-          <a:r>
             <a:rPr lang="en-US" sz="2000" dirty="0" smtClean="0"/>
-            <a:t> = 0</a:t>
+            <a:t>pub_rec_bankruptcies = 0</a:t>
           </a:r>
           <a:endParaRPr lang="en-US" sz="2000" dirty="0"/>
         </a:p>
@@ -2942,6 +2993,13 @@
         </dgm:presLayoutVars>
       </dgm:prSet>
       <dgm:spPr/>
+      <dgm:t>
+        <a:bodyPr/>
+        <a:lstStyle/>
+        <a:p>
+          <a:endParaRPr lang="en-US"/>
+        </a:p>
+      </dgm:t>
     </dgm:pt>
     <dgm:pt modelId="{6B847F7A-43D7-4D12-B68D-C4F949358D9C}" type="pres">
       <dgm:prSet presAssocID="{D5DDD7BD-B53A-42EA-89CC-FC6635F2861B}" presName="desTx" presStyleLbl="revTx" presStyleIdx="0" presStyleCnt="3">
@@ -2975,6 +3033,13 @@
         </dgm:presLayoutVars>
       </dgm:prSet>
       <dgm:spPr/>
+      <dgm:t>
+        <a:bodyPr/>
+        <a:lstStyle/>
+        <a:p>
+          <a:endParaRPr lang="en-US"/>
+        </a:p>
+      </dgm:t>
     </dgm:pt>
     <dgm:pt modelId="{0642C37F-FB30-4846-BE4B-D2F52B6BEEBA}" type="pres">
       <dgm:prSet presAssocID="{4D30DD77-81D7-4E67-974B-0E08966348AA}" presName="desTx" presStyleLbl="revTx" presStyleIdx="1" presStyleCnt="3">
@@ -3033,8 +3098,8 @@
     </dgm:pt>
   </dgm:ptLst>
   <dgm:cxnLst>
+    <dgm:cxn modelId="{AC5AA9A9-2EA1-49C1-9E41-336435875B5D}" type="presOf" srcId="{1346EFC4-CC1F-427C-A524-354B4BEF2CE8}" destId="{0642C37F-FB30-4846-BE4B-D2F52B6BEEBA}" srcOrd="0" destOrd="8" presId="urn:microsoft.com/office/officeart/2005/8/layout/chevron1"/>
     <dgm:cxn modelId="{549ABF58-35D0-4496-9712-464F9B9204CE}" type="presOf" srcId="{D5DDD7BD-B53A-42EA-89CC-FC6635F2861B}" destId="{A1219848-2A99-4915-AC4D-873CCB47F7BA}" srcOrd="0" destOrd="0" presId="urn:microsoft.com/office/officeart/2005/8/layout/chevron1"/>
-    <dgm:cxn modelId="{AC5AA9A9-2EA1-49C1-9E41-336435875B5D}" type="presOf" srcId="{1346EFC4-CC1F-427C-A524-354B4BEF2CE8}" destId="{0642C37F-FB30-4846-BE4B-D2F52B6BEEBA}" srcOrd="0" destOrd="8" presId="urn:microsoft.com/office/officeart/2005/8/layout/chevron1"/>
     <dgm:cxn modelId="{E35CC1CA-2DD7-4A91-A6F9-9F24782D60D3}" srcId="{98C1584F-F82E-4C7C-8C81-5CC970AF2400}" destId="{4D30DD77-81D7-4E67-974B-0E08966348AA}" srcOrd="1" destOrd="0" parTransId="{7AA17C8D-F518-4228-B41D-D997D4903467}" sibTransId="{0BE3DA13-2744-4E4A-8173-1F9158313777}"/>
     <dgm:cxn modelId="{304BD418-0326-499F-AE1F-5CC7CE7E769C}" srcId="{8B7F5C76-618B-4CCB-840E-E60DFF51F7B4}" destId="{5AA2EE81-2B46-4E7C-8151-C5ADBC1E9B06}" srcOrd="0" destOrd="0" parTransId="{ADB4B8D3-5D4E-4D1E-8FB6-95ADBC1F29BA}" sibTransId="{6CF207A6-FA93-410F-B9AF-D6CEC6E69538}"/>
     <dgm:cxn modelId="{D165C6E4-2B3C-4D97-B882-1B50C9005624}" type="presOf" srcId="{325061DE-A4EF-430B-95D1-7DBAE6D67308}" destId="{6B847F7A-43D7-4D12-B68D-C4F949358D9C}" srcOrd="0" destOrd="0" presId="urn:microsoft.com/office/officeart/2005/8/layout/chevron1"/>
@@ -3049,10 +3114,10 @@
     <dgm:cxn modelId="{9E937A52-657B-4B7B-97E9-86E7DBB86B6B}" srcId="{F846C395-E301-4F18-BCE1-229CA8D7EE54}" destId="{26809B41-F1EB-4ADE-9B99-66924804687A}" srcOrd="2" destOrd="0" parTransId="{71CF5B34-8E8A-49A5-91E7-8044F7F324C6}" sibTransId="{DD5BCD62-13ED-4C22-A340-BE21545F73E1}"/>
     <dgm:cxn modelId="{0EF8B03A-B938-46B9-8177-A92959E35CC6}" srcId="{4D30DD77-81D7-4E67-974B-0E08966348AA}" destId="{97E1F8DA-9184-495E-996C-36244B32406E}" srcOrd="0" destOrd="0" parTransId="{DDE79A7A-46B1-45A1-8316-07EB0BED8519}" sibTransId="{C57E7096-F393-45D3-B0B9-5CABB3360F1F}"/>
     <dgm:cxn modelId="{850A1E4E-BB44-45B9-B577-ABB6EC8E6B9E}" type="presOf" srcId="{1C3BAC4D-A128-4B38-ABAD-EABDD3F9A225}" destId="{8A244A91-436A-40E9-A942-1B0E9E89208F}" srcOrd="0" destOrd="2" presId="urn:microsoft.com/office/officeart/2005/8/layout/chevron1"/>
+    <dgm:cxn modelId="{2876906B-624B-4057-8AAD-4822A00BE4C8}" type="presOf" srcId="{60F2ED96-A630-4061-8FAC-FBCC79570DA2}" destId="{8A244A91-436A-40E9-A942-1B0E9E89208F}" srcOrd="0" destOrd="1" presId="urn:microsoft.com/office/officeart/2005/8/layout/chevron1"/>
     <dgm:cxn modelId="{0DF25BF3-3451-4867-8567-D57FAED09121}" type="presOf" srcId="{98C1584F-F82E-4C7C-8C81-5CC970AF2400}" destId="{83E3395D-F688-44F0-A3DC-DD441AD38D8F}" srcOrd="0" destOrd="0" presId="urn:microsoft.com/office/officeart/2005/8/layout/chevron1"/>
-    <dgm:cxn modelId="{2876906B-624B-4057-8AAD-4822A00BE4C8}" type="presOf" srcId="{60F2ED96-A630-4061-8FAC-FBCC79570DA2}" destId="{8A244A91-436A-40E9-A942-1B0E9E89208F}" srcOrd="0" destOrd="1" presId="urn:microsoft.com/office/officeart/2005/8/layout/chevron1"/>
+    <dgm:cxn modelId="{FFE5EB4F-9DD9-4133-B53C-9FDD805967BE}" type="presOf" srcId="{26809B41-F1EB-4ADE-9B99-66924804687A}" destId="{0642C37F-FB30-4846-BE4B-D2F52B6BEEBA}" srcOrd="0" destOrd="9" presId="urn:microsoft.com/office/officeart/2005/8/layout/chevron1"/>
     <dgm:cxn modelId="{448FFED5-7B94-4655-A624-AF51D7C98A04}" srcId="{D5DDD7BD-B53A-42EA-89CC-FC6635F2861B}" destId="{325061DE-A4EF-430B-95D1-7DBAE6D67308}" srcOrd="0" destOrd="0" parTransId="{07B0BBC6-8EC4-4999-94EA-7190588FC3A9}" sibTransId="{81E27913-DD44-4671-B5A6-FB88FCBC0E19}"/>
-    <dgm:cxn modelId="{FFE5EB4F-9DD9-4133-B53C-9FDD805967BE}" type="presOf" srcId="{26809B41-F1EB-4ADE-9B99-66924804687A}" destId="{0642C37F-FB30-4846-BE4B-D2F52B6BEEBA}" srcOrd="0" destOrd="9" presId="urn:microsoft.com/office/officeart/2005/8/layout/chevron1"/>
     <dgm:cxn modelId="{77D7965F-DCE3-4D8B-8F0C-834789BA845B}" srcId="{5AA2EE81-2B46-4E7C-8151-C5ADBC1E9B06}" destId="{1C3BAC4D-A128-4B38-ABAD-EABDD3F9A225}" srcOrd="1" destOrd="0" parTransId="{15232418-2D08-46B4-B838-79602333A434}" sibTransId="{98A57E67-580C-4978-8795-ABE2C71DDD8B}"/>
     <dgm:cxn modelId="{3CE3A46F-1C29-4D76-B1D8-BB69CC4FED9C}" type="presOf" srcId="{8B7F5C76-618B-4CCB-840E-E60DFF51F7B4}" destId="{0B93FD33-9551-4874-8746-44B350CB271B}" srcOrd="0" destOrd="0" presId="urn:microsoft.com/office/officeart/2005/8/layout/chevron1"/>
     <dgm:cxn modelId="{9B59FBDE-AF8B-4781-8527-EB0AA6E703F1}" type="presOf" srcId="{7940793C-3354-4473-B9A4-79936FE76B7C}" destId="{0642C37F-FB30-4846-BE4B-D2F52B6BEEBA}" srcOrd="0" destOrd="3" presId="urn:microsoft.com/office/officeart/2005/8/layout/chevron1"/>
@@ -3629,735 +3694,6 @@
       <dsp:cNvGrpSpPr/>
     </dsp:nvGrpSpPr>
     <dsp:grpSpPr/>
-    <dsp:sp modelId="{A1219848-2A99-4915-AC4D-873CCB47F7BA}">
-      <dsp:nvSpPr>
-        <dsp:cNvPr id="0" name=""/>
-        <dsp:cNvSpPr/>
-      </dsp:nvSpPr>
-      <dsp:spPr>
-        <a:xfrm>
-          <a:off x="18339" y="0"/>
-          <a:ext cx="4042310" cy="354380"/>
-        </a:xfrm>
-        <a:prstGeom prst="chevron">
-          <a:avLst/>
-        </a:prstGeom>
-        <a:solidFill>
-          <a:schemeClr val="accent1">
-            <a:hueOff val="0"/>
-            <a:satOff val="0"/>
-            <a:lumOff val="0"/>
-            <a:alphaOff val="0"/>
-          </a:schemeClr>
-        </a:solidFill>
-        <a:ln w="12700" cap="flat" cmpd="sng" algn="ctr">
-          <a:solidFill>
-            <a:schemeClr val="lt1">
-              <a:hueOff val="0"/>
-              <a:satOff val="0"/>
-              <a:lumOff val="0"/>
-              <a:alphaOff val="0"/>
-            </a:schemeClr>
-          </a:solidFill>
-          <a:prstDash val="solid"/>
-          <a:miter lim="800000"/>
-        </a:ln>
-        <a:effectLst/>
-      </dsp:spPr>
-      <dsp:style>
-        <a:lnRef idx="2">
-          <a:scrgbClr r="0" g="0" b="0"/>
-        </a:lnRef>
-        <a:fillRef idx="1">
-          <a:scrgbClr r="0" g="0" b="0"/>
-        </a:fillRef>
-        <a:effectRef idx="0">
-          <a:scrgbClr r="0" g="0" b="0"/>
-        </a:effectRef>
-        <a:fontRef idx="minor">
-          <a:schemeClr val="lt1"/>
-        </a:fontRef>
-      </dsp:style>
-      <dsp:txBody>
-        <a:bodyPr spcFirstLastPara="0" vert="horz" wrap="square" lIns="80010" tIns="26670" rIns="26670" bIns="26670" numCol="1" spcCol="1270" anchor="ctr" anchorCtr="0">
-          <a:noAutofit/>
-        </a:bodyPr>
-        <a:lstStyle/>
-        <a:p>
-          <a:pPr lvl="0" algn="ctr" defTabSz="889000">
-            <a:lnSpc>
-              <a:spcPct val="90000"/>
-            </a:lnSpc>
-            <a:spcBef>
-              <a:spcPct val="0"/>
-            </a:spcBef>
-            <a:spcAft>
-              <a:spcPct val="35000"/>
-            </a:spcAft>
-          </a:pPr>
-          <a:r>
-            <a:rPr lang="en-US" sz="2000" kern="1200" dirty="0" smtClean="0"/>
-            <a:t>Sanity Check</a:t>
-          </a:r>
-          <a:endParaRPr lang="en-US" sz="2000" kern="1200" dirty="0"/>
-        </a:p>
-      </dsp:txBody>
-      <dsp:txXfrm>
-        <a:off x="195529" y="0"/>
-        <a:ext cx="3687930" cy="354380"/>
-      </dsp:txXfrm>
-    </dsp:sp>
-    <dsp:sp modelId="{6B847F7A-43D7-4D12-B68D-C4F949358D9C}">
-      <dsp:nvSpPr>
-        <dsp:cNvPr id="0" name=""/>
-        <dsp:cNvSpPr/>
-      </dsp:nvSpPr>
-      <dsp:spPr>
-        <a:xfrm>
-          <a:off x="18339" y="398677"/>
-          <a:ext cx="3233848" cy="2611809"/>
-        </a:xfrm>
-        <a:prstGeom prst="rect">
-          <a:avLst/>
-        </a:prstGeom>
-        <a:noFill/>
-        <a:ln>
-          <a:noFill/>
-        </a:ln>
-        <a:effectLst/>
-      </dsp:spPr>
-      <dsp:style>
-        <a:lnRef idx="0">
-          <a:scrgbClr r="0" g="0" b="0"/>
-        </a:lnRef>
-        <a:fillRef idx="0">
-          <a:scrgbClr r="0" g="0" b="0"/>
-        </a:fillRef>
-        <a:effectRef idx="0">
-          <a:scrgbClr r="0" g="0" b="0"/>
-        </a:effectRef>
-        <a:fontRef idx="minor"/>
-      </dsp:style>
-      <dsp:txBody>
-        <a:bodyPr spcFirstLastPara="0" vert="horz" wrap="square" lIns="0" tIns="0" rIns="0" bIns="0" numCol="1" spcCol="1270" anchor="t" anchorCtr="0">
-          <a:noAutofit/>
-        </a:bodyPr>
-        <a:lstStyle/>
-        <a:p>
-          <a:pPr marL="228600" lvl="1" indent="-228600" algn="l" defTabSz="889000">
-            <a:lnSpc>
-              <a:spcPct val="90000"/>
-            </a:lnSpc>
-            <a:spcBef>
-              <a:spcPct val="0"/>
-            </a:spcBef>
-            <a:spcAft>
-              <a:spcPct val="15000"/>
-            </a:spcAft>
-            <a:buChar char="••"/>
-          </a:pPr>
-          <a:r>
-            <a:rPr lang="en-US" sz="2000" kern="1200" dirty="0" smtClean="0"/>
-            <a:t>Finding percentage of missing values in each column</a:t>
-          </a:r>
-          <a:endParaRPr lang="en-US" sz="2000" kern="1200" dirty="0"/>
-        </a:p>
-        <a:p>
-          <a:pPr marL="228600" lvl="1" indent="-228600" algn="l" defTabSz="889000">
-            <a:lnSpc>
-              <a:spcPct val="90000"/>
-            </a:lnSpc>
-            <a:spcBef>
-              <a:spcPct val="0"/>
-            </a:spcBef>
-            <a:spcAft>
-              <a:spcPct val="15000"/>
-            </a:spcAft>
-            <a:buChar char="••"/>
-          </a:pPr>
-          <a:r>
-            <a:rPr lang="en-US" sz="2000" kern="1200" dirty="0" smtClean="0"/>
-            <a:t>Unique / Duplicate values in columns</a:t>
-          </a:r>
-          <a:endParaRPr lang="en-US" sz="2000" kern="1200" dirty="0"/>
-        </a:p>
-        <a:p>
-          <a:pPr marL="228600" lvl="1" indent="-228600" algn="l" defTabSz="889000">
-            <a:lnSpc>
-              <a:spcPct val="90000"/>
-            </a:lnSpc>
-            <a:spcBef>
-              <a:spcPct val="0"/>
-            </a:spcBef>
-            <a:spcAft>
-              <a:spcPct val="15000"/>
-            </a:spcAft>
-            <a:buChar char="••"/>
-          </a:pPr>
-          <a:endParaRPr lang="en-US" sz="2000" kern="1200" dirty="0"/>
-        </a:p>
-      </dsp:txBody>
-      <dsp:txXfrm>
-        <a:off x="18339" y="398677"/>
-        <a:ext cx="3233848" cy="2611809"/>
-      </dsp:txXfrm>
-    </dsp:sp>
-    <dsp:sp modelId="{DBC03AB4-E21A-47D4-99DD-ACE0B3A3D1FB}">
-      <dsp:nvSpPr>
-        <dsp:cNvPr id="0" name=""/>
-        <dsp:cNvSpPr/>
-      </dsp:nvSpPr>
-      <dsp:spPr>
-        <a:xfrm>
-          <a:off x="3845071" y="0"/>
-          <a:ext cx="4042310" cy="354380"/>
-        </a:xfrm>
-        <a:prstGeom prst="chevron">
-          <a:avLst/>
-        </a:prstGeom>
-        <a:solidFill>
-          <a:schemeClr val="accent1">
-            <a:hueOff val="0"/>
-            <a:satOff val="0"/>
-            <a:lumOff val="0"/>
-            <a:alphaOff val="0"/>
-          </a:schemeClr>
-        </a:solidFill>
-        <a:ln w="12700" cap="flat" cmpd="sng" algn="ctr">
-          <a:solidFill>
-            <a:schemeClr val="lt1">
-              <a:hueOff val="0"/>
-              <a:satOff val="0"/>
-              <a:lumOff val="0"/>
-              <a:alphaOff val="0"/>
-            </a:schemeClr>
-          </a:solidFill>
-          <a:prstDash val="solid"/>
-          <a:miter lim="800000"/>
-        </a:ln>
-        <a:effectLst/>
-      </dsp:spPr>
-      <dsp:style>
-        <a:lnRef idx="2">
-          <a:scrgbClr r="0" g="0" b="0"/>
-        </a:lnRef>
-        <a:fillRef idx="1">
-          <a:scrgbClr r="0" g="0" b="0"/>
-        </a:fillRef>
-        <a:effectRef idx="0">
-          <a:scrgbClr r="0" g="0" b="0"/>
-        </a:effectRef>
-        <a:fontRef idx="minor">
-          <a:schemeClr val="lt1"/>
-        </a:fontRef>
-      </dsp:style>
-      <dsp:txBody>
-        <a:bodyPr spcFirstLastPara="0" vert="horz" wrap="square" lIns="80010" tIns="26670" rIns="26670" bIns="26670" numCol="1" spcCol="1270" anchor="ctr" anchorCtr="0">
-          <a:noAutofit/>
-        </a:bodyPr>
-        <a:lstStyle/>
-        <a:p>
-          <a:pPr lvl="0" algn="ctr" defTabSz="889000">
-            <a:lnSpc>
-              <a:spcPct val="90000"/>
-            </a:lnSpc>
-            <a:spcBef>
-              <a:spcPct val="0"/>
-            </a:spcBef>
-            <a:spcAft>
-              <a:spcPct val="35000"/>
-            </a:spcAft>
-          </a:pPr>
-          <a:r>
-            <a:rPr lang="en-US" sz="2000" kern="1200" dirty="0" smtClean="0"/>
-            <a:t>Cleaning</a:t>
-          </a:r>
-          <a:endParaRPr lang="en-US" sz="2000" kern="1200" dirty="0"/>
-        </a:p>
-      </dsp:txBody>
-      <dsp:txXfrm>
-        <a:off x="4022261" y="0"/>
-        <a:ext cx="3687930" cy="354380"/>
-      </dsp:txXfrm>
-    </dsp:sp>
-    <dsp:sp modelId="{0642C37F-FB30-4846-BE4B-D2F52B6BEEBA}">
-      <dsp:nvSpPr>
-        <dsp:cNvPr id="0" name=""/>
-        <dsp:cNvSpPr/>
-      </dsp:nvSpPr>
-      <dsp:spPr>
-        <a:xfrm>
-          <a:off x="3845071" y="398677"/>
-          <a:ext cx="3233848" cy="2611809"/>
-        </a:xfrm>
-        <a:prstGeom prst="rect">
-          <a:avLst/>
-        </a:prstGeom>
-        <a:noFill/>
-        <a:ln>
-          <a:noFill/>
-        </a:ln>
-        <a:effectLst/>
-      </dsp:spPr>
-      <dsp:style>
-        <a:lnRef idx="0">
-          <a:scrgbClr r="0" g="0" b="0"/>
-        </a:lnRef>
-        <a:fillRef idx="0">
-          <a:scrgbClr r="0" g="0" b="0"/>
-        </a:fillRef>
-        <a:effectRef idx="0">
-          <a:scrgbClr r="0" g="0" b="0"/>
-        </a:effectRef>
-        <a:fontRef idx="minor"/>
-      </dsp:style>
-      <dsp:txBody>
-        <a:bodyPr spcFirstLastPara="0" vert="horz" wrap="square" lIns="0" tIns="0" rIns="0" bIns="0" numCol="1" spcCol="1270" anchor="t" anchorCtr="0">
-          <a:noAutofit/>
-        </a:bodyPr>
-        <a:lstStyle/>
-        <a:p>
-          <a:pPr marL="228600" lvl="1" indent="-228600" algn="l" defTabSz="889000">
-            <a:lnSpc>
-              <a:spcPct val="90000"/>
-            </a:lnSpc>
-            <a:spcBef>
-              <a:spcPct val="0"/>
-            </a:spcBef>
-            <a:spcAft>
-              <a:spcPct val="15000"/>
-            </a:spcAft>
-            <a:buChar char="••"/>
-          </a:pPr>
-          <a:r>
-            <a:rPr lang="en-US" sz="2000" kern="1200" dirty="0" smtClean="0"/>
-            <a:t>Removing Rows</a:t>
-          </a:r>
-          <a:endParaRPr lang="en-US" sz="2000" kern="1200" dirty="0"/>
-        </a:p>
-        <a:p>
-          <a:pPr marL="457200" lvl="2" indent="-228600" algn="l" defTabSz="889000">
-            <a:lnSpc>
-              <a:spcPct val="90000"/>
-            </a:lnSpc>
-            <a:spcBef>
-              <a:spcPct val="0"/>
-            </a:spcBef>
-            <a:spcAft>
-              <a:spcPct val="15000"/>
-            </a:spcAft>
-            <a:buChar char="••"/>
-          </a:pPr>
-          <a:r>
-            <a:rPr lang="en-US" sz="2000" kern="1200" dirty="0" smtClean="0"/>
-            <a:t>Loan status == Current **</a:t>
-          </a:r>
-          <a:endParaRPr lang="en-US" sz="2000" kern="1200" dirty="0"/>
-        </a:p>
-        <a:p>
-          <a:pPr marL="228600" lvl="1" indent="-228600" algn="l" defTabSz="889000">
-            <a:lnSpc>
-              <a:spcPct val="90000"/>
-            </a:lnSpc>
-            <a:spcBef>
-              <a:spcPct val="0"/>
-            </a:spcBef>
-            <a:spcAft>
-              <a:spcPct val="15000"/>
-            </a:spcAft>
-            <a:buChar char="••"/>
-          </a:pPr>
-          <a:r>
-            <a:rPr lang="en-US" sz="2000" kern="1200" dirty="0" smtClean="0"/>
-            <a:t>Removing Columns</a:t>
-          </a:r>
-          <a:endParaRPr lang="en-US" sz="2000" kern="1200" dirty="0"/>
-        </a:p>
-        <a:p>
-          <a:pPr marL="457200" lvl="2" indent="-228600" algn="l" defTabSz="889000">
-            <a:lnSpc>
-              <a:spcPct val="90000"/>
-            </a:lnSpc>
-            <a:spcBef>
-              <a:spcPct val="0"/>
-            </a:spcBef>
-            <a:spcAft>
-              <a:spcPct val="15000"/>
-            </a:spcAft>
-            <a:buChar char="••"/>
-          </a:pPr>
-          <a:r>
-            <a:rPr lang="en-US" sz="2000" kern="1200" dirty="0" smtClean="0"/>
-            <a:t>Having 100% missing values or same values (zero standard deviation)</a:t>
-          </a:r>
-          <a:endParaRPr lang="en-US" sz="2000" kern="1200" dirty="0"/>
-        </a:p>
-        <a:p>
-          <a:pPr marL="457200" lvl="2" indent="-228600" algn="l" defTabSz="889000">
-            <a:lnSpc>
-              <a:spcPct val="90000"/>
-            </a:lnSpc>
-            <a:spcBef>
-              <a:spcPct val="0"/>
-            </a:spcBef>
-            <a:spcAft>
-              <a:spcPct val="15000"/>
-            </a:spcAft>
-            <a:buChar char="••"/>
-          </a:pPr>
-          <a:r>
-            <a:rPr lang="en-US" sz="2000" kern="1200" dirty="0" smtClean="0"/>
-            <a:t>Where every row has a different value</a:t>
-          </a:r>
-          <a:endParaRPr lang="en-US" sz="2000" kern="1200" dirty="0"/>
-        </a:p>
-        <a:p>
-          <a:pPr marL="457200" lvl="2" indent="-228600" algn="l" defTabSz="889000">
-            <a:lnSpc>
-              <a:spcPct val="90000"/>
-            </a:lnSpc>
-            <a:spcBef>
-              <a:spcPct val="0"/>
-            </a:spcBef>
-            <a:spcAft>
-              <a:spcPct val="15000"/>
-            </a:spcAft>
-            <a:buChar char="••"/>
-          </a:pPr>
-          <a:r>
-            <a:rPr lang="en-US" sz="2000" kern="1200" dirty="0" smtClean="0"/>
-            <a:t>Loan Variables and Post-Loan Variables **</a:t>
-          </a:r>
-          <a:endParaRPr lang="en-US" sz="2000" kern="1200" dirty="0"/>
-        </a:p>
-        <a:p>
-          <a:pPr marL="228600" lvl="1" indent="-228600" algn="l" defTabSz="889000">
-            <a:lnSpc>
-              <a:spcPct val="90000"/>
-            </a:lnSpc>
-            <a:spcBef>
-              <a:spcPct val="0"/>
-            </a:spcBef>
-            <a:spcAft>
-              <a:spcPct val="15000"/>
-            </a:spcAft>
-            <a:buChar char="••"/>
-          </a:pPr>
-          <a:r>
-            <a:rPr lang="en-US" sz="2000" kern="1200" dirty="0" smtClean="0"/>
-            <a:t>Cleaning</a:t>
-          </a:r>
-          <a:endParaRPr lang="en-US" sz="2000" kern="1200" dirty="0"/>
-        </a:p>
-        <a:p>
-          <a:pPr marL="457200" lvl="2" indent="-228600" algn="l" defTabSz="889000">
-            <a:lnSpc>
-              <a:spcPct val="90000"/>
-            </a:lnSpc>
-            <a:spcBef>
-              <a:spcPct val="0"/>
-            </a:spcBef>
-            <a:spcAft>
-              <a:spcPct val="15000"/>
-            </a:spcAft>
-            <a:buChar char="••"/>
-          </a:pPr>
-          <a:r>
-            <a:rPr lang="en-US" sz="2000" kern="1200" dirty="0" smtClean="0"/>
-            <a:t>Leading &amp; Lagging spaces</a:t>
-          </a:r>
-          <a:endParaRPr lang="en-US" sz="2000" kern="1200" dirty="0"/>
-        </a:p>
-        <a:p>
-          <a:pPr marL="457200" lvl="2" indent="-228600" algn="l" defTabSz="889000">
-            <a:lnSpc>
-              <a:spcPct val="90000"/>
-            </a:lnSpc>
-            <a:spcBef>
-              <a:spcPct val="0"/>
-            </a:spcBef>
-            <a:spcAft>
-              <a:spcPct val="15000"/>
-            </a:spcAft>
-            <a:buChar char="••"/>
-          </a:pPr>
-          <a:r>
-            <a:rPr lang="en-US" sz="2000" kern="1200" dirty="0" smtClean="0"/>
-            <a:t>Remove signs (example % in interest rates)</a:t>
-          </a:r>
-          <a:endParaRPr lang="en-US" sz="2000" kern="1200" dirty="0"/>
-        </a:p>
-        <a:p>
-          <a:pPr marL="457200" lvl="2" indent="-228600" algn="l" defTabSz="889000">
-            <a:lnSpc>
-              <a:spcPct val="90000"/>
-            </a:lnSpc>
-            <a:spcBef>
-              <a:spcPct val="0"/>
-            </a:spcBef>
-            <a:spcAft>
-              <a:spcPct val="15000"/>
-            </a:spcAft>
-            <a:buChar char="••"/>
-          </a:pPr>
-          <a:endParaRPr lang="en-US" sz="2000" kern="1200" dirty="0"/>
-        </a:p>
-      </dsp:txBody>
-      <dsp:txXfrm>
-        <a:off x="3845071" y="398677"/>
-        <a:ext cx="3233848" cy="2611809"/>
-      </dsp:txXfrm>
-    </dsp:sp>
-    <dsp:sp modelId="{0B93FD33-9551-4874-8746-44B350CB271B}">
-      <dsp:nvSpPr>
-        <dsp:cNvPr id="0" name=""/>
-        <dsp:cNvSpPr/>
-      </dsp:nvSpPr>
-      <dsp:spPr>
-        <a:xfrm>
-          <a:off x="7671803" y="0"/>
-          <a:ext cx="4042310" cy="354380"/>
-        </a:xfrm>
-        <a:prstGeom prst="chevron">
-          <a:avLst/>
-        </a:prstGeom>
-        <a:solidFill>
-          <a:schemeClr val="accent1">
-            <a:hueOff val="0"/>
-            <a:satOff val="0"/>
-            <a:lumOff val="0"/>
-            <a:alphaOff val="0"/>
-          </a:schemeClr>
-        </a:solidFill>
-        <a:ln w="12700" cap="flat" cmpd="sng" algn="ctr">
-          <a:solidFill>
-            <a:schemeClr val="lt1">
-              <a:hueOff val="0"/>
-              <a:satOff val="0"/>
-              <a:lumOff val="0"/>
-              <a:alphaOff val="0"/>
-            </a:schemeClr>
-          </a:solidFill>
-          <a:prstDash val="solid"/>
-          <a:miter lim="800000"/>
-        </a:ln>
-        <a:effectLst/>
-      </dsp:spPr>
-      <dsp:style>
-        <a:lnRef idx="2">
-          <a:scrgbClr r="0" g="0" b="0"/>
-        </a:lnRef>
-        <a:fillRef idx="1">
-          <a:scrgbClr r="0" g="0" b="0"/>
-        </a:fillRef>
-        <a:effectRef idx="0">
-          <a:scrgbClr r="0" g="0" b="0"/>
-        </a:effectRef>
-        <a:fontRef idx="minor">
-          <a:schemeClr val="lt1"/>
-        </a:fontRef>
-      </dsp:style>
-      <dsp:txBody>
-        <a:bodyPr spcFirstLastPara="0" vert="horz" wrap="square" lIns="80010" tIns="26670" rIns="26670" bIns="26670" numCol="1" spcCol="1270" anchor="ctr" anchorCtr="0">
-          <a:noAutofit/>
-        </a:bodyPr>
-        <a:lstStyle/>
-        <a:p>
-          <a:pPr lvl="0" algn="ctr" defTabSz="889000">
-            <a:lnSpc>
-              <a:spcPct val="90000"/>
-            </a:lnSpc>
-            <a:spcBef>
-              <a:spcPct val="0"/>
-            </a:spcBef>
-            <a:spcAft>
-              <a:spcPct val="35000"/>
-            </a:spcAft>
-          </a:pPr>
-          <a:r>
-            <a:rPr lang="en-US" sz="2000" kern="1200" dirty="0" smtClean="0"/>
-            <a:t>Manipulation</a:t>
-          </a:r>
-          <a:endParaRPr lang="en-US" sz="2000" kern="1200" dirty="0"/>
-        </a:p>
-      </dsp:txBody>
-      <dsp:txXfrm>
-        <a:off x="7848993" y="0"/>
-        <a:ext cx="3687930" cy="354380"/>
-      </dsp:txXfrm>
-    </dsp:sp>
-    <dsp:sp modelId="{8A244A91-436A-40E9-A942-1B0E9E89208F}">
-      <dsp:nvSpPr>
-        <dsp:cNvPr id="0" name=""/>
-        <dsp:cNvSpPr/>
-      </dsp:nvSpPr>
-      <dsp:spPr>
-        <a:xfrm>
-          <a:off x="7671803" y="398677"/>
-          <a:ext cx="3233848" cy="2611809"/>
-        </a:xfrm>
-        <a:prstGeom prst="rect">
-          <a:avLst/>
-        </a:prstGeom>
-        <a:noFill/>
-        <a:ln>
-          <a:noFill/>
-        </a:ln>
-        <a:effectLst/>
-      </dsp:spPr>
-      <dsp:style>
-        <a:lnRef idx="0">
-          <a:scrgbClr r="0" g="0" b="0"/>
-        </a:lnRef>
-        <a:fillRef idx="0">
-          <a:scrgbClr r="0" g="0" b="0"/>
-        </a:fillRef>
-        <a:effectRef idx="0">
-          <a:scrgbClr r="0" g="0" b="0"/>
-        </a:effectRef>
-        <a:fontRef idx="minor"/>
-      </dsp:style>
-      <dsp:txBody>
-        <a:bodyPr spcFirstLastPara="0" vert="horz" wrap="square" lIns="0" tIns="0" rIns="0" bIns="0" numCol="1" spcCol="1270" anchor="t" anchorCtr="0">
-          <a:noAutofit/>
-        </a:bodyPr>
-        <a:lstStyle/>
-        <a:p>
-          <a:pPr marL="228600" lvl="1" indent="-228600" algn="l" defTabSz="889000">
-            <a:lnSpc>
-              <a:spcPct val="90000"/>
-            </a:lnSpc>
-            <a:spcBef>
-              <a:spcPct val="0"/>
-            </a:spcBef>
-            <a:spcAft>
-              <a:spcPct val="15000"/>
-            </a:spcAft>
-            <a:buChar char="••"/>
-          </a:pPr>
-          <a:r>
-            <a:rPr lang="en-US" sz="2000" kern="1200" dirty="0" smtClean="0"/>
-            <a:t>Imputation for missing values</a:t>
-          </a:r>
-          <a:endParaRPr lang="en-US" sz="2000" kern="1200" dirty="0"/>
-        </a:p>
-        <a:p>
-          <a:pPr marL="457200" lvl="2" indent="-228600" algn="l" defTabSz="889000">
-            <a:lnSpc>
-              <a:spcPct val="90000"/>
-            </a:lnSpc>
-            <a:spcBef>
-              <a:spcPct val="0"/>
-            </a:spcBef>
-            <a:spcAft>
-              <a:spcPct val="15000"/>
-            </a:spcAft>
-            <a:buChar char="••"/>
-          </a:pPr>
-          <a:r>
-            <a:rPr lang="en-US" sz="2000" kern="1200" dirty="0" err="1" smtClean="0"/>
-            <a:t>Emp_length</a:t>
-          </a:r>
-          <a:r>
-            <a:rPr lang="en-US" sz="2000" kern="1200" dirty="0" smtClean="0"/>
-            <a:t> = NA</a:t>
-          </a:r>
-          <a:endParaRPr lang="en-US" sz="2000" kern="1200" dirty="0"/>
-        </a:p>
-        <a:p>
-          <a:pPr marL="457200" lvl="2" indent="-228600" algn="l" defTabSz="889000">
-            <a:lnSpc>
-              <a:spcPct val="90000"/>
-            </a:lnSpc>
-            <a:spcBef>
-              <a:spcPct val="0"/>
-            </a:spcBef>
-            <a:spcAft>
-              <a:spcPct val="15000"/>
-            </a:spcAft>
-            <a:buChar char="••"/>
-          </a:pPr>
-          <a:r>
-            <a:rPr lang="en-US" sz="2000" kern="1200" dirty="0" err="1" smtClean="0"/>
-            <a:t>Revol_util</a:t>
-          </a:r>
-          <a:r>
-            <a:rPr lang="en-US" sz="2000" kern="1200" dirty="0" smtClean="0"/>
-            <a:t> = 0</a:t>
-          </a:r>
-          <a:endParaRPr lang="en-US" sz="2000" kern="1200" dirty="0"/>
-        </a:p>
-        <a:p>
-          <a:pPr marL="457200" lvl="2" indent="-228600" algn="l" defTabSz="889000">
-            <a:lnSpc>
-              <a:spcPct val="90000"/>
-            </a:lnSpc>
-            <a:spcBef>
-              <a:spcPct val="0"/>
-            </a:spcBef>
-            <a:spcAft>
-              <a:spcPct val="15000"/>
-            </a:spcAft>
-            <a:buChar char="••"/>
-          </a:pPr>
-          <a:r>
-            <a:rPr lang="en-US" sz="2000" kern="1200" dirty="0" err="1" smtClean="0"/>
-            <a:t>mths_since_last_record</a:t>
-          </a:r>
-          <a:r>
-            <a:rPr lang="en-US" sz="2000" kern="1200" dirty="0" smtClean="0"/>
-            <a:t> = -1</a:t>
-          </a:r>
-          <a:endParaRPr lang="en-US" sz="2000" kern="1200" dirty="0"/>
-        </a:p>
-        <a:p>
-          <a:pPr marL="457200" lvl="2" indent="-228600" algn="l" defTabSz="889000">
-            <a:lnSpc>
-              <a:spcPct val="90000"/>
-            </a:lnSpc>
-            <a:spcBef>
-              <a:spcPct val="0"/>
-            </a:spcBef>
-            <a:spcAft>
-              <a:spcPct val="15000"/>
-            </a:spcAft>
-            <a:buChar char="••"/>
-          </a:pPr>
-          <a:r>
-            <a:rPr lang="en-US" sz="2000" kern="1200" dirty="0" err="1" smtClean="0"/>
-            <a:t>pub_rec_bankruptcies</a:t>
-          </a:r>
-          <a:r>
-            <a:rPr lang="en-US" sz="2000" kern="1200" dirty="0" smtClean="0"/>
-            <a:t> = 0</a:t>
-          </a:r>
-          <a:endParaRPr lang="en-US" sz="2000" kern="1200" dirty="0"/>
-        </a:p>
-        <a:p>
-          <a:pPr marL="228600" lvl="1" indent="-228600" algn="l" defTabSz="889000">
-            <a:lnSpc>
-              <a:spcPct val="90000"/>
-            </a:lnSpc>
-            <a:spcBef>
-              <a:spcPct val="0"/>
-            </a:spcBef>
-            <a:spcAft>
-              <a:spcPct val="15000"/>
-            </a:spcAft>
-            <a:buChar char="••"/>
-          </a:pPr>
-          <a:r>
-            <a:rPr lang="en-US" sz="2000" kern="1200" dirty="0" smtClean="0"/>
-            <a:t>Converting String to Integer (example : months)</a:t>
-          </a:r>
-          <a:endParaRPr lang="en-US" sz="2000" kern="1200" dirty="0"/>
-        </a:p>
-      </dsp:txBody>
-      <dsp:txXfrm>
-        <a:off x="7671803" y="398677"/>
-        <a:ext cx="3233848" cy="2611809"/>
-      </dsp:txXfrm>
-    </dsp:sp>
   </dsp:spTree>
 </dsp:drawing>
 </file>
@@ -7941,7 +7277,7 @@
           <a:p>
             <a:fld id="{2E309023-AF2B-4043-B228-F191CADC9BB1}" type="datetimeFigureOut">
               <a:rPr lang="en-IN" smtClean="0"/>
-              <a:t>01-02-2019</a:t>
+              <a:t>02-02-2019</a:t>
             </a:fld>
             <a:endParaRPr lang="en-IN"/>
           </a:p>
@@ -8340,7 +7676,7 @@
           <a:p>
             <a:fld id="{70C018FE-C8D6-4A9C-A702-41F1E0C1C452}" type="datetimeFigureOut">
               <a:rPr lang="en-IN" smtClean="0"/>
-              <a:t>01-02-2019</a:t>
+              <a:t>02-02-2019</a:t>
             </a:fld>
             <a:endParaRPr lang="en-IN"/>
           </a:p>
@@ -8510,7 +7846,7 @@
           <a:p>
             <a:fld id="{70C018FE-C8D6-4A9C-A702-41F1E0C1C452}" type="datetimeFigureOut">
               <a:rPr lang="en-IN" smtClean="0"/>
-              <a:t>01-02-2019</a:t>
+              <a:t>02-02-2019</a:t>
             </a:fld>
             <a:endParaRPr lang="en-IN"/>
           </a:p>
@@ -8690,7 +8026,7 @@
           <a:p>
             <a:fld id="{70C018FE-C8D6-4A9C-A702-41F1E0C1C452}" type="datetimeFigureOut">
               <a:rPr lang="en-IN" smtClean="0"/>
-              <a:t>01-02-2019</a:t>
+              <a:t>02-02-2019</a:t>
             </a:fld>
             <a:endParaRPr lang="en-IN"/>
           </a:p>
@@ -9122,7 +8458,7 @@
           <a:p>
             <a:fld id="{70C018FE-C8D6-4A9C-A702-41F1E0C1C452}" type="datetimeFigureOut">
               <a:rPr lang="en-IN" smtClean="0"/>
-              <a:t>01-02-2019</a:t>
+              <a:t>02-02-2019</a:t>
             </a:fld>
             <a:endParaRPr lang="en-IN"/>
           </a:p>
@@ -9354,7 +8690,7 @@
           <a:p>
             <a:fld id="{70C018FE-C8D6-4A9C-A702-41F1E0C1C452}" type="datetimeFigureOut">
               <a:rPr lang="en-IN" smtClean="0"/>
-              <a:t>01-02-2019</a:t>
+              <a:t>02-02-2019</a:t>
             </a:fld>
             <a:endParaRPr lang="en-IN"/>
           </a:p>
@@ -9721,7 +9057,7 @@
           <a:p>
             <a:fld id="{70C018FE-C8D6-4A9C-A702-41F1E0C1C452}" type="datetimeFigureOut">
               <a:rPr lang="en-IN" smtClean="0"/>
-              <a:t>01-02-2019</a:t>
+              <a:t>02-02-2019</a:t>
             </a:fld>
             <a:endParaRPr lang="en-IN"/>
           </a:p>
@@ -9839,7 +9175,7 @@
           <a:p>
             <a:fld id="{70C018FE-C8D6-4A9C-A702-41F1E0C1C452}" type="datetimeFigureOut">
               <a:rPr lang="en-IN" smtClean="0"/>
-              <a:t>01-02-2019</a:t>
+              <a:t>02-02-2019</a:t>
             </a:fld>
             <a:endParaRPr lang="en-IN"/>
           </a:p>
@@ -9934,7 +9270,7 @@
           <a:p>
             <a:fld id="{70C018FE-C8D6-4A9C-A702-41F1E0C1C452}" type="datetimeFigureOut">
               <a:rPr lang="en-IN" smtClean="0"/>
-              <a:t>01-02-2019</a:t>
+              <a:t>02-02-2019</a:t>
             </a:fld>
             <a:endParaRPr lang="en-IN"/>
           </a:p>
@@ -10210,7 +9546,7 @@
           <a:p>
             <a:fld id="{70C018FE-C8D6-4A9C-A702-41F1E0C1C452}" type="datetimeFigureOut">
               <a:rPr lang="en-IN" smtClean="0"/>
-              <a:t>01-02-2019</a:t>
+              <a:t>02-02-2019</a:t>
             </a:fld>
             <a:endParaRPr lang="en-IN"/>
           </a:p>
@@ -10467,7 +9803,7 @@
           <a:p>
             <a:fld id="{70C018FE-C8D6-4A9C-A702-41F1E0C1C452}" type="datetimeFigureOut">
               <a:rPr lang="en-IN" smtClean="0"/>
-              <a:t>01-02-2019</a:t>
+              <a:t>02-02-2019</a:t>
             </a:fld>
             <a:endParaRPr lang="en-IN"/>
           </a:p>
@@ -10678,7 +10014,7 @@
           <a:p>
             <a:fld id="{70C018FE-C8D6-4A9C-A702-41F1E0C1C452}" type="datetimeFigureOut">
               <a:rPr lang="en-IN" smtClean="0"/>
-              <a:t>01-02-2019</a:t>
+              <a:t>02-02-2019</a:t>
             </a:fld>
             <a:endParaRPr lang="en-IN" dirty="0"/>
           </a:p>
@@ -11246,7 +10582,6 @@
               <a:rPr lang="en-IN" sz="1800" dirty="0" smtClean="0"/>
               <a:t>Group Assignment  </a:t>
             </a:r>
-            <a:endParaRPr lang="en-IN" sz="1800" dirty="0" smtClean="0"/>
           </a:p>
           <a:p>
             <a:pPr marL="285750" indent="-285750" algn="l">
@@ -11303,6 +10638,1438 @@
     <p:extLst>
       <p:ext uri="{BB962C8B-B14F-4D97-AF65-F5344CB8AC3E}">
         <p14:creationId xmlns:p14="http://schemas.microsoft.com/office/powerpoint/2010/main" val="3414739867"/>
+      </p:ext>
+    </p:extLst>
+  </p:cSld>
+  <p:clrMapOvr>
+    <a:masterClrMapping/>
+  </p:clrMapOvr>
+  <p:timing>
+    <p:tnLst>
+      <p:par>
+        <p:cTn id="1" dur="indefinite" restart="never" nodeType="tmRoot"/>
+      </p:par>
+    </p:tnLst>
+  </p:timing>
+</p:sld>
+</file>
+
+<file path=ppt/slides/slide10.xml><?xml version="1.0" encoding="utf-8"?>
+<p:sld xmlns:a="http://schemas.openxmlformats.org/drawingml/2006/main" xmlns:r="http://schemas.openxmlformats.org/officeDocument/2006/relationships" xmlns:p="http://schemas.openxmlformats.org/presentationml/2006/main">
+  <p:cSld>
+    <p:spTree>
+      <p:nvGrpSpPr>
+        <p:cNvPr id="1" name=""/>
+        <p:cNvGrpSpPr/>
+        <p:nvPr/>
+      </p:nvGrpSpPr>
+      <p:grpSpPr>
+        <a:xfrm>
+          <a:off x="0" y="0"/>
+          <a:ext cx="0" cy="0"/>
+          <a:chOff x="0" y="0"/>
+          <a:chExt cx="0" cy="0"/>
+        </a:xfrm>
+      </p:grpSpPr>
+      <p:sp>
+        <p:nvSpPr>
+          <p:cNvPr id="2" name="Title 1"/>
+          <p:cNvSpPr>
+            <a:spLocks noGrp="1"/>
+          </p:cNvSpPr>
+          <p:nvPr>
+            <p:ph type="title"/>
+          </p:nvPr>
+        </p:nvSpPr>
+        <p:spPr/>
+        <p:txBody>
+          <a:bodyPr/>
+          <a:lstStyle/>
+          <a:p>
+            <a:r>
+              <a:rPr lang="en-US" dirty="0" smtClean="0"/>
+              <a:t>Conclusion</a:t>
+            </a:r>
+            <a:endParaRPr lang="en-US" dirty="0"/>
+          </a:p>
+        </p:txBody>
+      </p:sp>
+      <p:sp>
+        <p:nvSpPr>
+          <p:cNvPr id="3" name="Content Placeholder 2"/>
+          <p:cNvSpPr>
+            <a:spLocks noGrp="1"/>
+          </p:cNvSpPr>
+          <p:nvPr>
+            <p:ph idx="1"/>
+          </p:nvPr>
+        </p:nvSpPr>
+        <p:spPr>
+          <a:xfrm>
+            <a:off x="165798" y="2962758"/>
+            <a:ext cx="3921788" cy="3132210"/>
+          </a:xfrm>
+        </p:spPr>
+        <p:txBody>
+          <a:bodyPr>
+            <a:normAutofit/>
+          </a:bodyPr>
+          <a:lstStyle/>
+          <a:p>
+            <a:r>
+              <a:rPr lang="en-US" sz="1400" b="1" dirty="0" err="1" smtClean="0">
+                <a:solidFill>
+                  <a:schemeClr val="accent1">
+                    <a:lumMod val="75000"/>
+                  </a:schemeClr>
+                </a:solidFill>
+              </a:rPr>
+              <a:t>Annual_inc</a:t>
+            </a:r>
+            <a:r>
+              <a:rPr lang="en-US" sz="1400" b="1" dirty="0" smtClean="0">
+                <a:solidFill>
+                  <a:schemeClr val="accent1">
+                    <a:lumMod val="75000"/>
+                  </a:schemeClr>
+                </a:solidFill>
+              </a:rPr>
+              <a:t> (Annual Income): </a:t>
+            </a:r>
+            <a:r>
+              <a:rPr lang="en-US" sz="1400" dirty="0" smtClean="0">
+                <a:solidFill>
+                  <a:schemeClr val="accent1">
+                    <a:lumMod val="75000"/>
+                  </a:schemeClr>
+                </a:solidFill>
+              </a:rPr>
+              <a:t>Lesser annual income leads to more defaults.  </a:t>
+            </a:r>
+          </a:p>
+          <a:p>
+            <a:r>
+              <a:rPr lang="en-US" sz="1400" b="1" dirty="0" err="1">
+                <a:solidFill>
+                  <a:schemeClr val="accent1">
+                    <a:lumMod val="75000"/>
+                  </a:schemeClr>
+                </a:solidFill>
+              </a:rPr>
+              <a:t>Emp_length</a:t>
+            </a:r>
+            <a:r>
+              <a:rPr lang="en-US" sz="1400" b="1" dirty="0">
+                <a:solidFill>
+                  <a:schemeClr val="accent1">
+                    <a:lumMod val="75000"/>
+                  </a:schemeClr>
+                </a:solidFill>
+              </a:rPr>
+              <a:t>: Employment length in </a:t>
+            </a:r>
+            <a:r>
+              <a:rPr lang="en-US" sz="1400" b="1" dirty="0" smtClean="0">
+                <a:solidFill>
+                  <a:schemeClr val="accent1">
+                    <a:lumMod val="75000"/>
+                  </a:schemeClr>
+                </a:solidFill>
+              </a:rPr>
+              <a:t>years :</a:t>
+            </a:r>
+            <a:r>
+              <a:rPr lang="en-US" sz="1400" dirty="0">
+                <a:solidFill>
+                  <a:schemeClr val="accent1">
+                    <a:lumMod val="75000"/>
+                  </a:schemeClr>
+                </a:solidFill>
+              </a:rPr>
+              <a:t> </a:t>
+            </a:r>
+            <a:r>
+              <a:rPr lang="en-US" sz="1400" dirty="0" smtClean="0">
+                <a:solidFill>
+                  <a:schemeClr val="accent1">
+                    <a:lumMod val="75000"/>
+                  </a:schemeClr>
+                </a:solidFill>
+              </a:rPr>
+              <a:t>there is a possibility of default where the customer is not employed (‘NA’) or have experience &gt;10 years</a:t>
+            </a:r>
+            <a:endParaRPr lang="en-US" sz="1400" b="1" dirty="0">
+              <a:solidFill>
+                <a:schemeClr val="accent1">
+                  <a:lumMod val="75000"/>
+                </a:schemeClr>
+              </a:solidFill>
+            </a:endParaRPr>
+          </a:p>
+          <a:p>
+            <a:r>
+              <a:rPr lang="en-US" sz="1400" b="1" dirty="0" err="1">
+                <a:solidFill>
+                  <a:schemeClr val="accent1">
+                    <a:lumMod val="75000"/>
+                  </a:schemeClr>
+                </a:solidFill>
+              </a:rPr>
+              <a:t>earliest_cr_line</a:t>
+            </a:r>
+            <a:r>
+              <a:rPr lang="en-US" sz="1400" b="1" dirty="0">
+                <a:solidFill>
+                  <a:schemeClr val="accent1">
+                    <a:lumMod val="75000"/>
+                  </a:schemeClr>
+                </a:solidFill>
+              </a:rPr>
+              <a:t> : </a:t>
+            </a:r>
+            <a:r>
+              <a:rPr lang="en-US" sz="1400" dirty="0">
+                <a:solidFill>
+                  <a:schemeClr val="accent1">
+                    <a:lumMod val="75000"/>
+                  </a:schemeClr>
+                </a:solidFill>
+              </a:rPr>
+              <a:t>The month the borrower's earliest reported credit line was </a:t>
+            </a:r>
+            <a:r>
+              <a:rPr lang="en-US" sz="1400" dirty="0" smtClean="0">
+                <a:solidFill>
+                  <a:schemeClr val="accent1">
+                    <a:lumMod val="75000"/>
+                  </a:schemeClr>
+                </a:solidFill>
+              </a:rPr>
+              <a:t>opened : charged off proportion increasing from 2004</a:t>
+            </a:r>
+          </a:p>
+          <a:p>
+            <a:r>
+              <a:rPr lang="en-US" sz="1400" b="1" dirty="0" err="1" smtClean="0">
+                <a:solidFill>
+                  <a:schemeClr val="accent1">
+                    <a:lumMod val="75000"/>
+                  </a:schemeClr>
+                </a:solidFill>
+              </a:rPr>
+              <a:t>pub_rec</a:t>
+            </a:r>
+            <a:r>
+              <a:rPr lang="en-US" sz="1400" dirty="0" smtClean="0">
+                <a:solidFill>
+                  <a:schemeClr val="accent1">
+                    <a:lumMod val="75000"/>
+                  </a:schemeClr>
+                </a:solidFill>
+              </a:rPr>
+              <a:t>: Number of derogatory public records: we found that if there is a record of derogatory public records present for a loan applicant that substantially increases the tendency for default. </a:t>
+            </a:r>
+            <a:endParaRPr lang="en-US" sz="1400" dirty="0">
+              <a:solidFill>
+                <a:schemeClr val="accent1">
+                  <a:lumMod val="75000"/>
+                </a:schemeClr>
+              </a:solidFill>
+            </a:endParaRPr>
+          </a:p>
+        </p:txBody>
+      </p:sp>
+      <p:sp>
+        <p:nvSpPr>
+          <p:cNvPr id="4" name="Content Placeholder 2"/>
+          <p:cNvSpPr txBox="1">
+            <a:spLocks/>
+          </p:cNvSpPr>
+          <p:nvPr/>
+        </p:nvSpPr>
+        <p:spPr>
+          <a:xfrm>
+            <a:off x="404949" y="1248259"/>
+            <a:ext cx="11168742" cy="369742"/>
+          </a:xfrm>
+          <a:prstGeom prst="rect">
+            <a:avLst/>
+          </a:prstGeom>
+        </p:spPr>
+        <p:txBody>
+          <a:bodyPr vert="horz" lIns="91440" tIns="45720" rIns="91440" bIns="45720" rtlCol="0">
+            <a:normAutofit/>
+          </a:bodyPr>
+          <a:lstStyle>
+            <a:lvl1pPr marL="228600" indent="-228600" algn="l" defTabSz="914400" rtl="0" eaLnBrk="1" latinLnBrk="0" hangingPunct="1">
+              <a:lnSpc>
+                <a:spcPct val="90000"/>
+              </a:lnSpc>
+              <a:spcBef>
+                <a:spcPts val="1000"/>
+              </a:spcBef>
+              <a:buFont typeface="Arial" panose="020B0604020202020204" pitchFamily="34" charset="0"/>
+              <a:buChar char="•"/>
+              <a:defRPr sz="2800" kern="1200">
+                <a:solidFill>
+                  <a:schemeClr val="tx1"/>
+                </a:solidFill>
+                <a:latin typeface="Times New Roman" panose="02020603050405020304" pitchFamily="18" charset="0"/>
+                <a:ea typeface="+mn-ea"/>
+                <a:cs typeface="Times New Roman" panose="02020603050405020304" pitchFamily="18" charset="0"/>
+              </a:defRPr>
+            </a:lvl1pPr>
+            <a:lvl2pPr marL="685800" indent="-228600" algn="l" defTabSz="914400" rtl="0" eaLnBrk="1" latinLnBrk="0" hangingPunct="1">
+              <a:lnSpc>
+                <a:spcPct val="90000"/>
+              </a:lnSpc>
+              <a:spcBef>
+                <a:spcPts val="500"/>
+              </a:spcBef>
+              <a:buFont typeface="Arial" panose="020B0604020202020204" pitchFamily="34" charset="0"/>
+              <a:buChar char="•"/>
+              <a:defRPr sz="2400" kern="1200">
+                <a:solidFill>
+                  <a:schemeClr val="tx1"/>
+                </a:solidFill>
+                <a:latin typeface="Times New Roman" panose="02020603050405020304" pitchFamily="18" charset="0"/>
+                <a:ea typeface="+mn-ea"/>
+                <a:cs typeface="Times New Roman" panose="02020603050405020304" pitchFamily="18" charset="0"/>
+              </a:defRPr>
+            </a:lvl2pPr>
+            <a:lvl3pPr marL="1143000" indent="-228600" algn="l" defTabSz="914400" rtl="0" eaLnBrk="1" latinLnBrk="0" hangingPunct="1">
+              <a:lnSpc>
+                <a:spcPct val="90000"/>
+              </a:lnSpc>
+              <a:spcBef>
+                <a:spcPts val="500"/>
+              </a:spcBef>
+              <a:buFont typeface="Arial" panose="020B0604020202020204" pitchFamily="34" charset="0"/>
+              <a:buChar char="•"/>
+              <a:defRPr sz="2000" kern="1200">
+                <a:solidFill>
+                  <a:schemeClr val="tx1"/>
+                </a:solidFill>
+                <a:latin typeface="Times New Roman" panose="02020603050405020304" pitchFamily="18" charset="0"/>
+                <a:ea typeface="+mn-ea"/>
+                <a:cs typeface="Times New Roman" panose="02020603050405020304" pitchFamily="18" charset="0"/>
+              </a:defRPr>
+            </a:lvl3pPr>
+            <a:lvl4pPr marL="1600200" indent="-228600" algn="l" defTabSz="914400" rtl="0" eaLnBrk="1" latinLnBrk="0" hangingPunct="1">
+              <a:lnSpc>
+                <a:spcPct val="90000"/>
+              </a:lnSpc>
+              <a:spcBef>
+                <a:spcPts val="500"/>
+              </a:spcBef>
+              <a:buFont typeface="Arial" panose="020B0604020202020204" pitchFamily="34" charset="0"/>
+              <a:buChar char="•"/>
+              <a:defRPr sz="1800" kern="1200">
+                <a:solidFill>
+                  <a:schemeClr val="tx1"/>
+                </a:solidFill>
+                <a:latin typeface="Times New Roman" panose="02020603050405020304" pitchFamily="18" charset="0"/>
+                <a:ea typeface="+mn-ea"/>
+                <a:cs typeface="Times New Roman" panose="02020603050405020304" pitchFamily="18" charset="0"/>
+              </a:defRPr>
+            </a:lvl4pPr>
+            <a:lvl5pPr marL="2057400" indent="-228600" algn="l" defTabSz="914400" rtl="0" eaLnBrk="1" latinLnBrk="0" hangingPunct="1">
+              <a:lnSpc>
+                <a:spcPct val="90000"/>
+              </a:lnSpc>
+              <a:spcBef>
+                <a:spcPts val="500"/>
+              </a:spcBef>
+              <a:buFont typeface="Arial" panose="020B0604020202020204" pitchFamily="34" charset="0"/>
+              <a:buChar char="•"/>
+              <a:defRPr sz="1800" kern="1200">
+                <a:solidFill>
+                  <a:schemeClr val="tx1"/>
+                </a:solidFill>
+                <a:latin typeface="Times New Roman" panose="02020603050405020304" pitchFamily="18" charset="0"/>
+                <a:ea typeface="+mn-ea"/>
+                <a:cs typeface="Times New Roman" panose="02020603050405020304" pitchFamily="18" charset="0"/>
+              </a:defRPr>
+            </a:lvl5pPr>
+            <a:lvl6pPr marL="2514600" indent="-228600" algn="l" defTabSz="914400" rtl="0" eaLnBrk="1" latinLnBrk="0" hangingPunct="1">
+              <a:lnSpc>
+                <a:spcPct val="90000"/>
+              </a:lnSpc>
+              <a:spcBef>
+                <a:spcPts val="500"/>
+              </a:spcBef>
+              <a:buFont typeface="Arial" panose="020B0604020202020204" pitchFamily="34" charset="0"/>
+              <a:buChar char="•"/>
+              <a:defRPr sz="1800" kern="1200">
+                <a:solidFill>
+                  <a:schemeClr val="tx1"/>
+                </a:solidFill>
+                <a:latin typeface="+mn-lt"/>
+                <a:ea typeface="+mn-ea"/>
+                <a:cs typeface="+mn-cs"/>
+              </a:defRPr>
+            </a:lvl6pPr>
+            <a:lvl7pPr marL="2971800" indent="-228600" algn="l" defTabSz="914400" rtl="0" eaLnBrk="1" latinLnBrk="0" hangingPunct="1">
+              <a:lnSpc>
+                <a:spcPct val="90000"/>
+              </a:lnSpc>
+              <a:spcBef>
+                <a:spcPts val="500"/>
+              </a:spcBef>
+              <a:buFont typeface="Arial" panose="020B0604020202020204" pitchFamily="34" charset="0"/>
+              <a:buChar char="•"/>
+              <a:defRPr sz="1800" kern="1200">
+                <a:solidFill>
+                  <a:schemeClr val="tx1"/>
+                </a:solidFill>
+                <a:latin typeface="+mn-lt"/>
+                <a:ea typeface="+mn-ea"/>
+                <a:cs typeface="+mn-cs"/>
+              </a:defRPr>
+            </a:lvl7pPr>
+            <a:lvl8pPr marL="3429000" indent="-228600" algn="l" defTabSz="914400" rtl="0" eaLnBrk="1" latinLnBrk="0" hangingPunct="1">
+              <a:lnSpc>
+                <a:spcPct val="90000"/>
+              </a:lnSpc>
+              <a:spcBef>
+                <a:spcPts val="500"/>
+              </a:spcBef>
+              <a:buFont typeface="Arial" panose="020B0604020202020204" pitchFamily="34" charset="0"/>
+              <a:buChar char="•"/>
+              <a:defRPr sz="1800" kern="1200">
+                <a:solidFill>
+                  <a:schemeClr val="tx1"/>
+                </a:solidFill>
+                <a:latin typeface="+mn-lt"/>
+                <a:ea typeface="+mn-ea"/>
+                <a:cs typeface="+mn-cs"/>
+              </a:defRPr>
+            </a:lvl8pPr>
+            <a:lvl9pPr marL="3886200" indent="-228600" algn="l" defTabSz="914400" rtl="0" eaLnBrk="1" latinLnBrk="0" hangingPunct="1">
+              <a:lnSpc>
+                <a:spcPct val="90000"/>
+              </a:lnSpc>
+              <a:spcBef>
+                <a:spcPts val="500"/>
+              </a:spcBef>
+              <a:buFont typeface="Arial" panose="020B0604020202020204" pitchFamily="34" charset="0"/>
+              <a:buChar char="•"/>
+              <a:defRPr sz="1800" kern="1200">
+                <a:solidFill>
+                  <a:schemeClr val="tx1"/>
+                </a:solidFill>
+                <a:latin typeface="+mn-lt"/>
+                <a:ea typeface="+mn-ea"/>
+                <a:cs typeface="+mn-cs"/>
+              </a:defRPr>
+            </a:lvl9pPr>
+          </a:lstStyle>
+          <a:p>
+            <a:r>
+              <a:rPr lang="en-US" sz="1600" dirty="0" smtClean="0"/>
+              <a:t>We believe the following variables impact the loan status (Charged off/Fully paid) the most</a:t>
+            </a:r>
+            <a:endParaRPr lang="en-US" sz="1600" dirty="0"/>
+          </a:p>
+        </p:txBody>
+      </p:sp>
+      <p:grpSp>
+        <p:nvGrpSpPr>
+          <p:cNvPr id="15" name="Group 14"/>
+          <p:cNvGrpSpPr/>
+          <p:nvPr/>
+        </p:nvGrpSpPr>
+        <p:grpSpPr>
+          <a:xfrm>
+            <a:off x="755092" y="1585452"/>
+            <a:ext cx="2743200" cy="1291359"/>
+            <a:chOff x="1344386" y="1585452"/>
+            <a:chExt cx="2743200" cy="1291359"/>
+          </a:xfrm>
+        </p:grpSpPr>
+        <p:sp>
+          <p:nvSpPr>
+            <p:cNvPr id="5" name="Rectangle 4"/>
+            <p:cNvSpPr/>
+            <p:nvPr/>
+          </p:nvSpPr>
+          <p:spPr>
+            <a:xfrm>
+              <a:off x="1344386" y="1585452"/>
+              <a:ext cx="2743200" cy="1058795"/>
+            </a:xfrm>
+            <a:prstGeom prst="rect">
+              <a:avLst/>
+            </a:prstGeom>
+          </p:spPr>
+          <p:style>
+            <a:lnRef idx="2">
+              <a:schemeClr val="accent1">
+                <a:shade val="50000"/>
+              </a:schemeClr>
+            </a:lnRef>
+            <a:fillRef idx="1">
+              <a:schemeClr val="accent1"/>
+            </a:fillRef>
+            <a:effectRef idx="0">
+              <a:schemeClr val="accent1"/>
+            </a:effectRef>
+            <a:fontRef idx="minor">
+              <a:schemeClr val="lt1"/>
+            </a:fontRef>
+          </p:style>
+          <p:txBody>
+            <a:bodyPr rtlCol="0" anchor="ctr"/>
+            <a:lstStyle/>
+            <a:p>
+              <a:pPr marL="171450" indent="-171450">
+                <a:buFont typeface="Arial" panose="020B0604020202020204" pitchFamily="34" charset="0"/>
+                <a:buChar char="•"/>
+              </a:pPr>
+              <a:r>
+                <a:rPr lang="en-US" sz="1400" dirty="0"/>
+                <a:t>annual_inc</a:t>
+              </a:r>
+            </a:p>
+            <a:p>
+              <a:pPr marL="171450" indent="-171450">
+                <a:buFont typeface="Arial" panose="020B0604020202020204" pitchFamily="34" charset="0"/>
+                <a:buChar char="•"/>
+              </a:pPr>
+              <a:r>
+                <a:rPr lang="en-US" sz="1400" dirty="0"/>
+                <a:t>emp_length</a:t>
+              </a:r>
+            </a:p>
+            <a:p>
+              <a:pPr marL="171450" indent="-171450">
+                <a:buFont typeface="Arial" panose="020B0604020202020204" pitchFamily="34" charset="0"/>
+                <a:buChar char="•"/>
+              </a:pPr>
+              <a:r>
+                <a:rPr lang="en-US" sz="1400" dirty="0"/>
+                <a:t>pub_rec / pub_rec_bankruptcies</a:t>
+              </a:r>
+            </a:p>
+            <a:p>
+              <a:pPr marL="171450" indent="-171450">
+                <a:buFont typeface="Arial" panose="020B0604020202020204" pitchFamily="34" charset="0"/>
+                <a:buChar char="•"/>
+              </a:pPr>
+              <a:r>
+                <a:rPr lang="en-US" sz="1400" dirty="0"/>
+                <a:t>earliest_cr_line - charged off proportion increasing from 2004</a:t>
+              </a:r>
+            </a:p>
+          </p:txBody>
+        </p:sp>
+        <p:sp>
+          <p:nvSpPr>
+            <p:cNvPr id="6" name="Rectangle 5"/>
+            <p:cNvSpPr/>
+            <p:nvPr/>
+          </p:nvSpPr>
+          <p:spPr>
+            <a:xfrm>
+              <a:off x="1344386" y="2672821"/>
+              <a:ext cx="2743200" cy="203990"/>
+            </a:xfrm>
+            <a:prstGeom prst="rect">
+              <a:avLst/>
+            </a:prstGeom>
+            <a:solidFill>
+              <a:schemeClr val="accent1">
+                <a:lumMod val="50000"/>
+              </a:schemeClr>
+            </a:solidFill>
+          </p:spPr>
+          <p:style>
+            <a:lnRef idx="2">
+              <a:schemeClr val="accent1">
+                <a:shade val="50000"/>
+              </a:schemeClr>
+            </a:lnRef>
+            <a:fillRef idx="1">
+              <a:schemeClr val="accent1"/>
+            </a:fillRef>
+            <a:effectRef idx="0">
+              <a:schemeClr val="accent1"/>
+            </a:effectRef>
+            <a:fontRef idx="minor">
+              <a:schemeClr val="lt1"/>
+            </a:fontRef>
+          </p:style>
+          <p:txBody>
+            <a:bodyPr rtlCol="0" anchor="ctr"/>
+            <a:lstStyle/>
+            <a:p>
+              <a:pPr algn="ctr"/>
+              <a:r>
+                <a:rPr lang="en-US" sz="1600" dirty="0" smtClean="0"/>
+                <a:t>Customer</a:t>
+              </a:r>
+              <a:endParaRPr lang="en-US" sz="1600" dirty="0"/>
+            </a:p>
+          </p:txBody>
+        </p:sp>
+      </p:grpSp>
+      <p:grpSp>
+        <p:nvGrpSpPr>
+          <p:cNvPr id="17" name="Group 16"/>
+          <p:cNvGrpSpPr/>
+          <p:nvPr/>
+        </p:nvGrpSpPr>
+        <p:grpSpPr>
+          <a:xfrm>
+            <a:off x="4757549" y="1585452"/>
+            <a:ext cx="2743200" cy="1291359"/>
+            <a:chOff x="4525736" y="1585452"/>
+            <a:chExt cx="2743200" cy="1291359"/>
+          </a:xfrm>
+        </p:grpSpPr>
+        <p:sp>
+          <p:nvSpPr>
+            <p:cNvPr id="7" name="Rectangle 6"/>
+            <p:cNvSpPr/>
+            <p:nvPr/>
+          </p:nvSpPr>
+          <p:spPr>
+            <a:xfrm>
+              <a:off x="4525736" y="1585452"/>
+              <a:ext cx="2743200" cy="1058795"/>
+            </a:xfrm>
+            <a:prstGeom prst="rect">
+              <a:avLst/>
+            </a:prstGeom>
+            <a:solidFill>
+              <a:schemeClr val="accent2"/>
+            </a:solidFill>
+          </p:spPr>
+          <p:style>
+            <a:lnRef idx="2">
+              <a:schemeClr val="accent1">
+                <a:shade val="50000"/>
+              </a:schemeClr>
+            </a:lnRef>
+            <a:fillRef idx="1">
+              <a:schemeClr val="accent1"/>
+            </a:fillRef>
+            <a:effectRef idx="0">
+              <a:schemeClr val="accent1"/>
+            </a:effectRef>
+            <a:fontRef idx="minor">
+              <a:schemeClr val="lt1"/>
+            </a:fontRef>
+          </p:style>
+          <p:txBody>
+            <a:bodyPr rtlCol="0" anchor="ctr"/>
+            <a:lstStyle/>
+            <a:p>
+              <a:pPr marL="171450" indent="-171450">
+                <a:buFont typeface="Arial" panose="020B0604020202020204" pitchFamily="34" charset="0"/>
+                <a:buChar char="•"/>
+              </a:pPr>
+              <a:r>
+                <a:rPr lang="en-US" sz="1400" dirty="0"/>
+                <a:t>term</a:t>
+              </a:r>
+            </a:p>
+            <a:p>
+              <a:pPr marL="171450" indent="-171450">
+                <a:buFont typeface="Arial" panose="020B0604020202020204" pitchFamily="34" charset="0"/>
+                <a:buChar char="•"/>
+              </a:pPr>
+              <a:r>
+                <a:rPr lang="en-US" sz="1400" dirty="0"/>
+                <a:t>purpose</a:t>
+              </a:r>
+            </a:p>
+            <a:p>
+              <a:pPr marL="171450" indent="-171450">
+                <a:buFont typeface="Arial" panose="020B0604020202020204" pitchFamily="34" charset="0"/>
+                <a:buChar char="•"/>
+              </a:pPr>
+              <a:r>
+                <a:rPr lang="en-US" sz="1400" dirty="0" err="1"/>
+                <a:t>revol_util</a:t>
+              </a:r>
+              <a:endParaRPr lang="en-US" sz="1400" dirty="0"/>
+            </a:p>
+            <a:p>
+              <a:pPr marL="171450" indent="-171450">
+                <a:buFont typeface="Arial" panose="020B0604020202020204" pitchFamily="34" charset="0"/>
+                <a:buChar char="•"/>
+              </a:pPr>
+              <a:r>
+                <a:rPr lang="en-US" sz="1400" dirty="0"/>
+                <a:t>inq_last_6mths</a:t>
+              </a:r>
+            </a:p>
+          </p:txBody>
+        </p:sp>
+        <p:sp>
+          <p:nvSpPr>
+            <p:cNvPr id="8" name="Rectangle 7"/>
+            <p:cNvSpPr/>
+            <p:nvPr/>
+          </p:nvSpPr>
+          <p:spPr>
+            <a:xfrm>
+              <a:off x="4525736" y="2672821"/>
+              <a:ext cx="2743200" cy="203990"/>
+            </a:xfrm>
+            <a:prstGeom prst="rect">
+              <a:avLst/>
+            </a:prstGeom>
+            <a:solidFill>
+              <a:schemeClr val="accent2">
+                <a:lumMod val="50000"/>
+              </a:schemeClr>
+            </a:solidFill>
+          </p:spPr>
+          <p:style>
+            <a:lnRef idx="2">
+              <a:schemeClr val="accent1">
+                <a:shade val="50000"/>
+              </a:schemeClr>
+            </a:lnRef>
+            <a:fillRef idx="1">
+              <a:schemeClr val="accent1"/>
+            </a:fillRef>
+            <a:effectRef idx="0">
+              <a:schemeClr val="accent1"/>
+            </a:effectRef>
+            <a:fontRef idx="minor">
+              <a:schemeClr val="lt1"/>
+            </a:fontRef>
+          </p:style>
+          <p:txBody>
+            <a:bodyPr rtlCol="0" anchor="ctr"/>
+            <a:lstStyle/>
+            <a:p>
+              <a:pPr algn="ctr"/>
+              <a:r>
+                <a:rPr lang="en-US" sz="1600" dirty="0" smtClean="0"/>
+                <a:t>Loan </a:t>
+              </a:r>
+              <a:endParaRPr lang="en-US" sz="1600" dirty="0"/>
+            </a:p>
+          </p:txBody>
+        </p:sp>
+      </p:grpSp>
+      <p:grpSp>
+        <p:nvGrpSpPr>
+          <p:cNvPr id="16" name="Group 15"/>
+          <p:cNvGrpSpPr/>
+          <p:nvPr/>
+        </p:nvGrpSpPr>
+        <p:grpSpPr>
+          <a:xfrm>
+            <a:off x="8760006" y="1585452"/>
+            <a:ext cx="2743201" cy="1291359"/>
+            <a:chOff x="7707085" y="1585452"/>
+            <a:chExt cx="2743201" cy="1291359"/>
+          </a:xfrm>
+        </p:grpSpPr>
+        <p:sp>
+          <p:nvSpPr>
+            <p:cNvPr id="9" name="Rectangle 8"/>
+            <p:cNvSpPr/>
+            <p:nvPr/>
+          </p:nvSpPr>
+          <p:spPr>
+            <a:xfrm>
+              <a:off x="7707086" y="1585452"/>
+              <a:ext cx="2743200" cy="1058795"/>
+            </a:xfrm>
+            <a:prstGeom prst="rect">
+              <a:avLst/>
+            </a:prstGeom>
+            <a:solidFill>
+              <a:schemeClr val="accent6"/>
+            </a:solidFill>
+          </p:spPr>
+          <p:style>
+            <a:lnRef idx="2">
+              <a:schemeClr val="accent1">
+                <a:shade val="50000"/>
+              </a:schemeClr>
+            </a:lnRef>
+            <a:fillRef idx="1">
+              <a:schemeClr val="accent1"/>
+            </a:fillRef>
+            <a:effectRef idx="0">
+              <a:schemeClr val="accent1"/>
+            </a:effectRef>
+            <a:fontRef idx="minor">
+              <a:schemeClr val="lt1"/>
+            </a:fontRef>
+          </p:style>
+          <p:txBody>
+            <a:bodyPr rtlCol="0" anchor="ctr"/>
+            <a:lstStyle/>
+            <a:p>
+              <a:pPr marL="171450" indent="-171450">
+                <a:buFont typeface="Arial" panose="020B0604020202020204" pitchFamily="34" charset="0"/>
+                <a:buChar char="•"/>
+              </a:pPr>
+              <a:r>
+                <a:rPr lang="en-US" sz="1400" dirty="0" err="1"/>
+                <a:t>annual_installment</a:t>
+              </a:r>
+              <a:r>
+                <a:rPr lang="en-US" sz="1400" dirty="0"/>
+                <a:t> over </a:t>
+              </a:r>
+              <a:r>
+                <a:rPr lang="en-US" sz="1400" dirty="0" err="1"/>
+                <a:t>annual_income</a:t>
+              </a:r>
+              <a:endParaRPr lang="en-US" sz="1400" dirty="0"/>
+            </a:p>
+            <a:p>
+              <a:endParaRPr lang="en-IN" sz="2000" dirty="0"/>
+            </a:p>
+          </p:txBody>
+        </p:sp>
+        <p:sp>
+          <p:nvSpPr>
+            <p:cNvPr id="10" name="Rectangle 9"/>
+            <p:cNvSpPr/>
+            <p:nvPr/>
+          </p:nvSpPr>
+          <p:spPr>
+            <a:xfrm>
+              <a:off x="7707085" y="2672821"/>
+              <a:ext cx="2743200" cy="203990"/>
+            </a:xfrm>
+            <a:prstGeom prst="rect">
+              <a:avLst/>
+            </a:prstGeom>
+            <a:solidFill>
+              <a:schemeClr val="accent6">
+                <a:lumMod val="50000"/>
+              </a:schemeClr>
+            </a:solidFill>
+            <a:ln>
+              <a:solidFill>
+                <a:schemeClr val="accent6">
+                  <a:lumMod val="50000"/>
+                </a:schemeClr>
+              </a:solidFill>
+            </a:ln>
+          </p:spPr>
+          <p:style>
+            <a:lnRef idx="2">
+              <a:schemeClr val="accent1">
+                <a:shade val="50000"/>
+              </a:schemeClr>
+            </a:lnRef>
+            <a:fillRef idx="1">
+              <a:schemeClr val="accent1"/>
+            </a:fillRef>
+            <a:effectRef idx="0">
+              <a:schemeClr val="accent1"/>
+            </a:effectRef>
+            <a:fontRef idx="minor">
+              <a:schemeClr val="lt1"/>
+            </a:fontRef>
+          </p:style>
+          <p:txBody>
+            <a:bodyPr rtlCol="0" anchor="ctr"/>
+            <a:lstStyle/>
+            <a:p>
+              <a:pPr algn="ctr"/>
+              <a:r>
+                <a:rPr lang="en-US" sz="1600" dirty="0" smtClean="0"/>
+                <a:t>Derived</a:t>
+              </a:r>
+              <a:endParaRPr lang="en-US" sz="1600" dirty="0"/>
+            </a:p>
+          </p:txBody>
+        </p:sp>
+      </p:grpSp>
+      <p:sp>
+        <p:nvSpPr>
+          <p:cNvPr id="11" name="Content Placeholder 2"/>
+          <p:cNvSpPr txBox="1">
+            <a:spLocks/>
+          </p:cNvSpPr>
+          <p:nvPr/>
+        </p:nvSpPr>
+        <p:spPr>
+          <a:xfrm>
+            <a:off x="8071213" y="2962758"/>
+            <a:ext cx="4120787" cy="2935482"/>
+          </a:xfrm>
+          <a:prstGeom prst="rect">
+            <a:avLst/>
+          </a:prstGeom>
+        </p:spPr>
+        <p:txBody>
+          <a:bodyPr vert="horz" lIns="91440" tIns="45720" rIns="91440" bIns="45720" rtlCol="0">
+            <a:normAutofit/>
+          </a:bodyPr>
+          <a:lstStyle>
+            <a:lvl1pPr marL="228600" indent="-228600" algn="l" defTabSz="914400" rtl="0" eaLnBrk="1" latinLnBrk="0" hangingPunct="1">
+              <a:lnSpc>
+                <a:spcPct val="90000"/>
+              </a:lnSpc>
+              <a:spcBef>
+                <a:spcPts val="1000"/>
+              </a:spcBef>
+              <a:buFont typeface="Arial" panose="020B0604020202020204" pitchFamily="34" charset="0"/>
+              <a:buChar char="•"/>
+              <a:defRPr sz="2800" kern="1200">
+                <a:solidFill>
+                  <a:schemeClr val="tx1"/>
+                </a:solidFill>
+                <a:latin typeface="Times New Roman" panose="02020603050405020304" pitchFamily="18" charset="0"/>
+                <a:ea typeface="+mn-ea"/>
+                <a:cs typeface="Times New Roman" panose="02020603050405020304" pitchFamily="18" charset="0"/>
+              </a:defRPr>
+            </a:lvl1pPr>
+            <a:lvl2pPr marL="685800" indent="-228600" algn="l" defTabSz="914400" rtl="0" eaLnBrk="1" latinLnBrk="0" hangingPunct="1">
+              <a:lnSpc>
+                <a:spcPct val="90000"/>
+              </a:lnSpc>
+              <a:spcBef>
+                <a:spcPts val="500"/>
+              </a:spcBef>
+              <a:buFont typeface="Arial" panose="020B0604020202020204" pitchFamily="34" charset="0"/>
+              <a:buChar char="•"/>
+              <a:defRPr sz="2400" kern="1200">
+                <a:solidFill>
+                  <a:schemeClr val="tx1"/>
+                </a:solidFill>
+                <a:latin typeface="Times New Roman" panose="02020603050405020304" pitchFamily="18" charset="0"/>
+                <a:ea typeface="+mn-ea"/>
+                <a:cs typeface="Times New Roman" panose="02020603050405020304" pitchFamily="18" charset="0"/>
+              </a:defRPr>
+            </a:lvl2pPr>
+            <a:lvl3pPr marL="1143000" indent="-228600" algn="l" defTabSz="914400" rtl="0" eaLnBrk="1" latinLnBrk="0" hangingPunct="1">
+              <a:lnSpc>
+                <a:spcPct val="90000"/>
+              </a:lnSpc>
+              <a:spcBef>
+                <a:spcPts val="500"/>
+              </a:spcBef>
+              <a:buFont typeface="Arial" panose="020B0604020202020204" pitchFamily="34" charset="0"/>
+              <a:buChar char="•"/>
+              <a:defRPr sz="2000" kern="1200">
+                <a:solidFill>
+                  <a:schemeClr val="tx1"/>
+                </a:solidFill>
+                <a:latin typeface="Times New Roman" panose="02020603050405020304" pitchFamily="18" charset="0"/>
+                <a:ea typeface="+mn-ea"/>
+                <a:cs typeface="Times New Roman" panose="02020603050405020304" pitchFamily="18" charset="0"/>
+              </a:defRPr>
+            </a:lvl3pPr>
+            <a:lvl4pPr marL="1600200" indent="-228600" algn="l" defTabSz="914400" rtl="0" eaLnBrk="1" latinLnBrk="0" hangingPunct="1">
+              <a:lnSpc>
+                <a:spcPct val="90000"/>
+              </a:lnSpc>
+              <a:spcBef>
+                <a:spcPts val="500"/>
+              </a:spcBef>
+              <a:buFont typeface="Arial" panose="020B0604020202020204" pitchFamily="34" charset="0"/>
+              <a:buChar char="•"/>
+              <a:defRPr sz="1800" kern="1200">
+                <a:solidFill>
+                  <a:schemeClr val="tx1"/>
+                </a:solidFill>
+                <a:latin typeface="Times New Roman" panose="02020603050405020304" pitchFamily="18" charset="0"/>
+                <a:ea typeface="+mn-ea"/>
+                <a:cs typeface="Times New Roman" panose="02020603050405020304" pitchFamily="18" charset="0"/>
+              </a:defRPr>
+            </a:lvl4pPr>
+            <a:lvl5pPr marL="2057400" indent="-228600" algn="l" defTabSz="914400" rtl="0" eaLnBrk="1" latinLnBrk="0" hangingPunct="1">
+              <a:lnSpc>
+                <a:spcPct val="90000"/>
+              </a:lnSpc>
+              <a:spcBef>
+                <a:spcPts val="500"/>
+              </a:spcBef>
+              <a:buFont typeface="Arial" panose="020B0604020202020204" pitchFamily="34" charset="0"/>
+              <a:buChar char="•"/>
+              <a:defRPr sz="1800" kern="1200">
+                <a:solidFill>
+                  <a:schemeClr val="tx1"/>
+                </a:solidFill>
+                <a:latin typeface="Times New Roman" panose="02020603050405020304" pitchFamily="18" charset="0"/>
+                <a:ea typeface="+mn-ea"/>
+                <a:cs typeface="Times New Roman" panose="02020603050405020304" pitchFamily="18" charset="0"/>
+              </a:defRPr>
+            </a:lvl5pPr>
+            <a:lvl6pPr marL="2514600" indent="-228600" algn="l" defTabSz="914400" rtl="0" eaLnBrk="1" latinLnBrk="0" hangingPunct="1">
+              <a:lnSpc>
+                <a:spcPct val="90000"/>
+              </a:lnSpc>
+              <a:spcBef>
+                <a:spcPts val="500"/>
+              </a:spcBef>
+              <a:buFont typeface="Arial" panose="020B0604020202020204" pitchFamily="34" charset="0"/>
+              <a:buChar char="•"/>
+              <a:defRPr sz="1800" kern="1200">
+                <a:solidFill>
+                  <a:schemeClr val="tx1"/>
+                </a:solidFill>
+                <a:latin typeface="+mn-lt"/>
+                <a:ea typeface="+mn-ea"/>
+                <a:cs typeface="+mn-cs"/>
+              </a:defRPr>
+            </a:lvl6pPr>
+            <a:lvl7pPr marL="2971800" indent="-228600" algn="l" defTabSz="914400" rtl="0" eaLnBrk="1" latinLnBrk="0" hangingPunct="1">
+              <a:lnSpc>
+                <a:spcPct val="90000"/>
+              </a:lnSpc>
+              <a:spcBef>
+                <a:spcPts val="500"/>
+              </a:spcBef>
+              <a:buFont typeface="Arial" panose="020B0604020202020204" pitchFamily="34" charset="0"/>
+              <a:buChar char="•"/>
+              <a:defRPr sz="1800" kern="1200">
+                <a:solidFill>
+                  <a:schemeClr val="tx1"/>
+                </a:solidFill>
+                <a:latin typeface="+mn-lt"/>
+                <a:ea typeface="+mn-ea"/>
+                <a:cs typeface="+mn-cs"/>
+              </a:defRPr>
+            </a:lvl7pPr>
+            <a:lvl8pPr marL="3429000" indent="-228600" algn="l" defTabSz="914400" rtl="0" eaLnBrk="1" latinLnBrk="0" hangingPunct="1">
+              <a:lnSpc>
+                <a:spcPct val="90000"/>
+              </a:lnSpc>
+              <a:spcBef>
+                <a:spcPts val="500"/>
+              </a:spcBef>
+              <a:buFont typeface="Arial" panose="020B0604020202020204" pitchFamily="34" charset="0"/>
+              <a:buChar char="•"/>
+              <a:defRPr sz="1800" kern="1200">
+                <a:solidFill>
+                  <a:schemeClr val="tx1"/>
+                </a:solidFill>
+                <a:latin typeface="+mn-lt"/>
+                <a:ea typeface="+mn-ea"/>
+                <a:cs typeface="+mn-cs"/>
+              </a:defRPr>
+            </a:lvl8pPr>
+            <a:lvl9pPr marL="3886200" indent="-228600" algn="l" defTabSz="914400" rtl="0" eaLnBrk="1" latinLnBrk="0" hangingPunct="1">
+              <a:lnSpc>
+                <a:spcPct val="90000"/>
+              </a:lnSpc>
+              <a:spcBef>
+                <a:spcPts val="500"/>
+              </a:spcBef>
+              <a:buFont typeface="Arial" panose="020B0604020202020204" pitchFamily="34" charset="0"/>
+              <a:buChar char="•"/>
+              <a:defRPr sz="1800" kern="1200">
+                <a:solidFill>
+                  <a:schemeClr val="tx1"/>
+                </a:solidFill>
+                <a:latin typeface="+mn-lt"/>
+                <a:ea typeface="+mn-ea"/>
+                <a:cs typeface="+mn-cs"/>
+              </a:defRPr>
+            </a:lvl9pPr>
+          </a:lstStyle>
+          <a:p>
+            <a:r>
+              <a:rPr lang="en-US" sz="1400" b="1" dirty="0" smtClean="0">
+                <a:solidFill>
+                  <a:schemeClr val="accent6">
+                    <a:lumMod val="75000"/>
+                  </a:schemeClr>
+                </a:solidFill>
+              </a:rPr>
+              <a:t>annual installment as a percent of annual income: </a:t>
+            </a:r>
+            <a:r>
+              <a:rPr lang="en-US" sz="1400" dirty="0" smtClean="0">
+                <a:solidFill>
+                  <a:schemeClr val="accent6">
+                    <a:lumMod val="75000"/>
+                  </a:schemeClr>
+                </a:solidFill>
+              </a:rPr>
+              <a:t>This refers to the capacity of an individual to pay for the loan, we see that if the value when less gives rises to defaults </a:t>
+            </a:r>
+            <a:endParaRPr lang="en-US" sz="1400" b="1" dirty="0" smtClean="0">
+              <a:solidFill>
+                <a:schemeClr val="accent1">
+                  <a:lumMod val="75000"/>
+                </a:schemeClr>
+              </a:solidFill>
+            </a:endParaRPr>
+          </a:p>
+        </p:txBody>
+      </p:sp>
+      <p:sp>
+        <p:nvSpPr>
+          <p:cNvPr id="12" name="Rectangle 11"/>
+          <p:cNvSpPr/>
+          <p:nvPr/>
+        </p:nvSpPr>
+        <p:spPr>
+          <a:xfrm>
+            <a:off x="904980" y="6044147"/>
+            <a:ext cx="11032085" cy="369332"/>
+          </a:xfrm>
+          <a:prstGeom prst="rect">
+            <a:avLst/>
+          </a:prstGeom>
+        </p:spPr>
+        <p:txBody>
+          <a:bodyPr wrap="square">
+            <a:spAutoFit/>
+          </a:bodyPr>
+          <a:lstStyle/>
+          <a:p>
+            <a:r>
+              <a:rPr lang="en-US" dirty="0"/>
+              <a:t>In such case we would suggest to increase the interest rate or lower the funded </a:t>
+            </a:r>
+            <a:r>
+              <a:rPr lang="en-US" dirty="0" smtClean="0"/>
+              <a:t>amount or reduce loan term.</a:t>
+            </a:r>
+            <a:endParaRPr lang="en-US" dirty="0"/>
+          </a:p>
+        </p:txBody>
+      </p:sp>
+      <p:sp>
+        <p:nvSpPr>
+          <p:cNvPr id="14" name="Content Placeholder 2"/>
+          <p:cNvSpPr txBox="1">
+            <a:spLocks/>
+          </p:cNvSpPr>
+          <p:nvPr/>
+        </p:nvSpPr>
+        <p:spPr>
+          <a:xfrm>
+            <a:off x="4118506" y="2962758"/>
+            <a:ext cx="3921788" cy="3253993"/>
+          </a:xfrm>
+          <a:prstGeom prst="rect">
+            <a:avLst/>
+          </a:prstGeom>
+        </p:spPr>
+        <p:txBody>
+          <a:bodyPr vert="horz" lIns="91440" tIns="45720" rIns="91440" bIns="45720" rtlCol="0">
+            <a:normAutofit fontScale="92500" lnSpcReduction="20000"/>
+          </a:bodyPr>
+          <a:lstStyle>
+            <a:lvl1pPr marL="228600" indent="-228600" algn="l" defTabSz="914400" rtl="0" eaLnBrk="1" latinLnBrk="0" hangingPunct="1">
+              <a:lnSpc>
+                <a:spcPct val="90000"/>
+              </a:lnSpc>
+              <a:spcBef>
+                <a:spcPts val="1000"/>
+              </a:spcBef>
+              <a:buFont typeface="Arial" panose="020B0604020202020204" pitchFamily="34" charset="0"/>
+              <a:buChar char="•"/>
+              <a:defRPr sz="2800" kern="1200">
+                <a:solidFill>
+                  <a:schemeClr val="tx1"/>
+                </a:solidFill>
+                <a:latin typeface="Times New Roman" panose="02020603050405020304" pitchFamily="18" charset="0"/>
+                <a:ea typeface="+mn-ea"/>
+                <a:cs typeface="Times New Roman" panose="02020603050405020304" pitchFamily="18" charset="0"/>
+              </a:defRPr>
+            </a:lvl1pPr>
+            <a:lvl2pPr marL="685800" indent="-228600" algn="l" defTabSz="914400" rtl="0" eaLnBrk="1" latinLnBrk="0" hangingPunct="1">
+              <a:lnSpc>
+                <a:spcPct val="90000"/>
+              </a:lnSpc>
+              <a:spcBef>
+                <a:spcPts val="500"/>
+              </a:spcBef>
+              <a:buFont typeface="Arial" panose="020B0604020202020204" pitchFamily="34" charset="0"/>
+              <a:buChar char="•"/>
+              <a:defRPr sz="2400" kern="1200">
+                <a:solidFill>
+                  <a:schemeClr val="tx1"/>
+                </a:solidFill>
+                <a:latin typeface="Times New Roman" panose="02020603050405020304" pitchFamily="18" charset="0"/>
+                <a:ea typeface="+mn-ea"/>
+                <a:cs typeface="Times New Roman" panose="02020603050405020304" pitchFamily="18" charset="0"/>
+              </a:defRPr>
+            </a:lvl2pPr>
+            <a:lvl3pPr marL="1143000" indent="-228600" algn="l" defTabSz="914400" rtl="0" eaLnBrk="1" latinLnBrk="0" hangingPunct="1">
+              <a:lnSpc>
+                <a:spcPct val="90000"/>
+              </a:lnSpc>
+              <a:spcBef>
+                <a:spcPts val="500"/>
+              </a:spcBef>
+              <a:buFont typeface="Arial" panose="020B0604020202020204" pitchFamily="34" charset="0"/>
+              <a:buChar char="•"/>
+              <a:defRPr sz="2000" kern="1200">
+                <a:solidFill>
+                  <a:schemeClr val="tx1"/>
+                </a:solidFill>
+                <a:latin typeface="Times New Roman" panose="02020603050405020304" pitchFamily="18" charset="0"/>
+                <a:ea typeface="+mn-ea"/>
+                <a:cs typeface="Times New Roman" panose="02020603050405020304" pitchFamily="18" charset="0"/>
+              </a:defRPr>
+            </a:lvl3pPr>
+            <a:lvl4pPr marL="1600200" indent="-228600" algn="l" defTabSz="914400" rtl="0" eaLnBrk="1" latinLnBrk="0" hangingPunct="1">
+              <a:lnSpc>
+                <a:spcPct val="90000"/>
+              </a:lnSpc>
+              <a:spcBef>
+                <a:spcPts val="500"/>
+              </a:spcBef>
+              <a:buFont typeface="Arial" panose="020B0604020202020204" pitchFamily="34" charset="0"/>
+              <a:buChar char="•"/>
+              <a:defRPr sz="1800" kern="1200">
+                <a:solidFill>
+                  <a:schemeClr val="tx1"/>
+                </a:solidFill>
+                <a:latin typeface="Times New Roman" panose="02020603050405020304" pitchFamily="18" charset="0"/>
+                <a:ea typeface="+mn-ea"/>
+                <a:cs typeface="Times New Roman" panose="02020603050405020304" pitchFamily="18" charset="0"/>
+              </a:defRPr>
+            </a:lvl4pPr>
+            <a:lvl5pPr marL="2057400" indent="-228600" algn="l" defTabSz="914400" rtl="0" eaLnBrk="1" latinLnBrk="0" hangingPunct="1">
+              <a:lnSpc>
+                <a:spcPct val="90000"/>
+              </a:lnSpc>
+              <a:spcBef>
+                <a:spcPts val="500"/>
+              </a:spcBef>
+              <a:buFont typeface="Arial" panose="020B0604020202020204" pitchFamily="34" charset="0"/>
+              <a:buChar char="•"/>
+              <a:defRPr sz="1800" kern="1200">
+                <a:solidFill>
+                  <a:schemeClr val="tx1"/>
+                </a:solidFill>
+                <a:latin typeface="Times New Roman" panose="02020603050405020304" pitchFamily="18" charset="0"/>
+                <a:ea typeface="+mn-ea"/>
+                <a:cs typeface="Times New Roman" panose="02020603050405020304" pitchFamily="18" charset="0"/>
+              </a:defRPr>
+            </a:lvl5pPr>
+            <a:lvl6pPr marL="2514600" indent="-228600" algn="l" defTabSz="914400" rtl="0" eaLnBrk="1" latinLnBrk="0" hangingPunct="1">
+              <a:lnSpc>
+                <a:spcPct val="90000"/>
+              </a:lnSpc>
+              <a:spcBef>
+                <a:spcPts val="500"/>
+              </a:spcBef>
+              <a:buFont typeface="Arial" panose="020B0604020202020204" pitchFamily="34" charset="0"/>
+              <a:buChar char="•"/>
+              <a:defRPr sz="1800" kern="1200">
+                <a:solidFill>
+                  <a:schemeClr val="tx1"/>
+                </a:solidFill>
+                <a:latin typeface="+mn-lt"/>
+                <a:ea typeface="+mn-ea"/>
+                <a:cs typeface="+mn-cs"/>
+              </a:defRPr>
+            </a:lvl6pPr>
+            <a:lvl7pPr marL="2971800" indent="-228600" algn="l" defTabSz="914400" rtl="0" eaLnBrk="1" latinLnBrk="0" hangingPunct="1">
+              <a:lnSpc>
+                <a:spcPct val="90000"/>
+              </a:lnSpc>
+              <a:spcBef>
+                <a:spcPts val="500"/>
+              </a:spcBef>
+              <a:buFont typeface="Arial" panose="020B0604020202020204" pitchFamily="34" charset="0"/>
+              <a:buChar char="•"/>
+              <a:defRPr sz="1800" kern="1200">
+                <a:solidFill>
+                  <a:schemeClr val="tx1"/>
+                </a:solidFill>
+                <a:latin typeface="+mn-lt"/>
+                <a:ea typeface="+mn-ea"/>
+                <a:cs typeface="+mn-cs"/>
+              </a:defRPr>
+            </a:lvl7pPr>
+            <a:lvl8pPr marL="3429000" indent="-228600" algn="l" defTabSz="914400" rtl="0" eaLnBrk="1" latinLnBrk="0" hangingPunct="1">
+              <a:lnSpc>
+                <a:spcPct val="90000"/>
+              </a:lnSpc>
+              <a:spcBef>
+                <a:spcPts val="500"/>
+              </a:spcBef>
+              <a:buFont typeface="Arial" panose="020B0604020202020204" pitchFamily="34" charset="0"/>
+              <a:buChar char="•"/>
+              <a:defRPr sz="1800" kern="1200">
+                <a:solidFill>
+                  <a:schemeClr val="tx1"/>
+                </a:solidFill>
+                <a:latin typeface="+mn-lt"/>
+                <a:ea typeface="+mn-ea"/>
+                <a:cs typeface="+mn-cs"/>
+              </a:defRPr>
+            </a:lvl8pPr>
+            <a:lvl9pPr marL="3886200" indent="-228600" algn="l" defTabSz="914400" rtl="0" eaLnBrk="1" latinLnBrk="0" hangingPunct="1">
+              <a:lnSpc>
+                <a:spcPct val="90000"/>
+              </a:lnSpc>
+              <a:spcBef>
+                <a:spcPts val="500"/>
+              </a:spcBef>
+              <a:buFont typeface="Arial" panose="020B0604020202020204" pitchFamily="34" charset="0"/>
+              <a:buChar char="•"/>
+              <a:defRPr sz="1800" kern="1200">
+                <a:solidFill>
+                  <a:schemeClr val="tx1"/>
+                </a:solidFill>
+                <a:latin typeface="+mn-lt"/>
+                <a:ea typeface="+mn-ea"/>
+                <a:cs typeface="+mn-cs"/>
+              </a:defRPr>
+            </a:lvl9pPr>
+          </a:lstStyle>
+          <a:p>
+            <a:r>
+              <a:rPr lang="en-US" sz="1400" b="1" dirty="0">
+                <a:solidFill>
+                  <a:schemeClr val="accent2"/>
+                </a:solidFill>
+              </a:rPr>
+              <a:t>Term: The number of payments on the </a:t>
+            </a:r>
+            <a:r>
+              <a:rPr lang="en-US" sz="1400" b="1" dirty="0" smtClean="0">
+                <a:solidFill>
+                  <a:schemeClr val="accent2"/>
+                </a:solidFill>
+              </a:rPr>
+              <a:t>loan: </a:t>
+            </a:r>
+            <a:r>
+              <a:rPr lang="en-US" sz="1400" dirty="0" smtClean="0">
+                <a:solidFill>
+                  <a:schemeClr val="accent2"/>
+                </a:solidFill>
+              </a:rPr>
+              <a:t>higher terms lead to more defaults.  </a:t>
+            </a:r>
+          </a:p>
+          <a:p>
+            <a:r>
+              <a:rPr lang="en-US" sz="1400" b="1" dirty="0" smtClean="0">
+                <a:solidFill>
+                  <a:schemeClr val="accent2"/>
+                </a:solidFill>
+              </a:rPr>
+              <a:t>purpose</a:t>
+            </a:r>
+            <a:r>
+              <a:rPr lang="en-US" sz="1400" dirty="0" smtClean="0">
+                <a:solidFill>
+                  <a:schemeClr val="accent2"/>
+                </a:solidFill>
+              </a:rPr>
+              <a:t>: purpose of loan: we found that some purposes for loan have a higher tendency for default like small business, renewable energy, education and others. Some of this might be due to risk associated with these ventures.</a:t>
+            </a:r>
+          </a:p>
+          <a:p>
+            <a:r>
+              <a:rPr lang="en-US" sz="1400" b="1" dirty="0" err="1">
+                <a:solidFill>
+                  <a:schemeClr val="accent2"/>
+                </a:solidFill>
+              </a:rPr>
+              <a:t>revol_util</a:t>
+            </a:r>
+            <a:r>
+              <a:rPr lang="en-US" sz="1400" b="1" dirty="0" smtClean="0">
+                <a:solidFill>
+                  <a:schemeClr val="accent2"/>
+                </a:solidFill>
+              </a:rPr>
+              <a:t>: </a:t>
+            </a:r>
+            <a:r>
+              <a:rPr lang="en-US" sz="1400" dirty="0" smtClean="0">
+                <a:solidFill>
+                  <a:schemeClr val="accent2"/>
+                </a:solidFill>
+              </a:rPr>
+              <a:t>Revolving </a:t>
+            </a:r>
+            <a:r>
+              <a:rPr lang="en-US" sz="1400" dirty="0">
+                <a:solidFill>
+                  <a:schemeClr val="accent2"/>
+                </a:solidFill>
+              </a:rPr>
+              <a:t>line utilization rate, or the amount of credit the borrower is using relative to all available revolving credit: We found that there is an increase in tendency to default in case the </a:t>
+            </a:r>
+            <a:r>
+              <a:rPr lang="en-US" sz="1400" dirty="0" err="1">
+                <a:solidFill>
+                  <a:schemeClr val="accent2"/>
+                </a:solidFill>
+              </a:rPr>
+              <a:t>revol_util</a:t>
+            </a:r>
+            <a:r>
+              <a:rPr lang="en-US" sz="1400" dirty="0">
+                <a:solidFill>
+                  <a:schemeClr val="accent2"/>
+                </a:solidFill>
+              </a:rPr>
+              <a:t> </a:t>
+            </a:r>
+            <a:r>
+              <a:rPr lang="en-US" sz="1400" dirty="0" smtClean="0">
+                <a:solidFill>
+                  <a:schemeClr val="accent2"/>
+                </a:solidFill>
+              </a:rPr>
+              <a:t>increased </a:t>
+            </a:r>
+            <a:endParaRPr lang="en-US" sz="1400" b="1" dirty="0" smtClean="0">
+              <a:solidFill>
+                <a:schemeClr val="accent2"/>
+              </a:solidFill>
+            </a:endParaRPr>
+          </a:p>
+          <a:p>
+            <a:r>
+              <a:rPr lang="en-US" sz="1400" b="1" dirty="0" smtClean="0">
+                <a:solidFill>
+                  <a:schemeClr val="accent2"/>
+                </a:solidFill>
+              </a:rPr>
+              <a:t>inq_last_6mths </a:t>
+            </a:r>
+            <a:r>
+              <a:rPr lang="en-US" sz="1400" dirty="0">
+                <a:solidFill>
+                  <a:schemeClr val="accent2"/>
+                </a:solidFill>
+              </a:rPr>
+              <a:t>: The number of inquiries in past 6 months (excluding auto and mortgage inquiries) : The number of inquiries in past 6 months: we found that tendency to default increases as number of inquiries in past 6 months increases beyond 2, this suggests an evidence of 'credit seeking </a:t>
+            </a:r>
+            <a:r>
+              <a:rPr lang="en-US" sz="1400" dirty="0" smtClean="0">
+                <a:solidFill>
+                  <a:schemeClr val="accent2"/>
+                </a:solidFill>
+              </a:rPr>
+              <a:t>behavior' </a:t>
+            </a:r>
+            <a:r>
+              <a:rPr lang="en-US" sz="1400" dirty="0">
+                <a:solidFill>
+                  <a:schemeClr val="accent2"/>
+                </a:solidFill>
+              </a:rPr>
+              <a:t>on part of loan applicant. </a:t>
+            </a:r>
+          </a:p>
+        </p:txBody>
+      </p:sp>
+    </p:spTree>
+    <p:extLst>
+      <p:ext uri="{BB962C8B-B14F-4D97-AF65-F5344CB8AC3E}">
+        <p14:creationId xmlns:p14="http://schemas.microsoft.com/office/powerpoint/2010/main" val="708976838"/>
       </p:ext>
     </p:extLst>
   </p:cSld>
@@ -11379,11 +12146,7 @@
             </a:r>
             <a:r>
               <a:rPr lang="en-US" sz="1800" dirty="0"/>
-              <a:t>the largest online loan marketplace, facilitating personal loans, business loans, and financing of medical procedures. </a:t>
-            </a:r>
-            <a:r>
-              <a:rPr lang="en-US" sz="1800" dirty="0"/>
-              <a:t>Like most other lending companies, lending loans to ‘risky’ applicants is the largest source of financial loss (called credit loss). </a:t>
+              <a:t>the largest online loan marketplace, facilitating personal loans, business loans, and financing of medical procedures. Like most other lending companies, lending loans to ‘risky’ applicants is the largest source of financial loss (called credit loss). </a:t>
             </a:r>
             <a:r>
               <a:rPr lang="en-US" sz="1800" dirty="0" smtClean="0"/>
@@ -11751,11 +12514,6 @@
                   </a:rPr>
                   <a:t>of these might indicate whether a customer is likely to default or not. These are the variables which we are going to identify and focus on during this EDA case study.</a:t>
                 </a:r>
-                <a:endParaRPr lang="en-US" sz="1200" dirty="0">
-                  <a:solidFill>
-                    <a:schemeClr val="tx1"/>
-                  </a:solidFill>
-                </a:endParaRPr>
               </a:p>
             </p:txBody>
           </p:sp>
@@ -14012,7 +14770,7 @@
           <a:p>
             <a:r>
               <a:rPr lang="en-US" dirty="0" smtClean="0"/>
-              <a:t>Data Analysis 1/n</a:t>
+              <a:t>Data Analysis : Most Impacting Variables</a:t>
             </a:r>
             <a:endParaRPr lang="en-US" dirty="0"/>
           </a:p>
@@ -14028,156 +14786,23 @@
             <p:ph idx="1"/>
           </p:nvPr>
         </p:nvSpPr>
-        <p:spPr/>
-        <p:txBody>
-          <a:bodyPr/>
-          <a:lstStyle/>
-          <a:p>
-            <a:endParaRPr lang="en-US"/>
-          </a:p>
-        </p:txBody>
-      </p:sp>
-    </p:spTree>
-    <p:extLst>
-      <p:ext uri="{BB962C8B-B14F-4D97-AF65-F5344CB8AC3E}">
-        <p14:creationId xmlns:p14="http://schemas.microsoft.com/office/powerpoint/2010/main" val="3517758081"/>
-      </p:ext>
-    </p:extLst>
-  </p:cSld>
-  <p:clrMapOvr>
-    <a:masterClrMapping/>
-  </p:clrMapOvr>
-</p:sld>
-</file>
-
-<file path=ppt/slides/slide7.xml><?xml version="1.0" encoding="utf-8"?>
-<p:sld xmlns:a="http://schemas.openxmlformats.org/drawingml/2006/main" xmlns:r="http://schemas.openxmlformats.org/officeDocument/2006/relationships" xmlns:p="http://schemas.openxmlformats.org/presentationml/2006/main">
-  <p:cSld>
-    <p:spTree>
-      <p:nvGrpSpPr>
-        <p:cNvPr id="1" name=""/>
-        <p:cNvGrpSpPr/>
-        <p:nvPr/>
-      </p:nvGrpSpPr>
-      <p:grpSpPr>
-        <a:xfrm>
-          <a:off x="0" y="0"/>
-          <a:ext cx="0" cy="0"/>
-          <a:chOff x="0" y="0"/>
-          <a:chExt cx="0" cy="0"/>
-        </a:xfrm>
-      </p:grpSpPr>
-      <p:sp>
-        <p:nvSpPr>
-          <p:cNvPr id="3" name="Content Placeholder 2"/>
-          <p:cNvSpPr>
-            <a:spLocks noGrp="1"/>
-          </p:cNvSpPr>
-          <p:nvPr>
-            <p:ph idx="1"/>
-          </p:nvPr>
-        </p:nvSpPr>
         <p:spPr>
           <a:xfrm>
-            <a:off x="404949" y="1854926"/>
-            <a:ext cx="11168742" cy="1959837"/>
+            <a:off x="475288" y="1402788"/>
+            <a:ext cx="11168742" cy="369742"/>
           </a:xfrm>
         </p:spPr>
         <p:txBody>
           <a:bodyPr>
-            <a:normAutofit fontScale="92500" lnSpcReduction="20000"/>
+            <a:normAutofit/>
           </a:bodyPr>
           <a:lstStyle/>
           <a:p>
-            <a:pPr marL="0" indent="0">
-              <a:buNone/>
-            </a:pPr>
-            <a:r>
-              <a:rPr lang="en-US" sz="1800" dirty="0" smtClean="0"/>
-              <a:t>Based on the goals of analysis we found the following variables to be important </a:t>
-            </a:r>
-            <a:endParaRPr lang="en-US" sz="1800" dirty="0" smtClean="0"/>
-          </a:p>
-          <a:p>
-            <a:pPr marL="342900" indent="-342900">
-              <a:buFont typeface="+mj-lt"/>
-              <a:buAutoNum type="arabicPeriod"/>
-            </a:pPr>
-            <a:r>
-              <a:rPr lang="en-US" sz="1800" dirty="0" smtClean="0"/>
-              <a:t>Purpose</a:t>
-            </a:r>
-            <a:endParaRPr lang="en-US" sz="1800" dirty="0" smtClean="0"/>
-          </a:p>
-          <a:p>
-            <a:pPr marL="342900" indent="-342900">
-              <a:buFont typeface="+mj-lt"/>
-              <a:buAutoNum type="arabicPeriod"/>
-            </a:pPr>
-            <a:r>
-              <a:rPr lang="en-US" sz="1800" dirty="0" err="1" smtClean="0"/>
-              <a:t>Pub_Rec</a:t>
-            </a:r>
-            <a:endParaRPr lang="en-US" sz="1800" dirty="0" smtClean="0"/>
-          </a:p>
-          <a:p>
-            <a:pPr marL="342900" indent="-342900">
-              <a:buFont typeface="+mj-lt"/>
-              <a:buAutoNum type="arabicPeriod"/>
-            </a:pPr>
-            <a:r>
-              <a:rPr lang="en-US" sz="1800" dirty="0" smtClean="0"/>
-              <a:t>..</a:t>
-            </a:r>
-          </a:p>
-          <a:p>
-            <a:pPr marL="342900" indent="-342900">
-              <a:buFont typeface="+mj-lt"/>
-              <a:buAutoNum type="arabicPeriod"/>
-            </a:pPr>
-            <a:r>
-              <a:rPr lang="en-US" sz="1800" dirty="0" smtClean="0"/>
-              <a:t>..</a:t>
-            </a:r>
-          </a:p>
-          <a:p>
-            <a:pPr marL="342900" indent="-342900">
-              <a:buFont typeface="+mj-lt"/>
-              <a:buAutoNum type="arabicPeriod"/>
-            </a:pPr>
-            <a:r>
-              <a:rPr lang="en-US" sz="1800" dirty="0" smtClean="0"/>
-              <a:t>..</a:t>
-            </a:r>
-            <a:endParaRPr lang="en-IN" sz="1800" dirty="0"/>
-          </a:p>
-        </p:txBody>
-      </p:sp>
-      <p:sp>
-        <p:nvSpPr>
-          <p:cNvPr id="5" name="Title 1"/>
-          <p:cNvSpPr>
-            <a:spLocks noGrp="1"/>
-          </p:cNvSpPr>
-          <p:nvPr>
-            <p:ph type="title"/>
-          </p:nvPr>
-        </p:nvSpPr>
-        <p:spPr>
-          <a:xfrm>
-            <a:off x="1136469" y="640080"/>
-            <a:ext cx="9313817" cy="856138"/>
-          </a:xfrm>
-        </p:spPr>
-        <p:txBody>
-          <a:bodyPr/>
-          <a:lstStyle/>
-          <a:p>
-            <a:r>
-              <a:rPr lang="en-IN" dirty="0" smtClean="0"/>
-              <a:t>Recommendation</a:t>
-            </a:r>
-            <a:endParaRPr lang="en-IN" sz="2800" dirty="0"/>
+            <a:r>
+              <a:rPr lang="en-US" sz="1600" dirty="0" smtClean="0"/>
+              <a:t>We believe the following variables impact the loan status (Charged off/Fully paid) the most</a:t>
+            </a:r>
+            <a:endParaRPr lang="en-US" sz="1600" dirty="0"/>
           </a:p>
         </p:txBody>
       </p:sp>
@@ -14189,8 +14814,8 @@
         </p:nvSpPr>
         <p:spPr>
           <a:xfrm>
-            <a:off x="733970" y="4173471"/>
-            <a:ext cx="1871663" cy="942975"/>
+            <a:off x="1344386" y="1728782"/>
+            <a:ext cx="2743200" cy="1058795"/>
           </a:xfrm>
           <a:prstGeom prst="rect">
             <a:avLst/>
@@ -14216,25 +14841,57 @@
           <a:bodyPr rtlCol="0" anchor="ctr"/>
           <a:lstStyle/>
           <a:p>
-            <a:pPr algn="ctr"/>
-            <a:r>
-              <a:rPr lang="en-US" dirty="0" smtClean="0"/>
-              <a:t>xx</a:t>
-            </a:r>
-            <a:endParaRPr lang="en-US" dirty="0"/>
+            <a:pPr marL="171450" indent="-171450">
+              <a:buFont typeface="Arial" panose="020B0604020202020204" pitchFamily="34" charset="0"/>
+              <a:buChar char="•"/>
+            </a:pPr>
+            <a:r>
+              <a:rPr lang="en-US" sz="1400" dirty="0"/>
+              <a:t>annual_inc</a:t>
+            </a:r>
+          </a:p>
+          <a:p>
+            <a:pPr marL="171450" indent="-171450">
+              <a:buFont typeface="Arial" panose="020B0604020202020204" pitchFamily="34" charset="0"/>
+              <a:buChar char="•"/>
+            </a:pPr>
+            <a:r>
+              <a:rPr lang="en-US" sz="1400" dirty="0"/>
+              <a:t>emp_length</a:t>
+            </a:r>
+          </a:p>
+          <a:p>
+            <a:pPr marL="171450" indent="-171450">
+              <a:buFont typeface="Arial" panose="020B0604020202020204" pitchFamily="34" charset="0"/>
+              <a:buChar char="•"/>
+            </a:pPr>
+            <a:r>
+              <a:rPr lang="en-US" sz="1400" dirty="0"/>
+              <a:t>pub_rec / pub_rec_bankruptcies</a:t>
+            </a:r>
+          </a:p>
+          <a:p>
+            <a:pPr marL="171450" indent="-171450">
+              <a:buFont typeface="Arial" panose="020B0604020202020204" pitchFamily="34" charset="0"/>
+              <a:buChar char="•"/>
+            </a:pPr>
+            <a:r>
+              <a:rPr lang="en-US" sz="1400" dirty="0"/>
+              <a:t>earliest_cr_line - charged off proportion increasing from 2004</a:t>
+            </a:r>
           </a:p>
         </p:txBody>
       </p:sp>
       <p:sp>
         <p:nvSpPr>
-          <p:cNvPr id="6" name="Rectangle 5"/>
+          <p:cNvPr id="5" name="Rectangle 4"/>
           <p:cNvSpPr/>
           <p:nvPr/>
         </p:nvSpPr>
         <p:spPr>
           <a:xfrm>
-            <a:off x="733970" y="5116446"/>
-            <a:ext cx="1871663" cy="371475"/>
+            <a:off x="1344386" y="2816151"/>
+            <a:ext cx="2743200" cy="274320"/>
           </a:xfrm>
           <a:prstGeom prst="rect">
             <a:avLst/>
@@ -14268,7 +14925,7 @@
             <a:pPr algn="ctr"/>
             <a:r>
               <a:rPr lang="en-US" dirty="0" smtClean="0"/>
-              <a:t>xx</a:t>
+              <a:t>Customer</a:t>
             </a:r>
             <a:endParaRPr lang="en-US" dirty="0"/>
           </a:p>
@@ -14276,14 +14933,14 @@
       </p:sp>
       <p:sp>
         <p:nvSpPr>
-          <p:cNvPr id="7" name="Rectangle 6"/>
+          <p:cNvPr id="6" name="Rectangle 5"/>
           <p:cNvSpPr/>
           <p:nvPr/>
         </p:nvSpPr>
         <p:spPr>
           <a:xfrm>
-            <a:off x="3300957" y="4173471"/>
-            <a:ext cx="1871663" cy="942975"/>
+            <a:off x="4525736" y="1728782"/>
+            <a:ext cx="2743200" cy="1058795"/>
           </a:xfrm>
           <a:prstGeom prst="rect">
             <a:avLst/>
@@ -14312,25 +14969,58 @@
           <a:bodyPr rtlCol="0" anchor="ctr"/>
           <a:lstStyle/>
           <a:p>
-            <a:pPr algn="ctr"/>
-            <a:r>
-              <a:rPr lang="en-US" dirty="0" smtClean="0"/>
-              <a:t>xx</a:t>
-            </a:r>
-            <a:endParaRPr lang="en-US" dirty="0"/>
+            <a:pPr marL="171450" indent="-171450">
+              <a:buFont typeface="Arial" panose="020B0604020202020204" pitchFamily="34" charset="0"/>
+              <a:buChar char="•"/>
+            </a:pPr>
+            <a:r>
+              <a:rPr lang="en-US" sz="1400" dirty="0"/>
+              <a:t>term</a:t>
+            </a:r>
+          </a:p>
+          <a:p>
+            <a:pPr marL="171450" indent="-171450">
+              <a:buFont typeface="Arial" panose="020B0604020202020204" pitchFamily="34" charset="0"/>
+              <a:buChar char="•"/>
+            </a:pPr>
+            <a:r>
+              <a:rPr lang="en-US" sz="1400" dirty="0"/>
+              <a:t>purpose</a:t>
+            </a:r>
+          </a:p>
+          <a:p>
+            <a:pPr marL="171450" indent="-171450">
+              <a:buFont typeface="Arial" panose="020B0604020202020204" pitchFamily="34" charset="0"/>
+              <a:buChar char="•"/>
+            </a:pPr>
+            <a:r>
+              <a:rPr lang="en-US" sz="1400" dirty="0" err="1"/>
+              <a:t>revol_util</a:t>
+            </a:r>
+            <a:endParaRPr lang="en-US" sz="1400" dirty="0"/>
+          </a:p>
+          <a:p>
+            <a:pPr marL="171450" indent="-171450">
+              <a:buFont typeface="Arial" panose="020B0604020202020204" pitchFamily="34" charset="0"/>
+              <a:buChar char="•"/>
+            </a:pPr>
+            <a:r>
+              <a:rPr lang="en-US" sz="1400" dirty="0"/>
+              <a:t>inq_last_6mths</a:t>
+            </a:r>
           </a:p>
         </p:txBody>
       </p:sp>
       <p:sp>
         <p:nvSpPr>
-          <p:cNvPr id="8" name="Rectangle 7"/>
+          <p:cNvPr id="7" name="Rectangle 6"/>
           <p:cNvSpPr/>
           <p:nvPr/>
         </p:nvSpPr>
         <p:spPr>
           <a:xfrm>
-            <a:off x="3300957" y="5116446"/>
-            <a:ext cx="1871663" cy="371475"/>
+            <a:off x="4525736" y="2816151"/>
+            <a:ext cx="2743200" cy="274320"/>
           </a:xfrm>
           <a:prstGeom prst="rect">
             <a:avLst/>
@@ -14364,7 +15054,7 @@
             <a:pPr algn="ctr"/>
             <a:r>
               <a:rPr lang="en-US" dirty="0" smtClean="0"/>
-              <a:t>x</a:t>
+              <a:t>Loan </a:t>
             </a:r>
             <a:endParaRPr lang="en-US" dirty="0"/>
           </a:p>
@@ -14372,14 +15062,14 @@
       </p:sp>
       <p:sp>
         <p:nvSpPr>
-          <p:cNvPr id="9" name="Rectangle 8"/>
+          <p:cNvPr id="8" name="Rectangle 7"/>
           <p:cNvSpPr/>
           <p:nvPr/>
         </p:nvSpPr>
         <p:spPr>
           <a:xfrm>
-            <a:off x="5848894" y="4173471"/>
-            <a:ext cx="4601392" cy="942975"/>
+            <a:off x="7707086" y="1728782"/>
+            <a:ext cx="2743200" cy="1058795"/>
           </a:xfrm>
           <a:prstGeom prst="rect">
             <a:avLst/>
@@ -14408,24 +15098,39 @@
           <a:bodyPr rtlCol="0" anchor="ctr"/>
           <a:lstStyle/>
           <a:p>
-            <a:r>
-              <a:rPr lang="en-US" dirty="0" smtClean="0"/>
-              <a:t>ccc</a:t>
-            </a:r>
-            <a:endParaRPr lang="en-IN" dirty="0"/>
+            <a:pPr marL="171450" indent="-171450">
+              <a:buFont typeface="Arial" panose="020B0604020202020204" pitchFamily="34" charset="0"/>
+              <a:buChar char="•"/>
+            </a:pPr>
+            <a:r>
+              <a:rPr lang="en-US" sz="1400" dirty="0" err="1"/>
+              <a:t>annual_installment</a:t>
+            </a:r>
+            <a:r>
+              <a:rPr lang="en-US" sz="1400" dirty="0"/>
+              <a:t> over </a:t>
+            </a:r>
+            <a:r>
+              <a:rPr lang="en-US" sz="1400" dirty="0" err="1"/>
+              <a:t>annual_income</a:t>
+            </a:r>
+            <a:endParaRPr lang="en-US" sz="1400" dirty="0"/>
+          </a:p>
+          <a:p>
+            <a:endParaRPr lang="en-IN" sz="2000" dirty="0"/>
           </a:p>
         </p:txBody>
       </p:sp>
       <p:sp>
         <p:nvSpPr>
-          <p:cNvPr id="10" name="Rectangle 9"/>
+          <p:cNvPr id="9" name="Rectangle 8"/>
           <p:cNvSpPr/>
           <p:nvPr/>
         </p:nvSpPr>
         <p:spPr>
           <a:xfrm>
-            <a:off x="5848894" y="5116446"/>
-            <a:ext cx="4601392" cy="371475"/>
+            <a:off x="7707085" y="2816151"/>
+            <a:ext cx="2743200" cy="274320"/>
           </a:xfrm>
           <a:prstGeom prst="rect">
             <a:avLst/>
@@ -14466,7 +15171,1003 @@
             <a:pPr algn="ctr"/>
             <a:r>
               <a:rPr lang="en-US" dirty="0" smtClean="0"/>
-              <a:t>cc</a:t>
+              <a:t>Derived</a:t>
+            </a:r>
+            <a:endParaRPr lang="en-US" dirty="0"/>
+          </a:p>
+        </p:txBody>
+      </p:sp>
+      <p:sp>
+        <p:nvSpPr>
+          <p:cNvPr id="10" name="Content Placeholder 2"/>
+          <p:cNvSpPr txBox="1">
+            <a:spLocks/>
+          </p:cNvSpPr>
+          <p:nvPr/>
+        </p:nvSpPr>
+        <p:spPr>
+          <a:xfrm>
+            <a:off x="670551" y="3072669"/>
+            <a:ext cx="11168742" cy="369742"/>
+          </a:xfrm>
+          <a:prstGeom prst="rect">
+            <a:avLst/>
+          </a:prstGeom>
+        </p:spPr>
+        <p:txBody>
+          <a:bodyPr vert="horz" lIns="91440" tIns="45720" rIns="91440" bIns="45720" rtlCol="0">
+            <a:normAutofit/>
+          </a:bodyPr>
+          <a:lstStyle>
+            <a:lvl1pPr marL="228600" indent="-228600" algn="l" defTabSz="914400" rtl="0" eaLnBrk="1" latinLnBrk="0" hangingPunct="1">
+              <a:lnSpc>
+                <a:spcPct val="90000"/>
+              </a:lnSpc>
+              <a:spcBef>
+                <a:spcPts val="1000"/>
+              </a:spcBef>
+              <a:buFont typeface="Arial" panose="020B0604020202020204" pitchFamily="34" charset="0"/>
+              <a:buChar char="•"/>
+              <a:defRPr sz="2800" kern="1200">
+                <a:solidFill>
+                  <a:schemeClr val="tx1"/>
+                </a:solidFill>
+                <a:latin typeface="Times New Roman" panose="02020603050405020304" pitchFamily="18" charset="0"/>
+                <a:ea typeface="+mn-ea"/>
+                <a:cs typeface="Times New Roman" panose="02020603050405020304" pitchFamily="18" charset="0"/>
+              </a:defRPr>
+            </a:lvl1pPr>
+            <a:lvl2pPr marL="685800" indent="-228600" algn="l" defTabSz="914400" rtl="0" eaLnBrk="1" latinLnBrk="0" hangingPunct="1">
+              <a:lnSpc>
+                <a:spcPct val="90000"/>
+              </a:lnSpc>
+              <a:spcBef>
+                <a:spcPts val="500"/>
+              </a:spcBef>
+              <a:buFont typeface="Arial" panose="020B0604020202020204" pitchFamily="34" charset="0"/>
+              <a:buChar char="•"/>
+              <a:defRPr sz="2400" kern="1200">
+                <a:solidFill>
+                  <a:schemeClr val="tx1"/>
+                </a:solidFill>
+                <a:latin typeface="Times New Roman" panose="02020603050405020304" pitchFamily="18" charset="0"/>
+                <a:ea typeface="+mn-ea"/>
+                <a:cs typeface="Times New Roman" panose="02020603050405020304" pitchFamily="18" charset="0"/>
+              </a:defRPr>
+            </a:lvl2pPr>
+            <a:lvl3pPr marL="1143000" indent="-228600" algn="l" defTabSz="914400" rtl="0" eaLnBrk="1" latinLnBrk="0" hangingPunct="1">
+              <a:lnSpc>
+                <a:spcPct val="90000"/>
+              </a:lnSpc>
+              <a:spcBef>
+                <a:spcPts val="500"/>
+              </a:spcBef>
+              <a:buFont typeface="Arial" panose="020B0604020202020204" pitchFamily="34" charset="0"/>
+              <a:buChar char="•"/>
+              <a:defRPr sz="2000" kern="1200">
+                <a:solidFill>
+                  <a:schemeClr val="tx1"/>
+                </a:solidFill>
+                <a:latin typeface="Times New Roman" panose="02020603050405020304" pitchFamily="18" charset="0"/>
+                <a:ea typeface="+mn-ea"/>
+                <a:cs typeface="Times New Roman" panose="02020603050405020304" pitchFamily="18" charset="0"/>
+              </a:defRPr>
+            </a:lvl3pPr>
+            <a:lvl4pPr marL="1600200" indent="-228600" algn="l" defTabSz="914400" rtl="0" eaLnBrk="1" latinLnBrk="0" hangingPunct="1">
+              <a:lnSpc>
+                <a:spcPct val="90000"/>
+              </a:lnSpc>
+              <a:spcBef>
+                <a:spcPts val="500"/>
+              </a:spcBef>
+              <a:buFont typeface="Arial" panose="020B0604020202020204" pitchFamily="34" charset="0"/>
+              <a:buChar char="•"/>
+              <a:defRPr sz="1800" kern="1200">
+                <a:solidFill>
+                  <a:schemeClr val="tx1"/>
+                </a:solidFill>
+                <a:latin typeface="Times New Roman" panose="02020603050405020304" pitchFamily="18" charset="0"/>
+                <a:ea typeface="+mn-ea"/>
+                <a:cs typeface="Times New Roman" panose="02020603050405020304" pitchFamily="18" charset="0"/>
+              </a:defRPr>
+            </a:lvl4pPr>
+            <a:lvl5pPr marL="2057400" indent="-228600" algn="l" defTabSz="914400" rtl="0" eaLnBrk="1" latinLnBrk="0" hangingPunct="1">
+              <a:lnSpc>
+                <a:spcPct val="90000"/>
+              </a:lnSpc>
+              <a:spcBef>
+                <a:spcPts val="500"/>
+              </a:spcBef>
+              <a:buFont typeface="Arial" panose="020B0604020202020204" pitchFamily="34" charset="0"/>
+              <a:buChar char="•"/>
+              <a:defRPr sz="1800" kern="1200">
+                <a:solidFill>
+                  <a:schemeClr val="tx1"/>
+                </a:solidFill>
+                <a:latin typeface="Times New Roman" panose="02020603050405020304" pitchFamily="18" charset="0"/>
+                <a:ea typeface="+mn-ea"/>
+                <a:cs typeface="Times New Roman" panose="02020603050405020304" pitchFamily="18" charset="0"/>
+              </a:defRPr>
+            </a:lvl5pPr>
+            <a:lvl6pPr marL="2514600" indent="-228600" algn="l" defTabSz="914400" rtl="0" eaLnBrk="1" latinLnBrk="0" hangingPunct="1">
+              <a:lnSpc>
+                <a:spcPct val="90000"/>
+              </a:lnSpc>
+              <a:spcBef>
+                <a:spcPts val="500"/>
+              </a:spcBef>
+              <a:buFont typeface="Arial" panose="020B0604020202020204" pitchFamily="34" charset="0"/>
+              <a:buChar char="•"/>
+              <a:defRPr sz="1800" kern="1200">
+                <a:solidFill>
+                  <a:schemeClr val="tx1"/>
+                </a:solidFill>
+                <a:latin typeface="+mn-lt"/>
+                <a:ea typeface="+mn-ea"/>
+                <a:cs typeface="+mn-cs"/>
+              </a:defRPr>
+            </a:lvl6pPr>
+            <a:lvl7pPr marL="2971800" indent="-228600" algn="l" defTabSz="914400" rtl="0" eaLnBrk="1" latinLnBrk="0" hangingPunct="1">
+              <a:lnSpc>
+                <a:spcPct val="90000"/>
+              </a:lnSpc>
+              <a:spcBef>
+                <a:spcPts val="500"/>
+              </a:spcBef>
+              <a:buFont typeface="Arial" panose="020B0604020202020204" pitchFamily="34" charset="0"/>
+              <a:buChar char="•"/>
+              <a:defRPr sz="1800" kern="1200">
+                <a:solidFill>
+                  <a:schemeClr val="tx1"/>
+                </a:solidFill>
+                <a:latin typeface="+mn-lt"/>
+                <a:ea typeface="+mn-ea"/>
+                <a:cs typeface="+mn-cs"/>
+              </a:defRPr>
+            </a:lvl7pPr>
+            <a:lvl8pPr marL="3429000" indent="-228600" algn="l" defTabSz="914400" rtl="0" eaLnBrk="1" latinLnBrk="0" hangingPunct="1">
+              <a:lnSpc>
+                <a:spcPct val="90000"/>
+              </a:lnSpc>
+              <a:spcBef>
+                <a:spcPts val="500"/>
+              </a:spcBef>
+              <a:buFont typeface="Arial" panose="020B0604020202020204" pitchFamily="34" charset="0"/>
+              <a:buChar char="•"/>
+              <a:defRPr sz="1800" kern="1200">
+                <a:solidFill>
+                  <a:schemeClr val="tx1"/>
+                </a:solidFill>
+                <a:latin typeface="+mn-lt"/>
+                <a:ea typeface="+mn-ea"/>
+                <a:cs typeface="+mn-cs"/>
+              </a:defRPr>
+            </a:lvl8pPr>
+            <a:lvl9pPr marL="3886200" indent="-228600" algn="l" defTabSz="914400" rtl="0" eaLnBrk="1" latinLnBrk="0" hangingPunct="1">
+              <a:lnSpc>
+                <a:spcPct val="90000"/>
+              </a:lnSpc>
+              <a:spcBef>
+                <a:spcPts val="500"/>
+              </a:spcBef>
+              <a:buFont typeface="Arial" panose="020B0604020202020204" pitchFamily="34" charset="0"/>
+              <a:buChar char="•"/>
+              <a:defRPr sz="1800" kern="1200">
+                <a:solidFill>
+                  <a:schemeClr val="tx1"/>
+                </a:solidFill>
+                <a:latin typeface="+mn-lt"/>
+                <a:ea typeface="+mn-ea"/>
+                <a:cs typeface="+mn-cs"/>
+              </a:defRPr>
+            </a:lvl9pPr>
+          </a:lstStyle>
+          <a:p>
+            <a:r>
+              <a:rPr lang="en-US" sz="1600" dirty="0" smtClean="0"/>
+              <a:t>Additional Information: </a:t>
+            </a:r>
+            <a:endParaRPr lang="en-US" sz="1600" dirty="0"/>
+          </a:p>
+        </p:txBody>
+      </p:sp>
+      <p:sp>
+        <p:nvSpPr>
+          <p:cNvPr id="11" name="Rectangle 10"/>
+          <p:cNvSpPr/>
+          <p:nvPr/>
+        </p:nvSpPr>
+        <p:spPr>
+          <a:xfrm>
+            <a:off x="1344386" y="3367954"/>
+            <a:ext cx="2743200" cy="523236"/>
+          </a:xfrm>
+          <a:prstGeom prst="rect">
+            <a:avLst/>
+          </a:prstGeom>
+        </p:spPr>
+        <p:style>
+          <a:lnRef idx="2">
+            <a:schemeClr val="accent1">
+              <a:shade val="50000"/>
+            </a:schemeClr>
+          </a:lnRef>
+          <a:fillRef idx="1">
+            <a:schemeClr val="accent1"/>
+          </a:fillRef>
+          <a:effectRef idx="0">
+            <a:schemeClr val="accent1"/>
+          </a:effectRef>
+          <a:fontRef idx="minor">
+            <a:schemeClr val="lt1"/>
+          </a:fontRef>
+        </p:style>
+        <p:txBody>
+          <a:bodyPr rtlCol="0" anchor="ctr"/>
+          <a:lstStyle/>
+          <a:p>
+            <a:pPr marL="171450" indent="-171450">
+              <a:buFont typeface="Arial" panose="020B0604020202020204" pitchFamily="34" charset="0"/>
+              <a:buChar char="•"/>
+            </a:pPr>
+            <a:r>
+              <a:rPr lang="en-US" sz="1400" dirty="0" err="1"/>
+              <a:t>verification_status</a:t>
+            </a:r>
+            <a:r>
+              <a:rPr lang="en-US" sz="1400" dirty="0"/>
+              <a:t> - process </a:t>
+            </a:r>
+            <a:r>
+              <a:rPr lang="en-US" sz="1400" dirty="0" smtClean="0"/>
+              <a:t>related</a:t>
+            </a:r>
+            <a:endParaRPr lang="en-US" sz="1400" dirty="0"/>
+          </a:p>
+        </p:txBody>
+      </p:sp>
+      <p:sp>
+        <p:nvSpPr>
+          <p:cNvPr id="12" name="Rectangle 11"/>
+          <p:cNvSpPr/>
+          <p:nvPr/>
+        </p:nvSpPr>
+        <p:spPr>
+          <a:xfrm>
+            <a:off x="1344386" y="3919764"/>
+            <a:ext cx="2743200" cy="274320"/>
+          </a:xfrm>
+          <a:prstGeom prst="rect">
+            <a:avLst/>
+          </a:prstGeom>
+          <a:solidFill>
+            <a:schemeClr val="accent1">
+              <a:lumMod val="50000"/>
+            </a:schemeClr>
+          </a:solidFill>
+        </p:spPr>
+        <p:style>
+          <a:lnRef idx="2">
+            <a:schemeClr val="accent1">
+              <a:shade val="50000"/>
+            </a:schemeClr>
+          </a:lnRef>
+          <a:fillRef idx="1">
+            <a:schemeClr val="accent1"/>
+          </a:fillRef>
+          <a:effectRef idx="0">
+            <a:schemeClr val="accent1"/>
+          </a:effectRef>
+          <a:fontRef idx="minor">
+            <a:schemeClr val="lt1"/>
+          </a:fontRef>
+        </p:style>
+        <p:txBody>
+          <a:bodyPr rtlCol="0" anchor="ctr"/>
+          <a:lstStyle/>
+          <a:p>
+            <a:pPr algn="ctr"/>
+            <a:r>
+              <a:rPr lang="en-US" dirty="0" smtClean="0"/>
+              <a:t>Customer</a:t>
+            </a:r>
+            <a:endParaRPr lang="en-US" dirty="0"/>
+          </a:p>
+        </p:txBody>
+      </p:sp>
+      <p:sp>
+        <p:nvSpPr>
+          <p:cNvPr id="13" name="Rectangle 12"/>
+          <p:cNvSpPr/>
+          <p:nvPr/>
+        </p:nvSpPr>
+        <p:spPr>
+          <a:xfrm>
+            <a:off x="4525736" y="3367954"/>
+            <a:ext cx="2743200" cy="523236"/>
+          </a:xfrm>
+          <a:prstGeom prst="rect">
+            <a:avLst/>
+          </a:prstGeom>
+          <a:solidFill>
+            <a:schemeClr val="accent2"/>
+          </a:solidFill>
+        </p:spPr>
+        <p:style>
+          <a:lnRef idx="2">
+            <a:schemeClr val="accent1">
+              <a:shade val="50000"/>
+            </a:schemeClr>
+          </a:lnRef>
+          <a:fillRef idx="1">
+            <a:schemeClr val="accent1"/>
+          </a:fillRef>
+          <a:effectRef idx="0">
+            <a:schemeClr val="accent1"/>
+          </a:effectRef>
+          <a:fontRef idx="minor">
+            <a:schemeClr val="lt1"/>
+          </a:fontRef>
+        </p:style>
+        <p:txBody>
+          <a:bodyPr rtlCol="0" anchor="ctr"/>
+          <a:lstStyle/>
+          <a:p>
+            <a:pPr marL="171450" indent="-171450">
+              <a:buFont typeface="Arial" panose="020B0604020202020204" pitchFamily="34" charset="0"/>
+              <a:buChar char="•"/>
+            </a:pPr>
+            <a:r>
+              <a:rPr lang="en-US" sz="1400" dirty="0" err="1"/>
+              <a:t>issue_d</a:t>
+            </a:r>
+            <a:r>
+              <a:rPr lang="en-US" sz="1400" dirty="0" smtClean="0"/>
+              <a:t> </a:t>
+            </a:r>
+            <a:r>
+              <a:rPr lang="en-US" sz="1400" dirty="0"/>
+              <a:t>- process </a:t>
+            </a:r>
+            <a:r>
+              <a:rPr lang="en-US" sz="1400" dirty="0" smtClean="0"/>
+              <a:t>related</a:t>
+            </a:r>
+            <a:endParaRPr lang="en-US" sz="1400" dirty="0"/>
+          </a:p>
+        </p:txBody>
+      </p:sp>
+      <p:sp>
+        <p:nvSpPr>
+          <p:cNvPr id="14" name="Rectangle 13"/>
+          <p:cNvSpPr/>
+          <p:nvPr/>
+        </p:nvSpPr>
+        <p:spPr>
+          <a:xfrm>
+            <a:off x="4525736" y="3919764"/>
+            <a:ext cx="2743200" cy="274320"/>
+          </a:xfrm>
+          <a:prstGeom prst="rect">
+            <a:avLst/>
+          </a:prstGeom>
+          <a:solidFill>
+            <a:schemeClr val="accent2">
+              <a:lumMod val="50000"/>
+            </a:schemeClr>
+          </a:solidFill>
+        </p:spPr>
+        <p:style>
+          <a:lnRef idx="2">
+            <a:schemeClr val="accent1">
+              <a:shade val="50000"/>
+            </a:schemeClr>
+          </a:lnRef>
+          <a:fillRef idx="1">
+            <a:schemeClr val="accent1"/>
+          </a:fillRef>
+          <a:effectRef idx="0">
+            <a:schemeClr val="accent1"/>
+          </a:effectRef>
+          <a:fontRef idx="minor">
+            <a:schemeClr val="lt1"/>
+          </a:fontRef>
+        </p:style>
+        <p:txBody>
+          <a:bodyPr rtlCol="0" anchor="ctr"/>
+          <a:lstStyle/>
+          <a:p>
+            <a:pPr algn="ctr"/>
+            <a:r>
+              <a:rPr lang="en-US" dirty="0" smtClean="0"/>
+              <a:t>Loan </a:t>
+            </a:r>
+            <a:endParaRPr lang="en-US" dirty="0"/>
+          </a:p>
+        </p:txBody>
+      </p:sp>
+      <p:sp>
+        <p:nvSpPr>
+          <p:cNvPr id="15" name="Content Placeholder 2"/>
+          <p:cNvSpPr txBox="1">
+            <a:spLocks/>
+          </p:cNvSpPr>
+          <p:nvPr/>
+        </p:nvSpPr>
+        <p:spPr>
+          <a:xfrm>
+            <a:off x="670551" y="4222658"/>
+            <a:ext cx="11168742" cy="369742"/>
+          </a:xfrm>
+          <a:prstGeom prst="rect">
+            <a:avLst/>
+          </a:prstGeom>
+        </p:spPr>
+        <p:txBody>
+          <a:bodyPr vert="horz" lIns="91440" tIns="45720" rIns="91440" bIns="45720" rtlCol="0">
+            <a:normAutofit/>
+          </a:bodyPr>
+          <a:lstStyle>
+            <a:lvl1pPr marL="228600" indent="-228600" algn="l" defTabSz="914400" rtl="0" eaLnBrk="1" latinLnBrk="0" hangingPunct="1">
+              <a:lnSpc>
+                <a:spcPct val="90000"/>
+              </a:lnSpc>
+              <a:spcBef>
+                <a:spcPts val="1000"/>
+              </a:spcBef>
+              <a:buFont typeface="Arial" panose="020B0604020202020204" pitchFamily="34" charset="0"/>
+              <a:buChar char="•"/>
+              <a:defRPr sz="2800" kern="1200">
+                <a:solidFill>
+                  <a:schemeClr val="tx1"/>
+                </a:solidFill>
+                <a:latin typeface="Times New Roman" panose="02020603050405020304" pitchFamily="18" charset="0"/>
+                <a:ea typeface="+mn-ea"/>
+                <a:cs typeface="Times New Roman" panose="02020603050405020304" pitchFamily="18" charset="0"/>
+              </a:defRPr>
+            </a:lvl1pPr>
+            <a:lvl2pPr marL="685800" indent="-228600" algn="l" defTabSz="914400" rtl="0" eaLnBrk="1" latinLnBrk="0" hangingPunct="1">
+              <a:lnSpc>
+                <a:spcPct val="90000"/>
+              </a:lnSpc>
+              <a:spcBef>
+                <a:spcPts val="500"/>
+              </a:spcBef>
+              <a:buFont typeface="Arial" panose="020B0604020202020204" pitchFamily="34" charset="0"/>
+              <a:buChar char="•"/>
+              <a:defRPr sz="2400" kern="1200">
+                <a:solidFill>
+                  <a:schemeClr val="tx1"/>
+                </a:solidFill>
+                <a:latin typeface="Times New Roman" panose="02020603050405020304" pitchFamily="18" charset="0"/>
+                <a:ea typeface="+mn-ea"/>
+                <a:cs typeface="Times New Roman" panose="02020603050405020304" pitchFamily="18" charset="0"/>
+              </a:defRPr>
+            </a:lvl2pPr>
+            <a:lvl3pPr marL="1143000" indent="-228600" algn="l" defTabSz="914400" rtl="0" eaLnBrk="1" latinLnBrk="0" hangingPunct="1">
+              <a:lnSpc>
+                <a:spcPct val="90000"/>
+              </a:lnSpc>
+              <a:spcBef>
+                <a:spcPts val="500"/>
+              </a:spcBef>
+              <a:buFont typeface="Arial" panose="020B0604020202020204" pitchFamily="34" charset="0"/>
+              <a:buChar char="•"/>
+              <a:defRPr sz="2000" kern="1200">
+                <a:solidFill>
+                  <a:schemeClr val="tx1"/>
+                </a:solidFill>
+                <a:latin typeface="Times New Roman" panose="02020603050405020304" pitchFamily="18" charset="0"/>
+                <a:ea typeface="+mn-ea"/>
+                <a:cs typeface="Times New Roman" panose="02020603050405020304" pitchFamily="18" charset="0"/>
+              </a:defRPr>
+            </a:lvl3pPr>
+            <a:lvl4pPr marL="1600200" indent="-228600" algn="l" defTabSz="914400" rtl="0" eaLnBrk="1" latinLnBrk="0" hangingPunct="1">
+              <a:lnSpc>
+                <a:spcPct val="90000"/>
+              </a:lnSpc>
+              <a:spcBef>
+                <a:spcPts val="500"/>
+              </a:spcBef>
+              <a:buFont typeface="Arial" panose="020B0604020202020204" pitchFamily="34" charset="0"/>
+              <a:buChar char="•"/>
+              <a:defRPr sz="1800" kern="1200">
+                <a:solidFill>
+                  <a:schemeClr val="tx1"/>
+                </a:solidFill>
+                <a:latin typeface="Times New Roman" panose="02020603050405020304" pitchFamily="18" charset="0"/>
+                <a:ea typeface="+mn-ea"/>
+                <a:cs typeface="Times New Roman" panose="02020603050405020304" pitchFamily="18" charset="0"/>
+              </a:defRPr>
+            </a:lvl4pPr>
+            <a:lvl5pPr marL="2057400" indent="-228600" algn="l" defTabSz="914400" rtl="0" eaLnBrk="1" latinLnBrk="0" hangingPunct="1">
+              <a:lnSpc>
+                <a:spcPct val="90000"/>
+              </a:lnSpc>
+              <a:spcBef>
+                <a:spcPts val="500"/>
+              </a:spcBef>
+              <a:buFont typeface="Arial" panose="020B0604020202020204" pitchFamily="34" charset="0"/>
+              <a:buChar char="•"/>
+              <a:defRPr sz="1800" kern="1200">
+                <a:solidFill>
+                  <a:schemeClr val="tx1"/>
+                </a:solidFill>
+                <a:latin typeface="Times New Roman" panose="02020603050405020304" pitchFamily="18" charset="0"/>
+                <a:ea typeface="+mn-ea"/>
+                <a:cs typeface="Times New Roman" panose="02020603050405020304" pitchFamily="18" charset="0"/>
+              </a:defRPr>
+            </a:lvl5pPr>
+            <a:lvl6pPr marL="2514600" indent="-228600" algn="l" defTabSz="914400" rtl="0" eaLnBrk="1" latinLnBrk="0" hangingPunct="1">
+              <a:lnSpc>
+                <a:spcPct val="90000"/>
+              </a:lnSpc>
+              <a:spcBef>
+                <a:spcPts val="500"/>
+              </a:spcBef>
+              <a:buFont typeface="Arial" panose="020B0604020202020204" pitchFamily="34" charset="0"/>
+              <a:buChar char="•"/>
+              <a:defRPr sz="1800" kern="1200">
+                <a:solidFill>
+                  <a:schemeClr val="tx1"/>
+                </a:solidFill>
+                <a:latin typeface="+mn-lt"/>
+                <a:ea typeface="+mn-ea"/>
+                <a:cs typeface="+mn-cs"/>
+              </a:defRPr>
+            </a:lvl6pPr>
+            <a:lvl7pPr marL="2971800" indent="-228600" algn="l" defTabSz="914400" rtl="0" eaLnBrk="1" latinLnBrk="0" hangingPunct="1">
+              <a:lnSpc>
+                <a:spcPct val="90000"/>
+              </a:lnSpc>
+              <a:spcBef>
+                <a:spcPts val="500"/>
+              </a:spcBef>
+              <a:buFont typeface="Arial" panose="020B0604020202020204" pitchFamily="34" charset="0"/>
+              <a:buChar char="•"/>
+              <a:defRPr sz="1800" kern="1200">
+                <a:solidFill>
+                  <a:schemeClr val="tx1"/>
+                </a:solidFill>
+                <a:latin typeface="+mn-lt"/>
+                <a:ea typeface="+mn-ea"/>
+                <a:cs typeface="+mn-cs"/>
+              </a:defRPr>
+            </a:lvl7pPr>
+            <a:lvl8pPr marL="3429000" indent="-228600" algn="l" defTabSz="914400" rtl="0" eaLnBrk="1" latinLnBrk="0" hangingPunct="1">
+              <a:lnSpc>
+                <a:spcPct val="90000"/>
+              </a:lnSpc>
+              <a:spcBef>
+                <a:spcPts val="500"/>
+              </a:spcBef>
+              <a:buFont typeface="Arial" panose="020B0604020202020204" pitchFamily="34" charset="0"/>
+              <a:buChar char="•"/>
+              <a:defRPr sz="1800" kern="1200">
+                <a:solidFill>
+                  <a:schemeClr val="tx1"/>
+                </a:solidFill>
+                <a:latin typeface="+mn-lt"/>
+                <a:ea typeface="+mn-ea"/>
+                <a:cs typeface="+mn-cs"/>
+              </a:defRPr>
+            </a:lvl8pPr>
+            <a:lvl9pPr marL="3886200" indent="-228600" algn="l" defTabSz="914400" rtl="0" eaLnBrk="1" latinLnBrk="0" hangingPunct="1">
+              <a:lnSpc>
+                <a:spcPct val="90000"/>
+              </a:lnSpc>
+              <a:spcBef>
+                <a:spcPts val="500"/>
+              </a:spcBef>
+              <a:buFont typeface="Arial" panose="020B0604020202020204" pitchFamily="34" charset="0"/>
+              <a:buChar char="•"/>
+              <a:defRPr sz="1800" kern="1200">
+                <a:solidFill>
+                  <a:schemeClr val="tx1"/>
+                </a:solidFill>
+                <a:latin typeface="+mn-lt"/>
+                <a:ea typeface="+mn-ea"/>
+                <a:cs typeface="+mn-cs"/>
+              </a:defRPr>
+            </a:lvl9pPr>
+          </a:lstStyle>
+          <a:p>
+            <a:r>
+              <a:rPr lang="en-US" sz="1600" dirty="0" smtClean="0"/>
+              <a:t>Other Significant Variables</a:t>
+            </a:r>
+            <a:endParaRPr lang="en-US" sz="1600" dirty="0"/>
+          </a:p>
+        </p:txBody>
+      </p:sp>
+      <p:sp>
+        <p:nvSpPr>
+          <p:cNvPr id="16" name="Rectangle 15"/>
+          <p:cNvSpPr/>
+          <p:nvPr/>
+        </p:nvSpPr>
+        <p:spPr>
+          <a:xfrm>
+            <a:off x="1344385" y="4592401"/>
+            <a:ext cx="2743200" cy="1190642"/>
+          </a:xfrm>
+          <a:prstGeom prst="rect">
+            <a:avLst/>
+          </a:prstGeom>
+        </p:spPr>
+        <p:style>
+          <a:lnRef idx="2">
+            <a:schemeClr val="accent1">
+              <a:shade val="50000"/>
+            </a:schemeClr>
+          </a:lnRef>
+          <a:fillRef idx="1">
+            <a:schemeClr val="accent1"/>
+          </a:fillRef>
+          <a:effectRef idx="0">
+            <a:schemeClr val="accent1"/>
+          </a:effectRef>
+          <a:fontRef idx="minor">
+            <a:schemeClr val="lt1"/>
+          </a:fontRef>
+        </p:style>
+        <p:txBody>
+          <a:bodyPr rtlCol="0" anchor="ctr"/>
+          <a:lstStyle/>
+          <a:p>
+            <a:pPr marL="171450" indent="-171450">
+              <a:buFont typeface="Arial" panose="020B0604020202020204" pitchFamily="34" charset="0"/>
+              <a:buChar char="•"/>
+            </a:pPr>
+            <a:r>
+              <a:rPr lang="en-US" sz="1400" dirty="0" err="1"/>
+              <a:t>addr_state</a:t>
+            </a:r>
+            <a:endParaRPr lang="en-US" sz="1400" dirty="0"/>
+          </a:p>
+          <a:p>
+            <a:pPr marL="171450" indent="-171450">
+              <a:buFont typeface="Arial" panose="020B0604020202020204" pitchFamily="34" charset="0"/>
+              <a:buChar char="•"/>
+            </a:pPr>
+            <a:r>
+              <a:rPr lang="en-US" sz="1400" dirty="0" err="1"/>
+              <a:t>dti</a:t>
+            </a:r>
+            <a:endParaRPr lang="en-US" sz="1400" dirty="0"/>
+          </a:p>
+          <a:p>
+            <a:pPr marL="171450" indent="-171450">
+              <a:buFont typeface="Arial" panose="020B0604020202020204" pitchFamily="34" charset="0"/>
+              <a:buChar char="•"/>
+            </a:pPr>
+            <a:r>
+              <a:rPr lang="en-US" sz="1400" dirty="0" err="1"/>
+              <a:t>home_ownership</a:t>
+            </a:r>
+            <a:endParaRPr lang="en-US" sz="1400" dirty="0"/>
+          </a:p>
+          <a:p>
+            <a:pPr marL="171450" indent="-171450">
+              <a:buFont typeface="Arial" panose="020B0604020202020204" pitchFamily="34" charset="0"/>
+              <a:buChar char="•"/>
+            </a:pPr>
+            <a:r>
+              <a:rPr lang="en-US" sz="1400" dirty="0" err="1"/>
+              <a:t>mths_since_last_record</a:t>
+            </a:r>
+            <a:endParaRPr lang="en-US" sz="1400" dirty="0"/>
+          </a:p>
+          <a:p>
+            <a:pPr marL="171450" indent="-171450">
+              <a:buFont typeface="Arial" panose="020B0604020202020204" pitchFamily="34" charset="0"/>
+              <a:buChar char="•"/>
+            </a:pPr>
+            <a:r>
+              <a:rPr lang="en-US" sz="1400" dirty="0" err="1"/>
+              <a:t>total_acc</a:t>
+            </a:r>
+            <a:endParaRPr lang="en-US" sz="1400" dirty="0"/>
+          </a:p>
+        </p:txBody>
+      </p:sp>
+      <p:sp>
+        <p:nvSpPr>
+          <p:cNvPr id="17" name="Rectangle 16"/>
+          <p:cNvSpPr/>
+          <p:nvPr/>
+        </p:nvSpPr>
+        <p:spPr>
+          <a:xfrm>
+            <a:off x="1344385" y="5811616"/>
+            <a:ext cx="2743200" cy="274320"/>
+          </a:xfrm>
+          <a:prstGeom prst="rect">
+            <a:avLst/>
+          </a:prstGeom>
+          <a:solidFill>
+            <a:schemeClr val="accent1">
+              <a:lumMod val="50000"/>
+            </a:schemeClr>
+          </a:solidFill>
+        </p:spPr>
+        <p:style>
+          <a:lnRef idx="2">
+            <a:schemeClr val="accent1">
+              <a:shade val="50000"/>
+            </a:schemeClr>
+          </a:lnRef>
+          <a:fillRef idx="1">
+            <a:schemeClr val="accent1"/>
+          </a:fillRef>
+          <a:effectRef idx="0">
+            <a:schemeClr val="accent1"/>
+          </a:effectRef>
+          <a:fontRef idx="minor">
+            <a:schemeClr val="lt1"/>
+          </a:fontRef>
+        </p:style>
+        <p:txBody>
+          <a:bodyPr rtlCol="0" anchor="ctr"/>
+          <a:lstStyle/>
+          <a:p>
+            <a:pPr algn="ctr"/>
+            <a:r>
+              <a:rPr lang="en-US" dirty="0" smtClean="0"/>
+              <a:t>Customer</a:t>
+            </a:r>
+            <a:endParaRPr lang="en-US" dirty="0"/>
+          </a:p>
+        </p:txBody>
+      </p:sp>
+      <p:sp>
+        <p:nvSpPr>
+          <p:cNvPr id="18" name="Rectangle 17"/>
+          <p:cNvSpPr/>
+          <p:nvPr/>
+        </p:nvSpPr>
+        <p:spPr>
+          <a:xfrm>
+            <a:off x="4525735" y="4592401"/>
+            <a:ext cx="2743200" cy="1190642"/>
+          </a:xfrm>
+          <a:prstGeom prst="rect">
+            <a:avLst/>
+          </a:prstGeom>
+          <a:solidFill>
+            <a:schemeClr val="accent2"/>
+          </a:solidFill>
+        </p:spPr>
+        <p:style>
+          <a:lnRef idx="2">
+            <a:schemeClr val="accent1">
+              <a:shade val="50000"/>
+            </a:schemeClr>
+          </a:lnRef>
+          <a:fillRef idx="1">
+            <a:schemeClr val="accent1"/>
+          </a:fillRef>
+          <a:effectRef idx="0">
+            <a:schemeClr val="accent1"/>
+          </a:effectRef>
+          <a:fontRef idx="minor">
+            <a:schemeClr val="lt1"/>
+          </a:fontRef>
+        </p:style>
+        <p:txBody>
+          <a:bodyPr rtlCol="0" anchor="ctr"/>
+          <a:lstStyle/>
+          <a:p>
+            <a:pPr marL="171450" indent="-171450">
+              <a:buFont typeface="Arial" panose="020B0604020202020204" pitchFamily="34" charset="0"/>
+              <a:buChar char="•"/>
+            </a:pPr>
+            <a:r>
+              <a:rPr lang="en-US" sz="1400" dirty="0" err="1"/>
+              <a:t>loan_amnt</a:t>
+            </a:r>
+            <a:endParaRPr lang="en-US" sz="1400" dirty="0"/>
+          </a:p>
+          <a:p>
+            <a:pPr marL="171450" indent="-171450">
+              <a:buFont typeface="Arial" panose="020B0604020202020204" pitchFamily="34" charset="0"/>
+              <a:buChar char="•"/>
+            </a:pPr>
+            <a:r>
+              <a:rPr lang="en-US" sz="1400" dirty="0"/>
+              <a:t>installment</a:t>
+            </a:r>
+          </a:p>
+        </p:txBody>
+      </p:sp>
+      <p:sp>
+        <p:nvSpPr>
+          <p:cNvPr id="19" name="Rectangle 18"/>
+          <p:cNvSpPr/>
+          <p:nvPr/>
+        </p:nvSpPr>
+        <p:spPr>
+          <a:xfrm>
+            <a:off x="4525735" y="5811616"/>
+            <a:ext cx="2743200" cy="274320"/>
+          </a:xfrm>
+          <a:prstGeom prst="rect">
+            <a:avLst/>
+          </a:prstGeom>
+          <a:solidFill>
+            <a:schemeClr val="accent2">
+              <a:lumMod val="50000"/>
+            </a:schemeClr>
+          </a:solidFill>
+        </p:spPr>
+        <p:style>
+          <a:lnRef idx="2">
+            <a:schemeClr val="accent1">
+              <a:shade val="50000"/>
+            </a:schemeClr>
+          </a:lnRef>
+          <a:fillRef idx="1">
+            <a:schemeClr val="accent1"/>
+          </a:fillRef>
+          <a:effectRef idx="0">
+            <a:schemeClr val="accent1"/>
+          </a:effectRef>
+          <a:fontRef idx="minor">
+            <a:schemeClr val="lt1"/>
+          </a:fontRef>
+        </p:style>
+        <p:txBody>
+          <a:bodyPr rtlCol="0" anchor="ctr"/>
+          <a:lstStyle/>
+          <a:p>
+            <a:pPr algn="ctr"/>
+            <a:r>
+              <a:rPr lang="en-US" dirty="0" smtClean="0"/>
+              <a:t>Loan </a:t>
+            </a:r>
+            <a:endParaRPr lang="en-US" dirty="0"/>
+          </a:p>
+        </p:txBody>
+      </p:sp>
+      <p:sp>
+        <p:nvSpPr>
+          <p:cNvPr id="20" name="Rectangle 19"/>
+          <p:cNvSpPr/>
+          <p:nvPr/>
+        </p:nvSpPr>
+        <p:spPr>
+          <a:xfrm>
+            <a:off x="7707085" y="4592401"/>
+            <a:ext cx="2743200" cy="1190642"/>
+          </a:xfrm>
+          <a:prstGeom prst="rect">
+            <a:avLst/>
+          </a:prstGeom>
+          <a:solidFill>
+            <a:schemeClr val="accent6"/>
+          </a:solidFill>
+        </p:spPr>
+        <p:style>
+          <a:lnRef idx="2">
+            <a:schemeClr val="accent1">
+              <a:shade val="50000"/>
+            </a:schemeClr>
+          </a:lnRef>
+          <a:fillRef idx="1">
+            <a:schemeClr val="accent1"/>
+          </a:fillRef>
+          <a:effectRef idx="0">
+            <a:schemeClr val="accent1"/>
+          </a:effectRef>
+          <a:fontRef idx="minor">
+            <a:schemeClr val="lt1"/>
+          </a:fontRef>
+        </p:style>
+        <p:txBody>
+          <a:bodyPr rtlCol="0" anchor="ctr"/>
+          <a:lstStyle/>
+          <a:p>
+            <a:pPr marL="171450" indent="-171450">
+              <a:buFont typeface="Arial" panose="020B0604020202020204" pitchFamily="34" charset="0"/>
+              <a:buChar char="•"/>
+            </a:pPr>
+            <a:r>
+              <a:rPr lang="en-US" sz="1400" dirty="0"/>
+              <a:t>Loan amount over annual income</a:t>
+            </a:r>
+          </a:p>
+          <a:p>
+            <a:pPr marL="171450" indent="-171450">
+              <a:buFont typeface="Arial" panose="020B0604020202020204" pitchFamily="34" charset="0"/>
+              <a:buChar char="•"/>
+            </a:pPr>
+            <a:r>
+              <a:rPr lang="en-US" sz="1400" dirty="0"/>
+              <a:t>Surplus amount</a:t>
+            </a:r>
+          </a:p>
+          <a:p>
+            <a:pPr marL="171450" indent="-171450">
+              <a:buFont typeface="Arial" panose="020B0604020202020204" pitchFamily="34" charset="0"/>
+              <a:buChar char="•"/>
+            </a:pPr>
+            <a:r>
+              <a:rPr lang="en-US" sz="1400" dirty="0"/>
+              <a:t>Funded amount over loan amount</a:t>
+            </a:r>
+          </a:p>
+          <a:p>
+            <a:pPr marL="171450" indent="-171450">
+              <a:buFont typeface="Arial" panose="020B0604020202020204" pitchFamily="34" charset="0"/>
+              <a:buChar char="•"/>
+            </a:pPr>
+            <a:r>
+              <a:rPr lang="en-US" sz="1400" dirty="0" err="1"/>
+              <a:t>open_acc</a:t>
+            </a:r>
+            <a:r>
+              <a:rPr lang="en-US" sz="1400" dirty="0"/>
+              <a:t> over </a:t>
+            </a:r>
+            <a:r>
+              <a:rPr lang="en-US" sz="1400" dirty="0" err="1"/>
+              <a:t>total_vamp</a:t>
+            </a:r>
+            <a:endParaRPr lang="en-IN" sz="2000" dirty="0"/>
+          </a:p>
+        </p:txBody>
+      </p:sp>
+      <p:sp>
+        <p:nvSpPr>
+          <p:cNvPr id="21" name="Rectangle 20"/>
+          <p:cNvSpPr/>
+          <p:nvPr/>
+        </p:nvSpPr>
+        <p:spPr>
+          <a:xfrm>
+            <a:off x="7707084" y="5811616"/>
+            <a:ext cx="2743200" cy="274320"/>
+          </a:xfrm>
+          <a:prstGeom prst="rect">
+            <a:avLst/>
+          </a:prstGeom>
+          <a:solidFill>
+            <a:schemeClr val="accent6">
+              <a:lumMod val="50000"/>
+            </a:schemeClr>
+          </a:solidFill>
+          <a:ln>
+            <a:solidFill>
+              <a:schemeClr val="accent6">
+                <a:lumMod val="50000"/>
+              </a:schemeClr>
+            </a:solidFill>
+          </a:ln>
+        </p:spPr>
+        <p:style>
+          <a:lnRef idx="2">
+            <a:schemeClr val="accent1">
+              <a:shade val="50000"/>
+            </a:schemeClr>
+          </a:lnRef>
+          <a:fillRef idx="1">
+            <a:schemeClr val="accent1"/>
+          </a:fillRef>
+          <a:effectRef idx="0">
+            <a:schemeClr val="accent1"/>
+          </a:effectRef>
+          <a:fontRef idx="minor">
+            <a:schemeClr val="lt1"/>
+          </a:fontRef>
+        </p:style>
+        <p:txBody>
+          <a:bodyPr rtlCol="0" anchor="ctr"/>
+          <a:lstStyle/>
+          <a:p>
+            <a:pPr algn="ctr"/>
+            <a:r>
+              <a:rPr lang="en-US" dirty="0" smtClean="0"/>
+              <a:t>Derived</a:t>
             </a:r>
             <a:endParaRPr lang="en-US" dirty="0"/>
           </a:p>
@@ -14475,13 +16176,3126 @@
     </p:spTree>
     <p:extLst>
       <p:ext uri="{BB962C8B-B14F-4D97-AF65-F5344CB8AC3E}">
-        <p14:creationId xmlns:p14="http://schemas.microsoft.com/office/powerpoint/2010/main" val="1399706687"/>
+        <p14:creationId xmlns:p14="http://schemas.microsoft.com/office/powerpoint/2010/main" val="3517758081"/>
       </p:ext>
     </p:extLst>
   </p:cSld>
   <p:clrMapOvr>
     <a:masterClrMapping/>
   </p:clrMapOvr>
+  <p:timing>
+    <p:tnLst>
+      <p:par>
+        <p:cTn id="1" dur="indefinite" restart="never" nodeType="tmRoot"/>
+      </p:par>
+    </p:tnLst>
+  </p:timing>
+</p:sld>
+</file>
+
+<file path=ppt/slides/slide7.xml><?xml version="1.0" encoding="utf-8"?>
+<p:sld xmlns:a="http://schemas.openxmlformats.org/drawingml/2006/main" xmlns:r="http://schemas.openxmlformats.org/officeDocument/2006/relationships" xmlns:p="http://schemas.openxmlformats.org/presentationml/2006/main">
+  <p:cSld>
+    <p:spTree>
+      <p:nvGrpSpPr>
+        <p:cNvPr id="1" name=""/>
+        <p:cNvGrpSpPr/>
+        <p:nvPr/>
+      </p:nvGrpSpPr>
+      <p:grpSpPr>
+        <a:xfrm>
+          <a:off x="0" y="0"/>
+          <a:ext cx="0" cy="0"/>
+          <a:chOff x="0" y="0"/>
+          <a:chExt cx="0" cy="0"/>
+        </a:xfrm>
+      </p:grpSpPr>
+      <p:sp>
+        <p:nvSpPr>
+          <p:cNvPr id="2" name="Title 1"/>
+          <p:cNvSpPr>
+            <a:spLocks noGrp="1"/>
+          </p:cNvSpPr>
+          <p:nvPr>
+            <p:ph type="title"/>
+          </p:nvPr>
+        </p:nvSpPr>
+        <p:spPr>
+          <a:xfrm>
+            <a:off x="1136469" y="640080"/>
+            <a:ext cx="8542103" cy="856138"/>
+          </a:xfrm>
+        </p:spPr>
+        <p:txBody>
+          <a:bodyPr>
+            <a:noAutofit/>
+          </a:bodyPr>
+          <a:lstStyle/>
+          <a:p>
+            <a:r>
+              <a:rPr lang="en-US" sz="2400" dirty="0" smtClean="0"/>
+              <a:t>Data  Analysis : Insight into establishing Impacting variables : Customer Variable – </a:t>
+            </a:r>
+            <a:r>
+              <a:rPr lang="en-US" sz="2400" dirty="0" err="1"/>
+              <a:t>p</a:t>
+            </a:r>
+            <a:r>
+              <a:rPr lang="en-US" sz="2400" dirty="0" err="1" smtClean="0"/>
+              <a:t>ub_rec</a:t>
+            </a:r>
+            <a:r>
+              <a:rPr lang="en-US" sz="2400" dirty="0" smtClean="0"/>
+              <a:t>/</a:t>
+            </a:r>
+            <a:r>
+              <a:rPr lang="en-US" sz="2400" dirty="0" err="1" smtClean="0"/>
+              <a:t>pub_rec_bankruptcies</a:t>
+            </a:r>
+            <a:endParaRPr lang="en-US" sz="2400" dirty="0"/>
+          </a:p>
+        </p:txBody>
+      </p:sp>
+      <p:sp>
+        <p:nvSpPr>
+          <p:cNvPr id="4" name="Rectangle 3"/>
+          <p:cNvSpPr/>
+          <p:nvPr/>
+        </p:nvSpPr>
+        <p:spPr>
+          <a:xfrm>
+            <a:off x="9448800" y="642145"/>
+            <a:ext cx="2743200" cy="1058795"/>
+          </a:xfrm>
+          <a:prstGeom prst="rect">
+            <a:avLst/>
+          </a:prstGeom>
+        </p:spPr>
+        <p:style>
+          <a:lnRef idx="2">
+            <a:schemeClr val="accent1">
+              <a:shade val="50000"/>
+            </a:schemeClr>
+          </a:lnRef>
+          <a:fillRef idx="1">
+            <a:schemeClr val="accent1"/>
+          </a:fillRef>
+          <a:effectRef idx="0">
+            <a:schemeClr val="accent1"/>
+          </a:effectRef>
+          <a:fontRef idx="minor">
+            <a:schemeClr val="lt1"/>
+          </a:fontRef>
+        </p:style>
+        <p:txBody>
+          <a:bodyPr rtlCol="0" anchor="ctr"/>
+          <a:lstStyle/>
+          <a:p>
+            <a:pPr marL="171450" indent="-171450">
+              <a:buFont typeface="Arial" panose="020B0604020202020204" pitchFamily="34" charset="0"/>
+              <a:buChar char="•"/>
+            </a:pPr>
+            <a:r>
+              <a:rPr lang="en-US" sz="1400" dirty="0"/>
+              <a:t>annual_inc</a:t>
+            </a:r>
+          </a:p>
+          <a:p>
+            <a:pPr marL="171450" indent="-171450">
+              <a:buFont typeface="Arial" panose="020B0604020202020204" pitchFamily="34" charset="0"/>
+              <a:buChar char="•"/>
+            </a:pPr>
+            <a:r>
+              <a:rPr lang="en-US" sz="1400" dirty="0"/>
+              <a:t>emp_length</a:t>
+            </a:r>
+          </a:p>
+          <a:p>
+            <a:pPr marL="171450" indent="-171450">
+              <a:buFont typeface="Arial" panose="020B0604020202020204" pitchFamily="34" charset="0"/>
+              <a:buChar char="•"/>
+            </a:pPr>
+            <a:r>
+              <a:rPr lang="en-US" sz="1400" dirty="0"/>
+              <a:t>pub_rec / pub_rec_bankruptcies</a:t>
+            </a:r>
+          </a:p>
+          <a:p>
+            <a:pPr marL="171450" indent="-171450">
+              <a:buFont typeface="Arial" panose="020B0604020202020204" pitchFamily="34" charset="0"/>
+              <a:buChar char="•"/>
+            </a:pPr>
+            <a:r>
+              <a:rPr lang="en-US" sz="1400" dirty="0"/>
+              <a:t>earliest_cr_line - charged off proportion increasing from 2004</a:t>
+            </a:r>
+          </a:p>
+        </p:txBody>
+      </p:sp>
+      <p:sp>
+        <p:nvSpPr>
+          <p:cNvPr id="5" name="Rectangle 4"/>
+          <p:cNvSpPr/>
+          <p:nvPr/>
+        </p:nvSpPr>
+        <p:spPr>
+          <a:xfrm>
+            <a:off x="9448800" y="1729514"/>
+            <a:ext cx="2743200" cy="274320"/>
+          </a:xfrm>
+          <a:prstGeom prst="rect">
+            <a:avLst/>
+          </a:prstGeom>
+          <a:solidFill>
+            <a:schemeClr val="accent1">
+              <a:lumMod val="50000"/>
+            </a:schemeClr>
+          </a:solidFill>
+        </p:spPr>
+        <p:style>
+          <a:lnRef idx="2">
+            <a:schemeClr val="accent1">
+              <a:shade val="50000"/>
+            </a:schemeClr>
+          </a:lnRef>
+          <a:fillRef idx="1">
+            <a:schemeClr val="accent1"/>
+          </a:fillRef>
+          <a:effectRef idx="0">
+            <a:schemeClr val="accent1"/>
+          </a:effectRef>
+          <a:fontRef idx="minor">
+            <a:schemeClr val="lt1"/>
+          </a:fontRef>
+        </p:style>
+        <p:txBody>
+          <a:bodyPr rtlCol="0" anchor="ctr"/>
+          <a:lstStyle/>
+          <a:p>
+            <a:pPr algn="ctr"/>
+            <a:r>
+              <a:rPr lang="en-US" dirty="0" smtClean="0"/>
+              <a:t>Customer</a:t>
+            </a:r>
+            <a:endParaRPr lang="en-US" dirty="0"/>
+          </a:p>
+        </p:txBody>
+      </p:sp>
+      <p:sp>
+        <p:nvSpPr>
+          <p:cNvPr id="7" name="Rectangle 6"/>
+          <p:cNvSpPr/>
+          <p:nvPr/>
+        </p:nvSpPr>
+        <p:spPr>
+          <a:xfrm>
+            <a:off x="93221" y="1496218"/>
+            <a:ext cx="5199414" cy="523220"/>
+          </a:xfrm>
+          <a:prstGeom prst="rect">
+            <a:avLst/>
+          </a:prstGeom>
+        </p:spPr>
+        <p:txBody>
+          <a:bodyPr wrap="square">
+            <a:spAutoFit/>
+          </a:bodyPr>
+          <a:lstStyle/>
+          <a:p>
+            <a:pPr marL="285750" indent="-285750">
+              <a:buFont typeface="Arial" panose="020B0604020202020204" pitchFamily="34" charset="0"/>
+              <a:buChar char="•"/>
+            </a:pPr>
+            <a:r>
+              <a:rPr lang="en-US" sz="1400" dirty="0" err="1" smtClean="0"/>
+              <a:t>pub_rec</a:t>
+            </a:r>
+            <a:r>
+              <a:rPr lang="en-US" sz="1400" dirty="0"/>
+              <a:t>: Number of derogatory public records; </a:t>
+            </a:r>
+          </a:p>
+          <a:p>
+            <a:pPr marL="285750" indent="-285750">
+              <a:buFont typeface="Arial" panose="020B0604020202020204" pitchFamily="34" charset="0"/>
+              <a:buChar char="•"/>
+            </a:pPr>
+            <a:r>
+              <a:rPr lang="en-US" sz="1400" dirty="0" err="1" smtClean="0"/>
+              <a:t>pub_rec_bankruptcies</a:t>
+            </a:r>
+            <a:r>
+              <a:rPr lang="en-US" sz="1400" dirty="0"/>
+              <a:t>: Number of public record bankruptcies</a:t>
+            </a:r>
+          </a:p>
+        </p:txBody>
+      </p:sp>
+      <p:pic>
+        <p:nvPicPr>
+          <p:cNvPr id="9" name="Picture 8"/>
+          <p:cNvPicPr>
+            <a:picLocks noChangeAspect="1"/>
+          </p:cNvPicPr>
+          <p:nvPr/>
+        </p:nvPicPr>
+        <p:blipFill>
+          <a:blip r:embed="rId2"/>
+          <a:stretch>
+            <a:fillRect/>
+          </a:stretch>
+        </p:blipFill>
+        <p:spPr>
+          <a:xfrm>
+            <a:off x="0" y="4338674"/>
+            <a:ext cx="6166630" cy="2339480"/>
+          </a:xfrm>
+          <a:prstGeom prst="rect">
+            <a:avLst/>
+          </a:prstGeom>
+        </p:spPr>
+      </p:pic>
+      <p:grpSp>
+        <p:nvGrpSpPr>
+          <p:cNvPr id="13" name="Group 12"/>
+          <p:cNvGrpSpPr/>
+          <p:nvPr/>
+        </p:nvGrpSpPr>
+        <p:grpSpPr>
+          <a:xfrm>
+            <a:off x="82948" y="2379287"/>
+            <a:ext cx="3211628" cy="1959387"/>
+            <a:chOff x="-490268" y="1580184"/>
+            <a:chExt cx="3718065" cy="2451541"/>
+          </a:xfrm>
+        </p:grpSpPr>
+        <p:pic>
+          <p:nvPicPr>
+            <p:cNvPr id="8" name="Picture 7"/>
+            <p:cNvPicPr>
+              <a:picLocks noChangeAspect="1"/>
+            </p:cNvPicPr>
+            <p:nvPr/>
+          </p:nvPicPr>
+          <p:blipFill>
+            <a:blip r:embed="rId3"/>
+            <a:stretch>
+              <a:fillRect/>
+            </a:stretch>
+          </p:blipFill>
+          <p:spPr>
+            <a:xfrm>
+              <a:off x="-490268" y="1580184"/>
+              <a:ext cx="3718065" cy="2451541"/>
+            </a:xfrm>
+            <a:prstGeom prst="rect">
+              <a:avLst/>
+            </a:prstGeom>
+          </p:spPr>
+        </p:pic>
+        <p:sp>
+          <p:nvSpPr>
+            <p:cNvPr id="10" name="TextBox 9"/>
+            <p:cNvSpPr txBox="1"/>
+            <p:nvPr/>
+          </p:nvSpPr>
+          <p:spPr>
+            <a:xfrm>
+              <a:off x="729381" y="2894480"/>
+              <a:ext cx="1527266" cy="338554"/>
+            </a:xfrm>
+            <a:prstGeom prst="rect">
+              <a:avLst/>
+            </a:prstGeom>
+            <a:noFill/>
+          </p:spPr>
+          <p:txBody>
+            <a:bodyPr wrap="square" rtlCol="0">
+              <a:spAutoFit/>
+            </a:bodyPr>
+            <a:lstStyle/>
+            <a:p>
+              <a:r>
+                <a:rPr lang="en-US" sz="1600" dirty="0" smtClean="0"/>
+                <a:t>Count plot</a:t>
+              </a:r>
+              <a:endParaRPr lang="en-US" sz="1600" dirty="0"/>
+            </a:p>
+          </p:txBody>
+        </p:sp>
+      </p:grpSp>
+      <p:sp>
+        <p:nvSpPr>
+          <p:cNvPr id="11" name="TextBox 10"/>
+          <p:cNvSpPr txBox="1"/>
+          <p:nvPr/>
+        </p:nvSpPr>
+        <p:spPr>
+          <a:xfrm>
+            <a:off x="639338" y="5926860"/>
+            <a:ext cx="1527266" cy="369332"/>
+          </a:xfrm>
+          <a:prstGeom prst="rect">
+            <a:avLst/>
+          </a:prstGeom>
+          <a:noFill/>
+        </p:spPr>
+        <p:txBody>
+          <a:bodyPr wrap="square" rtlCol="0">
+            <a:spAutoFit/>
+          </a:bodyPr>
+          <a:lstStyle/>
+          <a:p>
+            <a:r>
+              <a:rPr lang="en-US" dirty="0" smtClean="0">
+                <a:solidFill>
+                  <a:schemeClr val="bg1"/>
+                </a:solidFill>
+              </a:rPr>
+              <a:t>Mosaic plot</a:t>
+            </a:r>
+            <a:endParaRPr lang="en-US" dirty="0">
+              <a:solidFill>
+                <a:schemeClr val="bg1"/>
+              </a:solidFill>
+            </a:endParaRPr>
+          </a:p>
+        </p:txBody>
+      </p:sp>
+      <p:pic>
+        <p:nvPicPr>
+          <p:cNvPr id="12" name="Picture 11"/>
+          <p:cNvPicPr>
+            <a:picLocks noChangeAspect="1"/>
+          </p:cNvPicPr>
+          <p:nvPr/>
+        </p:nvPicPr>
+        <p:blipFill>
+          <a:blip r:embed="rId4"/>
+          <a:stretch>
+            <a:fillRect/>
+          </a:stretch>
+        </p:blipFill>
+        <p:spPr>
+          <a:xfrm>
+            <a:off x="3399955" y="2375591"/>
+            <a:ext cx="3606751" cy="1803376"/>
+          </a:xfrm>
+          <a:prstGeom prst="rect">
+            <a:avLst/>
+          </a:prstGeom>
+        </p:spPr>
+      </p:pic>
+      <p:sp>
+        <p:nvSpPr>
+          <p:cNvPr id="14" name="TextBox 13"/>
+          <p:cNvSpPr txBox="1"/>
+          <p:nvPr/>
+        </p:nvSpPr>
+        <p:spPr>
+          <a:xfrm>
+            <a:off x="5407520" y="3357826"/>
+            <a:ext cx="1983420" cy="369332"/>
+          </a:xfrm>
+          <a:prstGeom prst="rect">
+            <a:avLst/>
+          </a:prstGeom>
+          <a:noFill/>
+        </p:spPr>
+        <p:txBody>
+          <a:bodyPr wrap="square" rtlCol="0">
+            <a:spAutoFit/>
+          </a:bodyPr>
+          <a:lstStyle/>
+          <a:p>
+            <a:r>
+              <a:rPr lang="en-US" dirty="0" smtClean="0"/>
+              <a:t>Univariate Analysis</a:t>
+            </a:r>
+            <a:endParaRPr lang="en-US" dirty="0"/>
+          </a:p>
+        </p:txBody>
+      </p:sp>
+      <p:pic>
+        <p:nvPicPr>
+          <p:cNvPr id="15" name="Picture 14"/>
+          <p:cNvPicPr>
+            <a:picLocks noChangeAspect="1"/>
+          </p:cNvPicPr>
+          <p:nvPr/>
+        </p:nvPicPr>
+        <p:blipFill>
+          <a:blip r:embed="rId5"/>
+          <a:stretch>
+            <a:fillRect/>
+          </a:stretch>
+        </p:blipFill>
+        <p:spPr>
+          <a:xfrm>
+            <a:off x="7329487" y="2375098"/>
+            <a:ext cx="4238625" cy="1685925"/>
+          </a:xfrm>
+          <a:prstGeom prst="rect">
+            <a:avLst/>
+          </a:prstGeom>
+        </p:spPr>
+      </p:pic>
+      <p:sp>
+        <p:nvSpPr>
+          <p:cNvPr id="16" name="TextBox 15"/>
+          <p:cNvSpPr txBox="1"/>
+          <p:nvPr/>
+        </p:nvSpPr>
+        <p:spPr>
+          <a:xfrm>
+            <a:off x="9680491" y="3796456"/>
+            <a:ext cx="1983420" cy="369332"/>
+          </a:xfrm>
+          <a:prstGeom prst="rect">
+            <a:avLst/>
+          </a:prstGeom>
+          <a:noFill/>
+        </p:spPr>
+        <p:txBody>
+          <a:bodyPr wrap="square" rtlCol="0">
+            <a:spAutoFit/>
+          </a:bodyPr>
+          <a:lstStyle/>
+          <a:p>
+            <a:r>
+              <a:rPr lang="el-GR" dirty="0" smtClean="0"/>
+              <a:t>χ</a:t>
+            </a:r>
+            <a:r>
+              <a:rPr lang="en-US" baseline="30000" dirty="0" smtClean="0"/>
+              <a:t>2</a:t>
+            </a:r>
+            <a:r>
+              <a:rPr lang="en-US" dirty="0" smtClean="0"/>
+              <a:t> post-hoc test</a:t>
+            </a:r>
+            <a:endParaRPr lang="en-US" dirty="0"/>
+          </a:p>
+        </p:txBody>
+      </p:sp>
+      <p:sp>
+        <p:nvSpPr>
+          <p:cNvPr id="17" name="Oval 16"/>
+          <p:cNvSpPr/>
+          <p:nvPr/>
+        </p:nvSpPr>
+        <p:spPr>
+          <a:xfrm>
+            <a:off x="5203330" y="4338674"/>
+            <a:ext cx="1070861" cy="908575"/>
+          </a:xfrm>
+          <a:prstGeom prst="ellipse">
+            <a:avLst/>
+          </a:prstGeom>
+          <a:noFill/>
+          <a:ln>
+            <a:solidFill>
+              <a:srgbClr val="FF0000"/>
+            </a:solidFill>
+          </a:ln>
+        </p:spPr>
+        <p:style>
+          <a:lnRef idx="2">
+            <a:schemeClr val="accent1">
+              <a:shade val="50000"/>
+            </a:schemeClr>
+          </a:lnRef>
+          <a:fillRef idx="1">
+            <a:schemeClr val="accent1"/>
+          </a:fillRef>
+          <a:effectRef idx="0">
+            <a:schemeClr val="accent1"/>
+          </a:effectRef>
+          <a:fontRef idx="minor">
+            <a:schemeClr val="lt1"/>
+          </a:fontRef>
+        </p:style>
+        <p:txBody>
+          <a:bodyPr rtlCol="0" anchor="ctr"/>
+          <a:lstStyle/>
+          <a:p>
+            <a:pPr algn="ctr"/>
+            <a:endParaRPr lang="en-US"/>
+          </a:p>
+        </p:txBody>
+      </p:sp>
+      <p:sp>
+        <p:nvSpPr>
+          <p:cNvPr id="18" name="Oval 17"/>
+          <p:cNvSpPr/>
+          <p:nvPr/>
+        </p:nvSpPr>
+        <p:spPr>
+          <a:xfrm>
+            <a:off x="7270832" y="2933725"/>
+            <a:ext cx="1662153" cy="625402"/>
+          </a:xfrm>
+          <a:prstGeom prst="ellipse">
+            <a:avLst/>
+          </a:prstGeom>
+          <a:noFill/>
+          <a:ln>
+            <a:solidFill>
+              <a:srgbClr val="FF0000"/>
+            </a:solidFill>
+          </a:ln>
+        </p:spPr>
+        <p:style>
+          <a:lnRef idx="2">
+            <a:schemeClr val="accent1">
+              <a:shade val="50000"/>
+            </a:schemeClr>
+          </a:lnRef>
+          <a:fillRef idx="1">
+            <a:schemeClr val="accent1"/>
+          </a:fillRef>
+          <a:effectRef idx="0">
+            <a:schemeClr val="accent1"/>
+          </a:effectRef>
+          <a:fontRef idx="minor">
+            <a:schemeClr val="lt1"/>
+          </a:fontRef>
+        </p:style>
+        <p:txBody>
+          <a:bodyPr rtlCol="0" anchor="ctr"/>
+          <a:lstStyle/>
+          <a:p>
+            <a:pPr algn="ctr"/>
+            <a:endParaRPr lang="en-US"/>
+          </a:p>
+        </p:txBody>
+      </p:sp>
+      <p:sp>
+        <p:nvSpPr>
+          <p:cNvPr id="19" name="Oval 18"/>
+          <p:cNvSpPr/>
+          <p:nvPr/>
+        </p:nvSpPr>
+        <p:spPr>
+          <a:xfrm>
+            <a:off x="7270832" y="3492352"/>
+            <a:ext cx="1662153" cy="625402"/>
+          </a:xfrm>
+          <a:prstGeom prst="ellipse">
+            <a:avLst/>
+          </a:prstGeom>
+          <a:noFill/>
+          <a:ln>
+            <a:solidFill>
+              <a:srgbClr val="FF0000"/>
+            </a:solidFill>
+          </a:ln>
+        </p:spPr>
+        <p:style>
+          <a:lnRef idx="2">
+            <a:schemeClr val="accent1">
+              <a:shade val="50000"/>
+            </a:schemeClr>
+          </a:lnRef>
+          <a:fillRef idx="1">
+            <a:schemeClr val="accent1"/>
+          </a:fillRef>
+          <a:effectRef idx="0">
+            <a:schemeClr val="accent1"/>
+          </a:effectRef>
+          <a:fontRef idx="minor">
+            <a:schemeClr val="lt1"/>
+          </a:fontRef>
+        </p:style>
+        <p:txBody>
+          <a:bodyPr rtlCol="0" anchor="ctr"/>
+          <a:lstStyle/>
+          <a:p>
+            <a:pPr algn="ctr"/>
+            <a:endParaRPr lang="en-US"/>
+          </a:p>
+        </p:txBody>
+      </p:sp>
+      <p:pic>
+        <p:nvPicPr>
+          <p:cNvPr id="20" name="Picture 19"/>
+          <p:cNvPicPr>
+            <a:picLocks noChangeAspect="1"/>
+          </p:cNvPicPr>
+          <p:nvPr/>
+        </p:nvPicPr>
+        <p:blipFill>
+          <a:blip r:embed="rId6"/>
+          <a:stretch>
+            <a:fillRect/>
+          </a:stretch>
+        </p:blipFill>
+        <p:spPr>
+          <a:xfrm>
+            <a:off x="8004738" y="4358878"/>
+            <a:ext cx="4143375" cy="1162050"/>
+          </a:xfrm>
+          <a:prstGeom prst="rect">
+            <a:avLst/>
+          </a:prstGeom>
+        </p:spPr>
+      </p:pic>
+      <p:sp>
+        <p:nvSpPr>
+          <p:cNvPr id="21" name="TextBox 20"/>
+          <p:cNvSpPr txBox="1"/>
+          <p:nvPr/>
+        </p:nvSpPr>
+        <p:spPr>
+          <a:xfrm>
+            <a:off x="5203330" y="1496218"/>
+            <a:ext cx="4109482" cy="461665"/>
+          </a:xfrm>
+          <a:prstGeom prst="rect">
+            <a:avLst/>
+          </a:prstGeom>
+        </p:spPr>
+        <p:style>
+          <a:lnRef idx="1">
+            <a:schemeClr val="accent1"/>
+          </a:lnRef>
+          <a:fillRef idx="2">
+            <a:schemeClr val="accent1"/>
+          </a:fillRef>
+          <a:effectRef idx="1">
+            <a:schemeClr val="accent1"/>
+          </a:effectRef>
+          <a:fontRef idx="minor">
+            <a:schemeClr val="dk1"/>
+          </a:fontRef>
+        </p:style>
+        <p:txBody>
+          <a:bodyPr wrap="square" rtlCol="0">
+            <a:spAutoFit/>
+          </a:bodyPr>
+          <a:lstStyle/>
+          <a:p>
+            <a:r>
+              <a:rPr lang="en-US" sz="1200" dirty="0" smtClean="0"/>
+              <a:t>These variables have got values like 0, 1, 2, 3, 4, so we have used categorical analysis here, though the values are numeric</a:t>
+            </a:r>
+            <a:endParaRPr lang="en-US" sz="1200" dirty="0"/>
+          </a:p>
+        </p:txBody>
+      </p:sp>
+      <p:sp>
+        <p:nvSpPr>
+          <p:cNvPr id="22" name="TextBox 21"/>
+          <p:cNvSpPr txBox="1"/>
+          <p:nvPr/>
+        </p:nvSpPr>
+        <p:spPr>
+          <a:xfrm>
+            <a:off x="8021684" y="5572981"/>
+            <a:ext cx="4109482" cy="276999"/>
+          </a:xfrm>
+          <a:prstGeom prst="rect">
+            <a:avLst/>
+          </a:prstGeom>
+        </p:spPr>
+        <p:style>
+          <a:lnRef idx="1">
+            <a:schemeClr val="accent1"/>
+          </a:lnRef>
+          <a:fillRef idx="2">
+            <a:schemeClr val="accent1"/>
+          </a:fillRef>
+          <a:effectRef idx="1">
+            <a:schemeClr val="accent1"/>
+          </a:effectRef>
+          <a:fontRef idx="minor">
+            <a:schemeClr val="dk1"/>
+          </a:fontRef>
+        </p:style>
+        <p:txBody>
+          <a:bodyPr wrap="square" rtlCol="0">
+            <a:spAutoFit/>
+          </a:bodyPr>
+          <a:lstStyle/>
+          <a:p>
+            <a:r>
+              <a:rPr lang="en-US" sz="1200" dirty="0" err="1" smtClean="0"/>
+              <a:t>pub_rec</a:t>
+            </a:r>
+            <a:r>
+              <a:rPr lang="en-US" sz="1200" dirty="0" smtClean="0"/>
+              <a:t> and </a:t>
+            </a:r>
+            <a:r>
+              <a:rPr lang="en-US" sz="1200" dirty="0" err="1" smtClean="0"/>
+              <a:t>pub_rec_bankruptcies</a:t>
+            </a:r>
+            <a:r>
+              <a:rPr lang="en-US" sz="1200" dirty="0" smtClean="0"/>
+              <a:t> have got high correlation</a:t>
+            </a:r>
+            <a:endParaRPr lang="en-US" sz="1200" dirty="0"/>
+          </a:p>
+        </p:txBody>
+      </p:sp>
+      <p:sp>
+        <p:nvSpPr>
+          <p:cNvPr id="23" name="TextBox 22"/>
+          <p:cNvSpPr txBox="1"/>
+          <p:nvPr/>
+        </p:nvSpPr>
+        <p:spPr>
+          <a:xfrm>
+            <a:off x="6274190" y="4396469"/>
+            <a:ext cx="1730547" cy="1015663"/>
+          </a:xfrm>
+          <a:prstGeom prst="rect">
+            <a:avLst/>
+          </a:prstGeom>
+          <a:ln>
+            <a:solidFill>
+              <a:srgbClr val="FF0000"/>
+            </a:solidFill>
+          </a:ln>
+        </p:spPr>
+        <p:style>
+          <a:lnRef idx="2">
+            <a:schemeClr val="accent2"/>
+          </a:lnRef>
+          <a:fillRef idx="1">
+            <a:schemeClr val="lt1"/>
+          </a:fillRef>
+          <a:effectRef idx="0">
+            <a:schemeClr val="accent2"/>
+          </a:effectRef>
+          <a:fontRef idx="minor">
+            <a:schemeClr val="dk1"/>
+          </a:fontRef>
+        </p:style>
+        <p:txBody>
+          <a:bodyPr wrap="square" rtlCol="0">
+            <a:spAutoFit/>
+          </a:bodyPr>
+          <a:lstStyle/>
+          <a:p>
+            <a:r>
+              <a:rPr lang="en-US" sz="1200" dirty="0" err="1" smtClean="0"/>
+              <a:t>pub_rec</a:t>
+            </a:r>
+            <a:r>
+              <a:rPr lang="en-US" sz="1200" dirty="0" smtClean="0"/>
+              <a:t> &amp; </a:t>
+            </a:r>
+            <a:r>
+              <a:rPr lang="en-US" sz="1200" dirty="0" err="1" smtClean="0"/>
+              <a:t>pub_rec_bankruptcies</a:t>
+            </a:r>
+            <a:r>
+              <a:rPr lang="en-US" sz="1200" dirty="0" smtClean="0"/>
+              <a:t> are statistically significant when looked against </a:t>
+            </a:r>
+            <a:r>
+              <a:rPr lang="en-US" sz="1200" dirty="0" err="1" smtClean="0"/>
+              <a:t>loan_status</a:t>
+            </a:r>
+            <a:endParaRPr lang="en-US" sz="1200" dirty="0"/>
+          </a:p>
+        </p:txBody>
+      </p:sp>
+      <p:sp>
+        <p:nvSpPr>
+          <p:cNvPr id="24" name="Oval 23"/>
+          <p:cNvSpPr/>
+          <p:nvPr/>
+        </p:nvSpPr>
+        <p:spPr>
+          <a:xfrm>
+            <a:off x="872343" y="3427395"/>
+            <a:ext cx="323557" cy="355660"/>
+          </a:xfrm>
+          <a:prstGeom prst="ellipse">
+            <a:avLst/>
+          </a:prstGeom>
+        </p:spPr>
+        <p:style>
+          <a:lnRef idx="2">
+            <a:schemeClr val="accent1">
+              <a:shade val="50000"/>
+            </a:schemeClr>
+          </a:lnRef>
+          <a:fillRef idx="1">
+            <a:schemeClr val="accent1"/>
+          </a:fillRef>
+          <a:effectRef idx="0">
+            <a:schemeClr val="accent1"/>
+          </a:effectRef>
+          <a:fontRef idx="minor">
+            <a:schemeClr val="lt1"/>
+          </a:fontRef>
+        </p:style>
+        <p:txBody>
+          <a:bodyPr rtlCol="0" anchor="ctr"/>
+          <a:lstStyle/>
+          <a:p>
+            <a:pPr algn="ctr"/>
+            <a:r>
+              <a:rPr lang="en-US" dirty="0" smtClean="0"/>
+              <a:t>2</a:t>
+            </a:r>
+            <a:endParaRPr lang="en-US" dirty="0"/>
+          </a:p>
+        </p:txBody>
+      </p:sp>
+      <p:sp>
+        <p:nvSpPr>
+          <p:cNvPr id="25" name="Oval 24"/>
+          <p:cNvSpPr/>
+          <p:nvPr/>
+        </p:nvSpPr>
+        <p:spPr>
+          <a:xfrm>
+            <a:off x="5140362" y="3357826"/>
+            <a:ext cx="323557" cy="355660"/>
+          </a:xfrm>
+          <a:prstGeom prst="ellipse">
+            <a:avLst/>
+          </a:prstGeom>
+        </p:spPr>
+        <p:style>
+          <a:lnRef idx="2">
+            <a:schemeClr val="accent1">
+              <a:shade val="50000"/>
+            </a:schemeClr>
+          </a:lnRef>
+          <a:fillRef idx="1">
+            <a:schemeClr val="accent1"/>
+          </a:fillRef>
+          <a:effectRef idx="0">
+            <a:schemeClr val="accent1"/>
+          </a:effectRef>
+          <a:fontRef idx="minor">
+            <a:schemeClr val="lt1"/>
+          </a:fontRef>
+        </p:style>
+        <p:txBody>
+          <a:bodyPr rtlCol="0" anchor="ctr"/>
+          <a:lstStyle/>
+          <a:p>
+            <a:pPr algn="ctr"/>
+            <a:r>
+              <a:rPr lang="en-US" dirty="0" smtClean="0"/>
+              <a:t>1</a:t>
+            </a:r>
+            <a:endParaRPr lang="en-US" dirty="0"/>
+          </a:p>
+        </p:txBody>
+      </p:sp>
+      <p:sp>
+        <p:nvSpPr>
+          <p:cNvPr id="26" name="Oval 25"/>
+          <p:cNvSpPr/>
+          <p:nvPr/>
+        </p:nvSpPr>
+        <p:spPr>
+          <a:xfrm>
+            <a:off x="369998" y="5943306"/>
+            <a:ext cx="323557" cy="355660"/>
+          </a:xfrm>
+          <a:prstGeom prst="ellipse">
+            <a:avLst/>
+          </a:prstGeom>
+        </p:spPr>
+        <p:style>
+          <a:lnRef idx="2">
+            <a:schemeClr val="accent1">
+              <a:shade val="50000"/>
+            </a:schemeClr>
+          </a:lnRef>
+          <a:fillRef idx="1">
+            <a:schemeClr val="accent1"/>
+          </a:fillRef>
+          <a:effectRef idx="0">
+            <a:schemeClr val="accent1"/>
+          </a:effectRef>
+          <a:fontRef idx="minor">
+            <a:schemeClr val="lt1"/>
+          </a:fontRef>
+        </p:style>
+        <p:txBody>
+          <a:bodyPr rtlCol="0" anchor="ctr"/>
+          <a:lstStyle/>
+          <a:p>
+            <a:pPr algn="ctr"/>
+            <a:r>
+              <a:rPr lang="en-US" dirty="0" smtClean="0"/>
+              <a:t>3</a:t>
+            </a:r>
+            <a:endParaRPr lang="en-US" dirty="0"/>
+          </a:p>
+        </p:txBody>
+      </p:sp>
+      <p:sp>
+        <p:nvSpPr>
+          <p:cNvPr id="27" name="Oval 26"/>
+          <p:cNvSpPr/>
+          <p:nvPr/>
+        </p:nvSpPr>
+        <p:spPr>
+          <a:xfrm>
+            <a:off x="9355015" y="3823307"/>
+            <a:ext cx="323557" cy="355660"/>
+          </a:xfrm>
+          <a:prstGeom prst="ellipse">
+            <a:avLst/>
+          </a:prstGeom>
+        </p:spPr>
+        <p:style>
+          <a:lnRef idx="2">
+            <a:schemeClr val="accent1">
+              <a:shade val="50000"/>
+            </a:schemeClr>
+          </a:lnRef>
+          <a:fillRef idx="1">
+            <a:schemeClr val="accent1"/>
+          </a:fillRef>
+          <a:effectRef idx="0">
+            <a:schemeClr val="accent1"/>
+          </a:effectRef>
+          <a:fontRef idx="minor">
+            <a:schemeClr val="lt1"/>
+          </a:fontRef>
+        </p:style>
+        <p:txBody>
+          <a:bodyPr rtlCol="0" anchor="ctr"/>
+          <a:lstStyle/>
+          <a:p>
+            <a:pPr algn="ctr"/>
+            <a:r>
+              <a:rPr lang="en-US" dirty="0" smtClean="0"/>
+              <a:t>4</a:t>
+            </a:r>
+            <a:endParaRPr lang="en-US" dirty="0"/>
+          </a:p>
+        </p:txBody>
+      </p:sp>
+      <p:sp>
+        <p:nvSpPr>
+          <p:cNvPr id="28" name="TextBox 27"/>
+          <p:cNvSpPr txBox="1"/>
+          <p:nvPr/>
+        </p:nvSpPr>
+        <p:spPr>
+          <a:xfrm>
+            <a:off x="8932984" y="5920841"/>
+            <a:ext cx="2635127" cy="369332"/>
+          </a:xfrm>
+          <a:prstGeom prst="rect">
+            <a:avLst/>
+          </a:prstGeom>
+          <a:noFill/>
+        </p:spPr>
+        <p:txBody>
+          <a:bodyPr wrap="square" rtlCol="0">
+            <a:spAutoFit/>
+          </a:bodyPr>
+          <a:lstStyle/>
+          <a:p>
+            <a:r>
+              <a:rPr lang="en-US" dirty="0" smtClean="0"/>
+              <a:t>Correlation analysis</a:t>
+            </a:r>
+            <a:endParaRPr lang="en-US" dirty="0"/>
+          </a:p>
+        </p:txBody>
+      </p:sp>
+      <p:sp>
+        <p:nvSpPr>
+          <p:cNvPr id="29" name="Oval 28"/>
+          <p:cNvSpPr/>
+          <p:nvPr/>
+        </p:nvSpPr>
+        <p:spPr>
+          <a:xfrm>
+            <a:off x="8607509" y="5947692"/>
+            <a:ext cx="323557" cy="355660"/>
+          </a:xfrm>
+          <a:prstGeom prst="ellipse">
+            <a:avLst/>
+          </a:prstGeom>
+        </p:spPr>
+        <p:style>
+          <a:lnRef idx="2">
+            <a:schemeClr val="accent1">
+              <a:shade val="50000"/>
+            </a:schemeClr>
+          </a:lnRef>
+          <a:fillRef idx="1">
+            <a:schemeClr val="accent1"/>
+          </a:fillRef>
+          <a:effectRef idx="0">
+            <a:schemeClr val="accent1"/>
+          </a:effectRef>
+          <a:fontRef idx="minor">
+            <a:schemeClr val="lt1"/>
+          </a:fontRef>
+        </p:style>
+        <p:txBody>
+          <a:bodyPr rtlCol="0" anchor="ctr"/>
+          <a:lstStyle/>
+          <a:p>
+            <a:pPr algn="ctr"/>
+            <a:r>
+              <a:rPr lang="en-US" dirty="0" smtClean="0"/>
+              <a:t>5</a:t>
+            </a:r>
+            <a:endParaRPr lang="en-US" dirty="0"/>
+          </a:p>
+        </p:txBody>
+      </p:sp>
+      <p:sp>
+        <p:nvSpPr>
+          <p:cNvPr id="30" name="Flowchart: Terminator 29"/>
+          <p:cNvSpPr/>
+          <p:nvPr/>
+        </p:nvSpPr>
+        <p:spPr>
+          <a:xfrm>
+            <a:off x="1286596" y="314008"/>
+            <a:ext cx="1146629" cy="292296"/>
+          </a:xfrm>
+          <a:prstGeom prst="flowChartTerminator">
+            <a:avLst/>
+          </a:prstGeom>
+        </p:spPr>
+        <p:style>
+          <a:lnRef idx="1">
+            <a:schemeClr val="accent3"/>
+          </a:lnRef>
+          <a:fillRef idx="2">
+            <a:schemeClr val="accent3"/>
+          </a:fillRef>
+          <a:effectRef idx="1">
+            <a:schemeClr val="accent3"/>
+          </a:effectRef>
+          <a:fontRef idx="minor">
+            <a:schemeClr val="dk1"/>
+          </a:fontRef>
+        </p:style>
+        <p:txBody>
+          <a:bodyPr rtlCol="0" anchor="ctr"/>
+          <a:lstStyle/>
+          <a:p>
+            <a:pPr algn="ctr"/>
+            <a:r>
+              <a:rPr lang="en-US" dirty="0" smtClean="0"/>
+              <a:t>Example</a:t>
+            </a:r>
+            <a:endParaRPr lang="en-US" dirty="0"/>
+          </a:p>
+        </p:txBody>
+      </p:sp>
+    </p:spTree>
+    <p:extLst>
+      <p:ext uri="{BB962C8B-B14F-4D97-AF65-F5344CB8AC3E}">
+        <p14:creationId xmlns:p14="http://schemas.microsoft.com/office/powerpoint/2010/main" val="1414724420"/>
+      </p:ext>
+    </p:extLst>
+  </p:cSld>
+  <p:clrMapOvr>
+    <a:masterClrMapping/>
+  </p:clrMapOvr>
+  <p:timing>
+    <p:tnLst>
+      <p:par>
+        <p:cTn id="1" dur="indefinite" restart="never" nodeType="tmRoot"/>
+      </p:par>
+    </p:tnLst>
+  </p:timing>
+</p:sld>
+</file>
+
+<file path=ppt/slides/slide8.xml><?xml version="1.0" encoding="utf-8"?>
+<p:sld xmlns:a="http://schemas.openxmlformats.org/drawingml/2006/main" xmlns:r="http://schemas.openxmlformats.org/officeDocument/2006/relationships" xmlns:p="http://schemas.openxmlformats.org/presentationml/2006/main">
+  <p:cSld>
+    <p:spTree>
+      <p:nvGrpSpPr>
+        <p:cNvPr id="1" name=""/>
+        <p:cNvGrpSpPr/>
+        <p:nvPr/>
+      </p:nvGrpSpPr>
+      <p:grpSpPr>
+        <a:xfrm>
+          <a:off x="0" y="0"/>
+          <a:ext cx="0" cy="0"/>
+          <a:chOff x="0" y="0"/>
+          <a:chExt cx="0" cy="0"/>
+        </a:xfrm>
+      </p:grpSpPr>
+      <p:pic>
+        <p:nvPicPr>
+          <p:cNvPr id="32" name="Picture 31"/>
+          <p:cNvPicPr>
+            <a:picLocks noChangeAspect="1"/>
+          </p:cNvPicPr>
+          <p:nvPr/>
+        </p:nvPicPr>
+        <p:blipFill>
+          <a:blip r:embed="rId2"/>
+          <a:stretch>
+            <a:fillRect/>
+          </a:stretch>
+        </p:blipFill>
+        <p:spPr>
+          <a:xfrm>
+            <a:off x="0" y="3985897"/>
+            <a:ext cx="5974968" cy="2913463"/>
+          </a:xfrm>
+          <a:prstGeom prst="rect">
+            <a:avLst/>
+          </a:prstGeom>
+        </p:spPr>
+      </p:pic>
+      <p:pic>
+        <p:nvPicPr>
+          <p:cNvPr id="6" name="Picture 5"/>
+          <p:cNvPicPr>
+            <a:picLocks noChangeAspect="1"/>
+          </p:cNvPicPr>
+          <p:nvPr/>
+        </p:nvPicPr>
+        <p:blipFill>
+          <a:blip r:embed="rId3"/>
+          <a:stretch>
+            <a:fillRect/>
+          </a:stretch>
+        </p:blipFill>
+        <p:spPr>
+          <a:xfrm>
+            <a:off x="61850" y="1371512"/>
+            <a:ext cx="3428972" cy="2638917"/>
+          </a:xfrm>
+          <a:prstGeom prst="rect">
+            <a:avLst/>
+          </a:prstGeom>
+        </p:spPr>
+      </p:pic>
+      <p:pic>
+        <p:nvPicPr>
+          <p:cNvPr id="3" name="Picture 2"/>
+          <p:cNvPicPr>
+            <a:picLocks noChangeAspect="1"/>
+          </p:cNvPicPr>
+          <p:nvPr/>
+        </p:nvPicPr>
+        <p:blipFill>
+          <a:blip r:embed="rId4"/>
+          <a:stretch>
+            <a:fillRect/>
+          </a:stretch>
+        </p:blipFill>
+        <p:spPr>
+          <a:xfrm>
+            <a:off x="3425554" y="1816444"/>
+            <a:ext cx="5838825" cy="1219200"/>
+          </a:xfrm>
+          <a:prstGeom prst="rect">
+            <a:avLst/>
+          </a:prstGeom>
+        </p:spPr>
+      </p:pic>
+      <p:pic>
+        <p:nvPicPr>
+          <p:cNvPr id="35" name="Picture 34"/>
+          <p:cNvPicPr>
+            <a:picLocks noChangeAspect="1"/>
+          </p:cNvPicPr>
+          <p:nvPr/>
+        </p:nvPicPr>
+        <p:blipFill>
+          <a:blip r:embed="rId5"/>
+          <a:stretch>
+            <a:fillRect/>
+          </a:stretch>
+        </p:blipFill>
+        <p:spPr>
+          <a:xfrm>
+            <a:off x="8009316" y="2191589"/>
+            <a:ext cx="4159069" cy="3974756"/>
+          </a:xfrm>
+          <a:prstGeom prst="rect">
+            <a:avLst/>
+          </a:prstGeom>
+        </p:spPr>
+      </p:pic>
+      <p:sp>
+        <p:nvSpPr>
+          <p:cNvPr id="2" name="Title 1"/>
+          <p:cNvSpPr>
+            <a:spLocks noGrp="1"/>
+          </p:cNvSpPr>
+          <p:nvPr>
+            <p:ph type="title"/>
+          </p:nvPr>
+        </p:nvSpPr>
+        <p:spPr>
+          <a:xfrm>
+            <a:off x="1136469" y="640080"/>
+            <a:ext cx="8021599" cy="856138"/>
+          </a:xfrm>
+        </p:spPr>
+        <p:txBody>
+          <a:bodyPr>
+            <a:noAutofit/>
+          </a:bodyPr>
+          <a:lstStyle/>
+          <a:p>
+            <a:r>
+              <a:rPr lang="en-US" sz="2400" dirty="0" smtClean="0"/>
+              <a:t>Data  Analysis : Insight into establishing Impacting variables : Loan Variable – Purpose</a:t>
+            </a:r>
+            <a:endParaRPr lang="en-US" sz="2400" dirty="0"/>
+          </a:p>
+        </p:txBody>
+      </p:sp>
+      <p:sp>
+        <p:nvSpPr>
+          <p:cNvPr id="7" name="Rectangle 6"/>
+          <p:cNvSpPr/>
+          <p:nvPr/>
+        </p:nvSpPr>
+        <p:spPr>
+          <a:xfrm>
+            <a:off x="3674483" y="1483403"/>
+            <a:ext cx="5199414" cy="307777"/>
+          </a:xfrm>
+          <a:prstGeom prst="rect">
+            <a:avLst/>
+          </a:prstGeom>
+        </p:spPr>
+        <p:txBody>
+          <a:bodyPr wrap="square">
+            <a:spAutoFit/>
+          </a:bodyPr>
+          <a:lstStyle/>
+          <a:p>
+            <a:pPr marL="285750" indent="-285750">
+              <a:buFont typeface="Arial" panose="020B0604020202020204" pitchFamily="34" charset="0"/>
+              <a:buChar char="•"/>
+            </a:pPr>
+            <a:r>
+              <a:rPr lang="en-US" sz="1400" dirty="0"/>
+              <a:t>`purpose`: A category provided by the borrower for the </a:t>
+            </a:r>
+            <a:r>
+              <a:rPr lang="en-US" sz="1400" dirty="0" smtClean="0"/>
+              <a:t>loan</a:t>
+            </a:r>
+            <a:endParaRPr lang="en-US" sz="1400" dirty="0"/>
+          </a:p>
+        </p:txBody>
+      </p:sp>
+      <p:sp>
+        <p:nvSpPr>
+          <p:cNvPr id="10" name="TextBox 9"/>
+          <p:cNvSpPr txBox="1"/>
+          <p:nvPr/>
+        </p:nvSpPr>
+        <p:spPr>
+          <a:xfrm>
+            <a:off x="1506072" y="2389545"/>
+            <a:ext cx="1319237" cy="270588"/>
+          </a:xfrm>
+          <a:prstGeom prst="rect">
+            <a:avLst/>
+          </a:prstGeom>
+          <a:noFill/>
+        </p:spPr>
+        <p:txBody>
+          <a:bodyPr wrap="square" rtlCol="0">
+            <a:spAutoFit/>
+          </a:bodyPr>
+          <a:lstStyle/>
+          <a:p>
+            <a:r>
+              <a:rPr lang="en-US" sz="1600" dirty="0" smtClean="0"/>
+              <a:t>Count plot</a:t>
+            </a:r>
+            <a:endParaRPr lang="en-US" sz="1600" dirty="0"/>
+          </a:p>
+        </p:txBody>
+      </p:sp>
+      <p:sp>
+        <p:nvSpPr>
+          <p:cNvPr id="11" name="TextBox 10"/>
+          <p:cNvSpPr txBox="1"/>
+          <p:nvPr/>
+        </p:nvSpPr>
+        <p:spPr>
+          <a:xfrm>
+            <a:off x="2147217" y="4809183"/>
+            <a:ext cx="1527266" cy="369332"/>
+          </a:xfrm>
+          <a:prstGeom prst="rect">
+            <a:avLst/>
+          </a:prstGeom>
+          <a:noFill/>
+        </p:spPr>
+        <p:txBody>
+          <a:bodyPr wrap="square" rtlCol="0">
+            <a:spAutoFit/>
+          </a:bodyPr>
+          <a:lstStyle/>
+          <a:p>
+            <a:r>
+              <a:rPr lang="en-US" dirty="0" smtClean="0">
+                <a:solidFill>
+                  <a:schemeClr val="bg1"/>
+                </a:solidFill>
+              </a:rPr>
+              <a:t>Mosaic plot</a:t>
+            </a:r>
+            <a:endParaRPr lang="en-US" dirty="0">
+              <a:solidFill>
+                <a:schemeClr val="bg1"/>
+              </a:solidFill>
+            </a:endParaRPr>
+          </a:p>
+        </p:txBody>
+      </p:sp>
+      <p:sp>
+        <p:nvSpPr>
+          <p:cNvPr id="14" name="TextBox 13"/>
+          <p:cNvSpPr txBox="1"/>
+          <p:nvPr/>
+        </p:nvSpPr>
+        <p:spPr>
+          <a:xfrm>
+            <a:off x="6133057" y="2173422"/>
+            <a:ext cx="1983420" cy="369332"/>
+          </a:xfrm>
+          <a:prstGeom prst="rect">
+            <a:avLst/>
+          </a:prstGeom>
+          <a:noFill/>
+        </p:spPr>
+        <p:txBody>
+          <a:bodyPr wrap="square" rtlCol="0">
+            <a:spAutoFit/>
+          </a:bodyPr>
+          <a:lstStyle/>
+          <a:p>
+            <a:r>
+              <a:rPr lang="en-US" dirty="0" smtClean="0"/>
+              <a:t>Univariate Analysis</a:t>
+            </a:r>
+            <a:endParaRPr lang="en-US" dirty="0"/>
+          </a:p>
+        </p:txBody>
+      </p:sp>
+      <p:sp>
+        <p:nvSpPr>
+          <p:cNvPr id="16" name="TextBox 15"/>
+          <p:cNvSpPr txBox="1"/>
+          <p:nvPr/>
+        </p:nvSpPr>
+        <p:spPr>
+          <a:xfrm>
+            <a:off x="10098425" y="3722418"/>
+            <a:ext cx="1983420" cy="369332"/>
+          </a:xfrm>
+          <a:prstGeom prst="rect">
+            <a:avLst/>
+          </a:prstGeom>
+          <a:noFill/>
+        </p:spPr>
+        <p:txBody>
+          <a:bodyPr wrap="square" rtlCol="0">
+            <a:spAutoFit/>
+          </a:bodyPr>
+          <a:lstStyle/>
+          <a:p>
+            <a:r>
+              <a:rPr lang="el-GR" dirty="0" smtClean="0"/>
+              <a:t>χ</a:t>
+            </a:r>
+            <a:r>
+              <a:rPr lang="en-US" baseline="30000" dirty="0" smtClean="0"/>
+              <a:t>2</a:t>
+            </a:r>
+            <a:r>
+              <a:rPr lang="en-US" dirty="0" smtClean="0"/>
+              <a:t> post-hoc test</a:t>
+            </a:r>
+            <a:endParaRPr lang="en-US" dirty="0"/>
+          </a:p>
+        </p:txBody>
+      </p:sp>
+      <p:sp>
+        <p:nvSpPr>
+          <p:cNvPr id="18" name="Oval 17"/>
+          <p:cNvSpPr/>
+          <p:nvPr/>
+        </p:nvSpPr>
+        <p:spPr>
+          <a:xfrm>
+            <a:off x="7915335" y="5178515"/>
+            <a:ext cx="4000000" cy="625402"/>
+          </a:xfrm>
+          <a:prstGeom prst="ellipse">
+            <a:avLst/>
+          </a:prstGeom>
+          <a:noFill/>
+          <a:ln>
+            <a:solidFill>
+              <a:srgbClr val="FF0000"/>
+            </a:solidFill>
+          </a:ln>
+        </p:spPr>
+        <p:style>
+          <a:lnRef idx="2">
+            <a:schemeClr val="accent1">
+              <a:shade val="50000"/>
+            </a:schemeClr>
+          </a:lnRef>
+          <a:fillRef idx="1">
+            <a:schemeClr val="accent1"/>
+          </a:fillRef>
+          <a:effectRef idx="0">
+            <a:schemeClr val="accent1"/>
+          </a:effectRef>
+          <a:fontRef idx="minor">
+            <a:schemeClr val="lt1"/>
+          </a:fontRef>
+        </p:style>
+        <p:txBody>
+          <a:bodyPr rtlCol="0" anchor="ctr"/>
+          <a:lstStyle/>
+          <a:p>
+            <a:pPr algn="ctr"/>
+            <a:endParaRPr lang="en-US"/>
+          </a:p>
+        </p:txBody>
+      </p:sp>
+      <p:sp>
+        <p:nvSpPr>
+          <p:cNvPr id="19" name="Oval 18"/>
+          <p:cNvSpPr/>
+          <p:nvPr/>
+        </p:nvSpPr>
+        <p:spPr>
+          <a:xfrm>
+            <a:off x="7923172" y="4329021"/>
+            <a:ext cx="3992163" cy="625402"/>
+          </a:xfrm>
+          <a:prstGeom prst="ellipse">
+            <a:avLst/>
+          </a:prstGeom>
+          <a:noFill/>
+          <a:ln>
+            <a:solidFill>
+              <a:srgbClr val="FF0000"/>
+            </a:solidFill>
+          </a:ln>
+        </p:spPr>
+        <p:style>
+          <a:lnRef idx="2">
+            <a:schemeClr val="accent1">
+              <a:shade val="50000"/>
+            </a:schemeClr>
+          </a:lnRef>
+          <a:fillRef idx="1">
+            <a:schemeClr val="accent1"/>
+          </a:fillRef>
+          <a:effectRef idx="0">
+            <a:schemeClr val="accent1"/>
+          </a:effectRef>
+          <a:fontRef idx="minor">
+            <a:schemeClr val="lt1"/>
+          </a:fontRef>
+        </p:style>
+        <p:txBody>
+          <a:bodyPr rtlCol="0" anchor="ctr"/>
+          <a:lstStyle/>
+          <a:p>
+            <a:pPr algn="ctr"/>
+            <a:endParaRPr lang="en-US"/>
+          </a:p>
+        </p:txBody>
+      </p:sp>
+      <p:sp>
+        <p:nvSpPr>
+          <p:cNvPr id="23" name="TextBox 22"/>
+          <p:cNvSpPr txBox="1"/>
+          <p:nvPr/>
+        </p:nvSpPr>
+        <p:spPr>
+          <a:xfrm>
+            <a:off x="5985065" y="4010429"/>
+            <a:ext cx="823865" cy="2123658"/>
+          </a:xfrm>
+          <a:prstGeom prst="rect">
+            <a:avLst/>
+          </a:prstGeom>
+          <a:ln>
+            <a:solidFill>
+              <a:srgbClr val="FF0000"/>
+            </a:solidFill>
+          </a:ln>
+        </p:spPr>
+        <p:style>
+          <a:lnRef idx="2">
+            <a:schemeClr val="accent2"/>
+          </a:lnRef>
+          <a:fillRef idx="1">
+            <a:schemeClr val="lt1"/>
+          </a:fillRef>
+          <a:effectRef idx="0">
+            <a:schemeClr val="accent2"/>
+          </a:effectRef>
+          <a:fontRef idx="minor">
+            <a:schemeClr val="dk1"/>
+          </a:fontRef>
+        </p:style>
+        <p:txBody>
+          <a:bodyPr wrap="square" rtlCol="0">
+            <a:spAutoFit/>
+          </a:bodyPr>
+          <a:lstStyle/>
+          <a:p>
+            <a:r>
+              <a:rPr lang="en-US" sz="1200" dirty="0" smtClean="0"/>
+              <a:t>The marking show a high proportion of the sub categories towards charged off loan</a:t>
+            </a:r>
+            <a:endParaRPr lang="en-US" sz="1200" dirty="0"/>
+          </a:p>
+        </p:txBody>
+      </p:sp>
+      <p:sp>
+        <p:nvSpPr>
+          <p:cNvPr id="24" name="Oval 23"/>
+          <p:cNvSpPr/>
+          <p:nvPr/>
+        </p:nvSpPr>
+        <p:spPr>
+          <a:xfrm>
+            <a:off x="1241946" y="2387206"/>
+            <a:ext cx="323557" cy="355660"/>
+          </a:xfrm>
+          <a:prstGeom prst="ellipse">
+            <a:avLst/>
+          </a:prstGeom>
+        </p:spPr>
+        <p:style>
+          <a:lnRef idx="2">
+            <a:schemeClr val="accent1">
+              <a:shade val="50000"/>
+            </a:schemeClr>
+          </a:lnRef>
+          <a:fillRef idx="1">
+            <a:schemeClr val="accent1"/>
+          </a:fillRef>
+          <a:effectRef idx="0">
+            <a:schemeClr val="accent1"/>
+          </a:effectRef>
+          <a:fontRef idx="minor">
+            <a:schemeClr val="lt1"/>
+          </a:fontRef>
+        </p:style>
+        <p:txBody>
+          <a:bodyPr rtlCol="0" anchor="ctr"/>
+          <a:lstStyle/>
+          <a:p>
+            <a:pPr algn="ctr"/>
+            <a:r>
+              <a:rPr lang="en-US" dirty="0" smtClean="0"/>
+              <a:t>2</a:t>
+            </a:r>
+            <a:endParaRPr lang="en-US" dirty="0"/>
+          </a:p>
+        </p:txBody>
+      </p:sp>
+      <p:sp>
+        <p:nvSpPr>
+          <p:cNvPr id="25" name="Oval 24"/>
+          <p:cNvSpPr/>
+          <p:nvPr/>
+        </p:nvSpPr>
+        <p:spPr>
+          <a:xfrm>
+            <a:off x="5865899" y="2173422"/>
+            <a:ext cx="323557" cy="355660"/>
+          </a:xfrm>
+          <a:prstGeom prst="ellipse">
+            <a:avLst/>
+          </a:prstGeom>
+        </p:spPr>
+        <p:style>
+          <a:lnRef idx="2">
+            <a:schemeClr val="accent1">
+              <a:shade val="50000"/>
+            </a:schemeClr>
+          </a:lnRef>
+          <a:fillRef idx="1">
+            <a:schemeClr val="accent1"/>
+          </a:fillRef>
+          <a:effectRef idx="0">
+            <a:schemeClr val="accent1"/>
+          </a:effectRef>
+          <a:fontRef idx="minor">
+            <a:schemeClr val="lt1"/>
+          </a:fontRef>
+        </p:style>
+        <p:txBody>
+          <a:bodyPr rtlCol="0" anchor="ctr"/>
+          <a:lstStyle/>
+          <a:p>
+            <a:pPr algn="ctr"/>
+            <a:r>
+              <a:rPr lang="en-US" dirty="0" smtClean="0"/>
+              <a:t>1</a:t>
+            </a:r>
+            <a:endParaRPr lang="en-US" dirty="0"/>
+          </a:p>
+        </p:txBody>
+      </p:sp>
+      <p:sp>
+        <p:nvSpPr>
+          <p:cNvPr id="26" name="Oval 25"/>
+          <p:cNvSpPr/>
+          <p:nvPr/>
+        </p:nvSpPr>
+        <p:spPr>
+          <a:xfrm>
+            <a:off x="1877877" y="4825629"/>
+            <a:ext cx="323557" cy="355660"/>
+          </a:xfrm>
+          <a:prstGeom prst="ellipse">
+            <a:avLst/>
+          </a:prstGeom>
+        </p:spPr>
+        <p:style>
+          <a:lnRef idx="2">
+            <a:schemeClr val="accent1">
+              <a:shade val="50000"/>
+            </a:schemeClr>
+          </a:lnRef>
+          <a:fillRef idx="1">
+            <a:schemeClr val="accent1"/>
+          </a:fillRef>
+          <a:effectRef idx="0">
+            <a:schemeClr val="accent1"/>
+          </a:effectRef>
+          <a:fontRef idx="minor">
+            <a:schemeClr val="lt1"/>
+          </a:fontRef>
+        </p:style>
+        <p:txBody>
+          <a:bodyPr rtlCol="0" anchor="ctr"/>
+          <a:lstStyle/>
+          <a:p>
+            <a:pPr algn="ctr"/>
+            <a:r>
+              <a:rPr lang="en-US" dirty="0" smtClean="0"/>
+              <a:t>3</a:t>
+            </a:r>
+            <a:endParaRPr lang="en-US" dirty="0"/>
+          </a:p>
+        </p:txBody>
+      </p:sp>
+      <p:sp>
+        <p:nvSpPr>
+          <p:cNvPr id="27" name="Oval 26"/>
+          <p:cNvSpPr/>
+          <p:nvPr/>
+        </p:nvSpPr>
+        <p:spPr>
+          <a:xfrm>
+            <a:off x="9772949" y="3749269"/>
+            <a:ext cx="323557" cy="355660"/>
+          </a:xfrm>
+          <a:prstGeom prst="ellipse">
+            <a:avLst/>
+          </a:prstGeom>
+        </p:spPr>
+        <p:style>
+          <a:lnRef idx="2">
+            <a:schemeClr val="accent1">
+              <a:shade val="50000"/>
+            </a:schemeClr>
+          </a:lnRef>
+          <a:fillRef idx="1">
+            <a:schemeClr val="accent1"/>
+          </a:fillRef>
+          <a:effectRef idx="0">
+            <a:schemeClr val="accent1"/>
+          </a:effectRef>
+          <a:fontRef idx="minor">
+            <a:schemeClr val="lt1"/>
+          </a:fontRef>
+        </p:style>
+        <p:txBody>
+          <a:bodyPr rtlCol="0" anchor="ctr"/>
+          <a:lstStyle/>
+          <a:p>
+            <a:pPr algn="ctr"/>
+            <a:r>
+              <a:rPr lang="en-US" dirty="0" smtClean="0"/>
+              <a:t>4</a:t>
+            </a:r>
+            <a:endParaRPr lang="en-US" dirty="0"/>
+          </a:p>
+        </p:txBody>
+      </p:sp>
+      <p:sp>
+        <p:nvSpPr>
+          <p:cNvPr id="30" name="Rectangle 29"/>
+          <p:cNvSpPr/>
+          <p:nvPr/>
+        </p:nvSpPr>
+        <p:spPr>
+          <a:xfrm>
+            <a:off x="9387966" y="715554"/>
+            <a:ext cx="2743200" cy="1058795"/>
+          </a:xfrm>
+          <a:prstGeom prst="rect">
+            <a:avLst/>
+          </a:prstGeom>
+          <a:solidFill>
+            <a:schemeClr val="accent2"/>
+          </a:solidFill>
+        </p:spPr>
+        <p:style>
+          <a:lnRef idx="2">
+            <a:schemeClr val="accent1">
+              <a:shade val="50000"/>
+            </a:schemeClr>
+          </a:lnRef>
+          <a:fillRef idx="1">
+            <a:schemeClr val="accent1"/>
+          </a:fillRef>
+          <a:effectRef idx="0">
+            <a:schemeClr val="accent1"/>
+          </a:effectRef>
+          <a:fontRef idx="minor">
+            <a:schemeClr val="lt1"/>
+          </a:fontRef>
+        </p:style>
+        <p:txBody>
+          <a:bodyPr rtlCol="0" anchor="ctr"/>
+          <a:lstStyle/>
+          <a:p>
+            <a:pPr marL="171450" indent="-171450">
+              <a:buFont typeface="Arial" panose="020B0604020202020204" pitchFamily="34" charset="0"/>
+              <a:buChar char="•"/>
+            </a:pPr>
+            <a:r>
+              <a:rPr lang="en-US" sz="1400" dirty="0"/>
+              <a:t>term</a:t>
+            </a:r>
+          </a:p>
+          <a:p>
+            <a:pPr marL="171450" indent="-171450">
+              <a:buFont typeface="Arial" panose="020B0604020202020204" pitchFamily="34" charset="0"/>
+              <a:buChar char="•"/>
+            </a:pPr>
+            <a:r>
+              <a:rPr lang="en-US" sz="1400" dirty="0"/>
+              <a:t>purpose</a:t>
+            </a:r>
+          </a:p>
+          <a:p>
+            <a:pPr marL="171450" indent="-171450">
+              <a:buFont typeface="Arial" panose="020B0604020202020204" pitchFamily="34" charset="0"/>
+              <a:buChar char="•"/>
+            </a:pPr>
+            <a:r>
+              <a:rPr lang="en-US" sz="1400" dirty="0" err="1"/>
+              <a:t>revol_util</a:t>
+            </a:r>
+            <a:endParaRPr lang="en-US" sz="1400" dirty="0"/>
+          </a:p>
+          <a:p>
+            <a:pPr marL="171450" indent="-171450">
+              <a:buFont typeface="Arial" panose="020B0604020202020204" pitchFamily="34" charset="0"/>
+              <a:buChar char="•"/>
+            </a:pPr>
+            <a:r>
+              <a:rPr lang="en-US" sz="1400" dirty="0"/>
+              <a:t>inq_last_6mths</a:t>
+            </a:r>
+          </a:p>
+        </p:txBody>
+      </p:sp>
+      <p:sp>
+        <p:nvSpPr>
+          <p:cNvPr id="31" name="Rectangle 30"/>
+          <p:cNvSpPr/>
+          <p:nvPr/>
+        </p:nvSpPr>
+        <p:spPr>
+          <a:xfrm>
+            <a:off x="9387966" y="1802923"/>
+            <a:ext cx="2743200" cy="274320"/>
+          </a:xfrm>
+          <a:prstGeom prst="rect">
+            <a:avLst/>
+          </a:prstGeom>
+          <a:solidFill>
+            <a:schemeClr val="accent2">
+              <a:lumMod val="50000"/>
+            </a:schemeClr>
+          </a:solidFill>
+        </p:spPr>
+        <p:style>
+          <a:lnRef idx="2">
+            <a:schemeClr val="accent1">
+              <a:shade val="50000"/>
+            </a:schemeClr>
+          </a:lnRef>
+          <a:fillRef idx="1">
+            <a:schemeClr val="accent1"/>
+          </a:fillRef>
+          <a:effectRef idx="0">
+            <a:schemeClr val="accent1"/>
+          </a:effectRef>
+          <a:fontRef idx="minor">
+            <a:schemeClr val="lt1"/>
+          </a:fontRef>
+        </p:style>
+        <p:txBody>
+          <a:bodyPr rtlCol="0" anchor="ctr"/>
+          <a:lstStyle/>
+          <a:p>
+            <a:pPr algn="ctr"/>
+            <a:r>
+              <a:rPr lang="en-US" dirty="0" smtClean="0"/>
+              <a:t>Loan </a:t>
+            </a:r>
+            <a:endParaRPr lang="en-US" dirty="0"/>
+          </a:p>
+        </p:txBody>
+      </p:sp>
+      <p:sp>
+        <p:nvSpPr>
+          <p:cNvPr id="17" name="Oval 16"/>
+          <p:cNvSpPr/>
+          <p:nvPr/>
+        </p:nvSpPr>
+        <p:spPr>
+          <a:xfrm>
+            <a:off x="1371030" y="4272276"/>
+            <a:ext cx="2589224" cy="228932"/>
+          </a:xfrm>
+          <a:prstGeom prst="ellipse">
+            <a:avLst/>
+          </a:prstGeom>
+          <a:noFill/>
+          <a:ln>
+            <a:solidFill>
+              <a:srgbClr val="FF0000"/>
+            </a:solidFill>
+          </a:ln>
+        </p:spPr>
+        <p:style>
+          <a:lnRef idx="2">
+            <a:schemeClr val="accent1">
+              <a:shade val="50000"/>
+            </a:schemeClr>
+          </a:lnRef>
+          <a:fillRef idx="1">
+            <a:schemeClr val="accent1"/>
+          </a:fillRef>
+          <a:effectRef idx="0">
+            <a:schemeClr val="accent1"/>
+          </a:effectRef>
+          <a:fontRef idx="minor">
+            <a:schemeClr val="lt1"/>
+          </a:fontRef>
+        </p:style>
+        <p:txBody>
+          <a:bodyPr rtlCol="0" anchor="ctr"/>
+          <a:lstStyle/>
+          <a:p>
+            <a:pPr algn="ctr"/>
+            <a:endParaRPr lang="en-US"/>
+          </a:p>
+        </p:txBody>
+      </p:sp>
+      <p:sp>
+        <p:nvSpPr>
+          <p:cNvPr id="33" name="Oval 32"/>
+          <p:cNvSpPr/>
+          <p:nvPr/>
+        </p:nvSpPr>
+        <p:spPr>
+          <a:xfrm>
+            <a:off x="5396248" y="4418223"/>
+            <a:ext cx="469651" cy="488710"/>
+          </a:xfrm>
+          <a:prstGeom prst="ellipse">
+            <a:avLst/>
+          </a:prstGeom>
+          <a:noFill/>
+          <a:ln>
+            <a:solidFill>
+              <a:srgbClr val="FF0000"/>
+            </a:solidFill>
+          </a:ln>
+        </p:spPr>
+        <p:style>
+          <a:lnRef idx="2">
+            <a:schemeClr val="accent1">
+              <a:shade val="50000"/>
+            </a:schemeClr>
+          </a:lnRef>
+          <a:fillRef idx="1">
+            <a:schemeClr val="accent1"/>
+          </a:fillRef>
+          <a:effectRef idx="0">
+            <a:schemeClr val="accent1"/>
+          </a:effectRef>
+          <a:fontRef idx="minor">
+            <a:schemeClr val="lt1"/>
+          </a:fontRef>
+        </p:style>
+        <p:txBody>
+          <a:bodyPr rtlCol="0" anchor="ctr"/>
+          <a:lstStyle/>
+          <a:p>
+            <a:pPr algn="ctr"/>
+            <a:endParaRPr lang="en-US"/>
+          </a:p>
+        </p:txBody>
+      </p:sp>
+      <p:sp>
+        <p:nvSpPr>
+          <p:cNvPr id="34" name="Oval 33"/>
+          <p:cNvSpPr/>
+          <p:nvPr/>
+        </p:nvSpPr>
+        <p:spPr>
+          <a:xfrm>
+            <a:off x="4962659" y="4431075"/>
+            <a:ext cx="740200" cy="228932"/>
+          </a:xfrm>
+          <a:prstGeom prst="ellipse">
+            <a:avLst/>
+          </a:prstGeom>
+          <a:noFill/>
+          <a:ln>
+            <a:solidFill>
+              <a:srgbClr val="FF0000"/>
+            </a:solidFill>
+          </a:ln>
+        </p:spPr>
+        <p:style>
+          <a:lnRef idx="2">
+            <a:schemeClr val="accent1">
+              <a:shade val="50000"/>
+            </a:schemeClr>
+          </a:lnRef>
+          <a:fillRef idx="1">
+            <a:schemeClr val="accent1"/>
+          </a:fillRef>
+          <a:effectRef idx="0">
+            <a:schemeClr val="accent1"/>
+          </a:effectRef>
+          <a:fontRef idx="minor">
+            <a:schemeClr val="lt1"/>
+          </a:fontRef>
+        </p:style>
+        <p:txBody>
+          <a:bodyPr rtlCol="0" anchor="ctr"/>
+          <a:lstStyle/>
+          <a:p>
+            <a:pPr algn="ctr"/>
+            <a:endParaRPr lang="en-US"/>
+          </a:p>
+        </p:txBody>
+      </p:sp>
+      <p:sp>
+        <p:nvSpPr>
+          <p:cNvPr id="36" name="Rectangle 35"/>
+          <p:cNvSpPr/>
+          <p:nvPr/>
+        </p:nvSpPr>
+        <p:spPr>
+          <a:xfrm>
+            <a:off x="3301208" y="3191882"/>
+            <a:ext cx="4063102" cy="578967"/>
+          </a:xfrm>
+          <a:prstGeom prst="rect">
+            <a:avLst/>
+          </a:prstGeom>
+          <a:solidFill>
+            <a:schemeClr val="accent2"/>
+          </a:solidFill>
+        </p:spPr>
+        <p:style>
+          <a:lnRef idx="2">
+            <a:schemeClr val="accent1">
+              <a:shade val="50000"/>
+            </a:schemeClr>
+          </a:lnRef>
+          <a:fillRef idx="1">
+            <a:schemeClr val="accent1"/>
+          </a:fillRef>
+          <a:effectRef idx="0">
+            <a:schemeClr val="accent1"/>
+          </a:effectRef>
+          <a:fontRef idx="minor">
+            <a:schemeClr val="lt1"/>
+          </a:fontRef>
+        </p:style>
+        <p:txBody>
+          <a:bodyPr rtlCol="0" anchor="ctr"/>
+          <a:lstStyle/>
+          <a:p>
+            <a:pPr marL="171450" indent="-171450">
+              <a:buFont typeface="Arial" panose="020B0604020202020204" pitchFamily="34" charset="0"/>
+              <a:buChar char="•"/>
+            </a:pPr>
+            <a:r>
+              <a:rPr lang="en-US" sz="1400" dirty="0" smtClean="0"/>
+              <a:t>Categories : </a:t>
+            </a:r>
+            <a:r>
+              <a:rPr lang="en-US" sz="1400" dirty="0" err="1" smtClean="0"/>
+              <a:t>small_business</a:t>
+            </a:r>
+            <a:r>
+              <a:rPr lang="en-US" sz="1400" dirty="0" smtClean="0"/>
+              <a:t>, </a:t>
+            </a:r>
+            <a:r>
+              <a:rPr lang="en-US" sz="1400" dirty="0" err="1" smtClean="0"/>
+              <a:t>major_purchase</a:t>
+            </a:r>
+            <a:r>
+              <a:rPr lang="en-US" sz="1400" dirty="0" smtClean="0"/>
+              <a:t>, car, </a:t>
+            </a:r>
+            <a:r>
+              <a:rPr lang="en-US" sz="1400" dirty="0" err="1" smtClean="0"/>
+              <a:t>etc</a:t>
+            </a:r>
+            <a:r>
+              <a:rPr lang="en-US" sz="1400" dirty="0" smtClean="0"/>
+              <a:t> are statistically significant for charged off loan</a:t>
+            </a:r>
+            <a:endParaRPr lang="en-US" sz="1400" dirty="0"/>
+          </a:p>
+        </p:txBody>
+      </p:sp>
+      <p:sp>
+        <p:nvSpPr>
+          <p:cNvPr id="37" name="Flowchart: Terminator 36"/>
+          <p:cNvSpPr/>
+          <p:nvPr/>
+        </p:nvSpPr>
+        <p:spPr>
+          <a:xfrm>
+            <a:off x="1286596" y="314008"/>
+            <a:ext cx="1146629" cy="292296"/>
+          </a:xfrm>
+          <a:prstGeom prst="flowChartTerminator">
+            <a:avLst/>
+          </a:prstGeom>
+        </p:spPr>
+        <p:style>
+          <a:lnRef idx="1">
+            <a:schemeClr val="accent3"/>
+          </a:lnRef>
+          <a:fillRef idx="2">
+            <a:schemeClr val="accent3"/>
+          </a:fillRef>
+          <a:effectRef idx="1">
+            <a:schemeClr val="accent3"/>
+          </a:effectRef>
+          <a:fontRef idx="minor">
+            <a:schemeClr val="dk1"/>
+          </a:fontRef>
+        </p:style>
+        <p:txBody>
+          <a:bodyPr rtlCol="0" anchor="ctr"/>
+          <a:lstStyle/>
+          <a:p>
+            <a:pPr algn="ctr"/>
+            <a:r>
+              <a:rPr lang="en-US" dirty="0" smtClean="0"/>
+              <a:t>Example</a:t>
+            </a:r>
+            <a:endParaRPr lang="en-US" dirty="0"/>
+          </a:p>
+        </p:txBody>
+      </p:sp>
+    </p:spTree>
+    <p:extLst>
+      <p:ext uri="{BB962C8B-B14F-4D97-AF65-F5344CB8AC3E}">
+        <p14:creationId xmlns:p14="http://schemas.microsoft.com/office/powerpoint/2010/main" val="2228129562"/>
+      </p:ext>
+    </p:extLst>
+  </p:cSld>
+  <p:clrMapOvr>
+    <a:masterClrMapping/>
+  </p:clrMapOvr>
+  <p:timing>
+    <p:tnLst>
+      <p:par>
+        <p:cTn id="1" dur="indefinite" restart="never" nodeType="tmRoot"/>
+      </p:par>
+    </p:tnLst>
+  </p:timing>
+</p:sld>
+</file>
+
+<file path=ppt/slides/slide9.xml><?xml version="1.0" encoding="utf-8"?>
+<p:sld xmlns:a="http://schemas.openxmlformats.org/drawingml/2006/main" xmlns:r="http://schemas.openxmlformats.org/officeDocument/2006/relationships" xmlns:p="http://schemas.openxmlformats.org/presentationml/2006/main">
+  <p:cSld>
+    <p:spTree>
+      <p:nvGrpSpPr>
+        <p:cNvPr id="1" name=""/>
+        <p:cNvGrpSpPr/>
+        <p:nvPr/>
+      </p:nvGrpSpPr>
+      <p:grpSpPr>
+        <a:xfrm>
+          <a:off x="0" y="0"/>
+          <a:ext cx="0" cy="0"/>
+          <a:chOff x="0" y="0"/>
+          <a:chExt cx="0" cy="0"/>
+        </a:xfrm>
+      </p:grpSpPr>
+      <p:pic>
+        <p:nvPicPr>
+          <p:cNvPr id="5" name="Picture 4"/>
+          <p:cNvPicPr>
+            <a:picLocks noChangeAspect="1"/>
+          </p:cNvPicPr>
+          <p:nvPr/>
+        </p:nvPicPr>
+        <p:blipFill>
+          <a:blip r:embed="rId2"/>
+          <a:stretch>
+            <a:fillRect/>
+          </a:stretch>
+        </p:blipFill>
+        <p:spPr>
+          <a:xfrm>
+            <a:off x="91623" y="3192604"/>
+            <a:ext cx="8325141" cy="3558258"/>
+          </a:xfrm>
+          <a:prstGeom prst="rect">
+            <a:avLst/>
+          </a:prstGeom>
+        </p:spPr>
+      </p:pic>
+      <p:pic>
+        <p:nvPicPr>
+          <p:cNvPr id="4" name="Picture 3"/>
+          <p:cNvPicPr>
+            <a:picLocks noChangeAspect="1"/>
+          </p:cNvPicPr>
+          <p:nvPr/>
+        </p:nvPicPr>
+        <p:blipFill>
+          <a:blip r:embed="rId3"/>
+          <a:stretch>
+            <a:fillRect/>
+          </a:stretch>
+        </p:blipFill>
+        <p:spPr>
+          <a:xfrm>
+            <a:off x="91623" y="1380378"/>
+            <a:ext cx="6492426" cy="1591183"/>
+          </a:xfrm>
+          <a:prstGeom prst="rect">
+            <a:avLst/>
+          </a:prstGeom>
+        </p:spPr>
+      </p:pic>
+      <p:sp>
+        <p:nvSpPr>
+          <p:cNvPr id="2" name="Title 1"/>
+          <p:cNvSpPr>
+            <a:spLocks noGrp="1"/>
+          </p:cNvSpPr>
+          <p:nvPr>
+            <p:ph type="title"/>
+          </p:nvPr>
+        </p:nvSpPr>
+        <p:spPr>
+          <a:xfrm>
+            <a:off x="1136469" y="640080"/>
+            <a:ext cx="8021599" cy="856138"/>
+          </a:xfrm>
+        </p:spPr>
+        <p:txBody>
+          <a:bodyPr>
+            <a:noAutofit/>
+          </a:bodyPr>
+          <a:lstStyle/>
+          <a:p>
+            <a:r>
+              <a:rPr lang="en-US" sz="2400" dirty="0" smtClean="0"/>
+              <a:t>Data  Analysis : Insight into establishing Impacting variables : Derived Variable – </a:t>
+            </a:r>
+            <a:r>
+              <a:rPr lang="en-US" sz="2400" dirty="0" err="1"/>
+              <a:t>annual_installment</a:t>
+            </a:r>
+            <a:r>
+              <a:rPr lang="en-US" sz="2400" dirty="0"/>
+              <a:t> over </a:t>
+            </a:r>
+            <a:r>
+              <a:rPr lang="en-US" sz="2400" dirty="0" err="1"/>
+              <a:t>annual_income</a:t>
+            </a:r>
+            <a:endParaRPr lang="en-US" sz="2400" dirty="0"/>
+          </a:p>
+        </p:txBody>
+      </p:sp>
+      <p:sp>
+        <p:nvSpPr>
+          <p:cNvPr id="10" name="TextBox 9"/>
+          <p:cNvSpPr txBox="1"/>
+          <p:nvPr/>
+        </p:nvSpPr>
+        <p:spPr>
+          <a:xfrm>
+            <a:off x="843158" y="3837178"/>
+            <a:ext cx="1319237" cy="338554"/>
+          </a:xfrm>
+          <a:prstGeom prst="rect">
+            <a:avLst/>
+          </a:prstGeom>
+          <a:noFill/>
+        </p:spPr>
+        <p:txBody>
+          <a:bodyPr wrap="square" rtlCol="0">
+            <a:spAutoFit/>
+          </a:bodyPr>
+          <a:lstStyle/>
+          <a:p>
+            <a:r>
+              <a:rPr lang="en-US" sz="1600" dirty="0" smtClean="0"/>
+              <a:t>Box plot</a:t>
+            </a:r>
+            <a:endParaRPr lang="en-US" sz="1600" dirty="0"/>
+          </a:p>
+        </p:txBody>
+      </p:sp>
+      <p:sp>
+        <p:nvSpPr>
+          <p:cNvPr id="11" name="TextBox 10"/>
+          <p:cNvSpPr txBox="1"/>
+          <p:nvPr/>
+        </p:nvSpPr>
+        <p:spPr>
+          <a:xfrm>
+            <a:off x="4174449" y="3554253"/>
+            <a:ext cx="1527266" cy="369332"/>
+          </a:xfrm>
+          <a:prstGeom prst="rect">
+            <a:avLst/>
+          </a:prstGeom>
+          <a:noFill/>
+        </p:spPr>
+        <p:txBody>
+          <a:bodyPr wrap="square" rtlCol="0">
+            <a:spAutoFit/>
+          </a:bodyPr>
+          <a:lstStyle/>
+          <a:p>
+            <a:r>
+              <a:rPr lang="en-US" dirty="0" smtClean="0"/>
+              <a:t>Violin Plot</a:t>
+            </a:r>
+            <a:endParaRPr lang="en-US" dirty="0"/>
+          </a:p>
+        </p:txBody>
+      </p:sp>
+      <p:sp>
+        <p:nvSpPr>
+          <p:cNvPr id="14" name="TextBox 13"/>
+          <p:cNvSpPr txBox="1"/>
+          <p:nvPr/>
+        </p:nvSpPr>
+        <p:spPr>
+          <a:xfrm>
+            <a:off x="1572820" y="1785465"/>
+            <a:ext cx="1482542" cy="923330"/>
+          </a:xfrm>
+          <a:prstGeom prst="rect">
+            <a:avLst/>
+          </a:prstGeom>
+          <a:noFill/>
+        </p:spPr>
+        <p:txBody>
+          <a:bodyPr wrap="square" rtlCol="0">
+            <a:spAutoFit/>
+          </a:bodyPr>
+          <a:lstStyle/>
+          <a:p>
+            <a:r>
+              <a:rPr lang="en-US" dirty="0" smtClean="0"/>
+              <a:t>Univariate Analysis –quantitative </a:t>
+            </a:r>
+            <a:endParaRPr lang="en-US" dirty="0"/>
+          </a:p>
+        </p:txBody>
+      </p:sp>
+      <p:sp>
+        <p:nvSpPr>
+          <p:cNvPr id="16" name="TextBox 15"/>
+          <p:cNvSpPr txBox="1"/>
+          <p:nvPr/>
+        </p:nvSpPr>
+        <p:spPr>
+          <a:xfrm>
+            <a:off x="7141413" y="3681742"/>
+            <a:ext cx="1983420" cy="369332"/>
+          </a:xfrm>
+          <a:prstGeom prst="rect">
+            <a:avLst/>
+          </a:prstGeom>
+          <a:noFill/>
+        </p:spPr>
+        <p:txBody>
+          <a:bodyPr wrap="square" rtlCol="0">
+            <a:spAutoFit/>
+          </a:bodyPr>
+          <a:lstStyle/>
+          <a:p>
+            <a:r>
+              <a:rPr lang="en-US" dirty="0" smtClean="0"/>
+              <a:t>KDE plot</a:t>
+            </a:r>
+            <a:endParaRPr lang="en-US" dirty="0"/>
+          </a:p>
+        </p:txBody>
+      </p:sp>
+      <p:sp>
+        <p:nvSpPr>
+          <p:cNvPr id="24" name="Oval 23"/>
+          <p:cNvSpPr/>
+          <p:nvPr/>
+        </p:nvSpPr>
+        <p:spPr>
+          <a:xfrm>
+            <a:off x="579032" y="3834839"/>
+            <a:ext cx="323557" cy="355660"/>
+          </a:xfrm>
+          <a:prstGeom prst="ellipse">
+            <a:avLst/>
+          </a:prstGeom>
+        </p:spPr>
+        <p:style>
+          <a:lnRef idx="2">
+            <a:schemeClr val="accent1">
+              <a:shade val="50000"/>
+            </a:schemeClr>
+          </a:lnRef>
+          <a:fillRef idx="1">
+            <a:schemeClr val="accent1"/>
+          </a:fillRef>
+          <a:effectRef idx="0">
+            <a:schemeClr val="accent1"/>
+          </a:effectRef>
+          <a:fontRef idx="minor">
+            <a:schemeClr val="lt1"/>
+          </a:fontRef>
+        </p:style>
+        <p:txBody>
+          <a:bodyPr rtlCol="0" anchor="ctr"/>
+          <a:lstStyle/>
+          <a:p>
+            <a:pPr algn="ctr"/>
+            <a:r>
+              <a:rPr lang="en-US" dirty="0" smtClean="0"/>
+              <a:t>2</a:t>
+            </a:r>
+            <a:endParaRPr lang="en-US" dirty="0"/>
+          </a:p>
+        </p:txBody>
+      </p:sp>
+      <p:sp>
+        <p:nvSpPr>
+          <p:cNvPr id="25" name="Oval 24"/>
+          <p:cNvSpPr/>
+          <p:nvPr/>
+        </p:nvSpPr>
+        <p:spPr>
+          <a:xfrm>
+            <a:off x="1305661" y="2019227"/>
+            <a:ext cx="323557" cy="355660"/>
+          </a:xfrm>
+          <a:prstGeom prst="ellipse">
+            <a:avLst/>
+          </a:prstGeom>
+        </p:spPr>
+        <p:style>
+          <a:lnRef idx="2">
+            <a:schemeClr val="accent1">
+              <a:shade val="50000"/>
+            </a:schemeClr>
+          </a:lnRef>
+          <a:fillRef idx="1">
+            <a:schemeClr val="accent1"/>
+          </a:fillRef>
+          <a:effectRef idx="0">
+            <a:schemeClr val="accent1"/>
+          </a:effectRef>
+          <a:fontRef idx="minor">
+            <a:schemeClr val="lt1"/>
+          </a:fontRef>
+        </p:style>
+        <p:txBody>
+          <a:bodyPr rtlCol="0" anchor="ctr"/>
+          <a:lstStyle/>
+          <a:p>
+            <a:pPr algn="ctr"/>
+            <a:r>
+              <a:rPr lang="en-US" dirty="0" smtClean="0"/>
+              <a:t>1</a:t>
+            </a:r>
+            <a:endParaRPr lang="en-US" dirty="0"/>
+          </a:p>
+        </p:txBody>
+      </p:sp>
+      <p:sp>
+        <p:nvSpPr>
+          <p:cNvPr id="26" name="Oval 25"/>
+          <p:cNvSpPr/>
+          <p:nvPr/>
+        </p:nvSpPr>
+        <p:spPr>
+          <a:xfrm>
+            <a:off x="3905109" y="3570699"/>
+            <a:ext cx="323557" cy="355660"/>
+          </a:xfrm>
+          <a:prstGeom prst="ellipse">
+            <a:avLst/>
+          </a:prstGeom>
+        </p:spPr>
+        <p:style>
+          <a:lnRef idx="2">
+            <a:schemeClr val="accent1">
+              <a:shade val="50000"/>
+            </a:schemeClr>
+          </a:lnRef>
+          <a:fillRef idx="1">
+            <a:schemeClr val="accent1"/>
+          </a:fillRef>
+          <a:effectRef idx="0">
+            <a:schemeClr val="accent1"/>
+          </a:effectRef>
+          <a:fontRef idx="minor">
+            <a:schemeClr val="lt1"/>
+          </a:fontRef>
+        </p:style>
+        <p:txBody>
+          <a:bodyPr rtlCol="0" anchor="ctr"/>
+          <a:lstStyle/>
+          <a:p>
+            <a:pPr algn="ctr"/>
+            <a:r>
+              <a:rPr lang="en-US" dirty="0" smtClean="0"/>
+              <a:t>3</a:t>
+            </a:r>
+            <a:endParaRPr lang="en-US" dirty="0"/>
+          </a:p>
+        </p:txBody>
+      </p:sp>
+      <p:sp>
+        <p:nvSpPr>
+          <p:cNvPr id="27" name="Oval 26"/>
+          <p:cNvSpPr/>
+          <p:nvPr/>
+        </p:nvSpPr>
+        <p:spPr>
+          <a:xfrm>
+            <a:off x="6815937" y="3708593"/>
+            <a:ext cx="323557" cy="355660"/>
+          </a:xfrm>
+          <a:prstGeom prst="ellipse">
+            <a:avLst/>
+          </a:prstGeom>
+        </p:spPr>
+        <p:style>
+          <a:lnRef idx="2">
+            <a:schemeClr val="accent1">
+              <a:shade val="50000"/>
+            </a:schemeClr>
+          </a:lnRef>
+          <a:fillRef idx="1">
+            <a:schemeClr val="accent1"/>
+          </a:fillRef>
+          <a:effectRef idx="0">
+            <a:schemeClr val="accent1"/>
+          </a:effectRef>
+          <a:fontRef idx="minor">
+            <a:schemeClr val="lt1"/>
+          </a:fontRef>
+        </p:style>
+        <p:txBody>
+          <a:bodyPr rtlCol="0" anchor="ctr"/>
+          <a:lstStyle/>
+          <a:p>
+            <a:pPr algn="ctr"/>
+            <a:r>
+              <a:rPr lang="en-US" dirty="0" smtClean="0"/>
+              <a:t>4</a:t>
+            </a:r>
+            <a:endParaRPr lang="en-US" dirty="0"/>
+          </a:p>
+        </p:txBody>
+      </p:sp>
+      <p:sp>
+        <p:nvSpPr>
+          <p:cNvPr id="28" name="Rectangle 27"/>
+          <p:cNvSpPr/>
+          <p:nvPr/>
+        </p:nvSpPr>
+        <p:spPr>
+          <a:xfrm>
+            <a:off x="9338645" y="931804"/>
+            <a:ext cx="2743200" cy="535840"/>
+          </a:xfrm>
+          <a:prstGeom prst="rect">
+            <a:avLst/>
+          </a:prstGeom>
+          <a:solidFill>
+            <a:schemeClr val="accent6"/>
+          </a:solidFill>
+        </p:spPr>
+        <p:style>
+          <a:lnRef idx="2">
+            <a:schemeClr val="accent1">
+              <a:shade val="50000"/>
+            </a:schemeClr>
+          </a:lnRef>
+          <a:fillRef idx="1">
+            <a:schemeClr val="accent1"/>
+          </a:fillRef>
+          <a:effectRef idx="0">
+            <a:schemeClr val="accent1"/>
+          </a:effectRef>
+          <a:fontRef idx="minor">
+            <a:schemeClr val="lt1"/>
+          </a:fontRef>
+        </p:style>
+        <p:txBody>
+          <a:bodyPr rtlCol="0" anchor="ctr"/>
+          <a:lstStyle/>
+          <a:p>
+            <a:pPr marL="171450" indent="-171450">
+              <a:buFont typeface="Arial" panose="020B0604020202020204" pitchFamily="34" charset="0"/>
+              <a:buChar char="•"/>
+            </a:pPr>
+            <a:r>
+              <a:rPr lang="en-US" sz="1400" dirty="0" err="1"/>
+              <a:t>annual_installment</a:t>
+            </a:r>
+            <a:r>
+              <a:rPr lang="en-US" sz="1400" dirty="0"/>
+              <a:t> </a:t>
+            </a:r>
+            <a:r>
+              <a:rPr lang="en-US" sz="1400" dirty="0" smtClean="0"/>
+              <a:t>as </a:t>
+            </a:r>
+            <a:r>
+              <a:rPr lang="en-US" sz="1400" dirty="0" smtClean="0"/>
+              <a:t>percent of </a:t>
+            </a:r>
+            <a:r>
+              <a:rPr lang="en-US" sz="1400" dirty="0" err="1" smtClean="0"/>
+              <a:t>annual_income</a:t>
+            </a:r>
+            <a:endParaRPr lang="en-US" sz="1400" dirty="0"/>
+          </a:p>
+        </p:txBody>
+      </p:sp>
+      <p:sp>
+        <p:nvSpPr>
+          <p:cNvPr id="29" name="Rectangle 28"/>
+          <p:cNvSpPr/>
+          <p:nvPr/>
+        </p:nvSpPr>
+        <p:spPr>
+          <a:xfrm>
+            <a:off x="9338644" y="1496218"/>
+            <a:ext cx="2743200" cy="274320"/>
+          </a:xfrm>
+          <a:prstGeom prst="rect">
+            <a:avLst/>
+          </a:prstGeom>
+          <a:solidFill>
+            <a:schemeClr val="accent6">
+              <a:lumMod val="50000"/>
+            </a:schemeClr>
+          </a:solidFill>
+          <a:ln>
+            <a:solidFill>
+              <a:schemeClr val="accent6">
+                <a:lumMod val="50000"/>
+              </a:schemeClr>
+            </a:solidFill>
+          </a:ln>
+        </p:spPr>
+        <p:style>
+          <a:lnRef idx="2">
+            <a:schemeClr val="accent1">
+              <a:shade val="50000"/>
+            </a:schemeClr>
+          </a:lnRef>
+          <a:fillRef idx="1">
+            <a:schemeClr val="accent1"/>
+          </a:fillRef>
+          <a:effectRef idx="0">
+            <a:schemeClr val="accent1"/>
+          </a:effectRef>
+          <a:fontRef idx="minor">
+            <a:schemeClr val="lt1"/>
+          </a:fontRef>
+        </p:style>
+        <p:txBody>
+          <a:bodyPr rtlCol="0" anchor="ctr"/>
+          <a:lstStyle/>
+          <a:p>
+            <a:pPr algn="ctr"/>
+            <a:r>
+              <a:rPr lang="en-US" dirty="0" smtClean="0"/>
+              <a:t>Derived</a:t>
+            </a:r>
+            <a:endParaRPr lang="en-US" dirty="0"/>
+          </a:p>
+        </p:txBody>
+      </p:sp>
+      <p:pic>
+        <p:nvPicPr>
+          <p:cNvPr id="8" name="Picture 7"/>
+          <p:cNvPicPr>
+            <a:picLocks noChangeAspect="1"/>
+          </p:cNvPicPr>
+          <p:nvPr/>
+        </p:nvPicPr>
+        <p:blipFill>
+          <a:blip r:embed="rId4"/>
+          <a:stretch>
+            <a:fillRect/>
+          </a:stretch>
+        </p:blipFill>
+        <p:spPr>
+          <a:xfrm>
+            <a:off x="3664833" y="1839347"/>
+            <a:ext cx="6372746" cy="1071080"/>
+          </a:xfrm>
+          <a:prstGeom prst="rect">
+            <a:avLst/>
+          </a:prstGeom>
+        </p:spPr>
+      </p:pic>
+      <p:cxnSp>
+        <p:nvCxnSpPr>
+          <p:cNvPr id="12" name="Straight Connector 11"/>
+          <p:cNvCxnSpPr/>
+          <p:nvPr/>
+        </p:nvCxnSpPr>
+        <p:spPr>
+          <a:xfrm>
+            <a:off x="3664833" y="2877977"/>
+            <a:ext cx="2553087" cy="13163"/>
+          </a:xfrm>
+          <a:prstGeom prst="line">
+            <a:avLst/>
+          </a:prstGeom>
+          <a:ln>
+            <a:solidFill>
+              <a:srgbClr val="FF0000"/>
+            </a:solidFill>
+          </a:ln>
+        </p:spPr>
+        <p:style>
+          <a:lnRef idx="1">
+            <a:schemeClr val="accent1"/>
+          </a:lnRef>
+          <a:fillRef idx="0">
+            <a:schemeClr val="accent1"/>
+          </a:fillRef>
+          <a:effectRef idx="0">
+            <a:schemeClr val="accent1"/>
+          </a:effectRef>
+          <a:fontRef idx="minor">
+            <a:schemeClr val="tx1"/>
+          </a:fontRef>
+        </p:style>
+      </p:cxnSp>
+      <p:pic>
+        <p:nvPicPr>
+          <p:cNvPr id="13" name="Picture 12"/>
+          <p:cNvPicPr>
+            <a:picLocks noChangeAspect="1"/>
+          </p:cNvPicPr>
+          <p:nvPr/>
+        </p:nvPicPr>
+        <p:blipFill>
+          <a:blip r:embed="rId5"/>
+          <a:stretch>
+            <a:fillRect/>
+          </a:stretch>
+        </p:blipFill>
+        <p:spPr>
+          <a:xfrm>
+            <a:off x="8373387" y="2501260"/>
+            <a:ext cx="3782037" cy="2570997"/>
+          </a:xfrm>
+          <a:prstGeom prst="rect">
+            <a:avLst/>
+          </a:prstGeom>
+        </p:spPr>
+      </p:pic>
+      <p:sp>
+        <p:nvSpPr>
+          <p:cNvPr id="17" name="Oval 16"/>
+          <p:cNvSpPr/>
+          <p:nvPr/>
+        </p:nvSpPr>
+        <p:spPr>
+          <a:xfrm>
+            <a:off x="10896427" y="3837178"/>
+            <a:ext cx="539262" cy="231263"/>
+          </a:xfrm>
+          <a:prstGeom prst="ellipse">
+            <a:avLst/>
+          </a:prstGeom>
+          <a:noFill/>
+          <a:ln>
+            <a:solidFill>
+              <a:srgbClr val="FF0000"/>
+            </a:solidFill>
+          </a:ln>
+        </p:spPr>
+        <p:style>
+          <a:lnRef idx="2">
+            <a:schemeClr val="accent1">
+              <a:shade val="50000"/>
+            </a:schemeClr>
+          </a:lnRef>
+          <a:fillRef idx="1">
+            <a:schemeClr val="accent1"/>
+          </a:fillRef>
+          <a:effectRef idx="0">
+            <a:schemeClr val="accent1"/>
+          </a:effectRef>
+          <a:fontRef idx="minor">
+            <a:schemeClr val="lt1"/>
+          </a:fontRef>
+        </p:style>
+        <p:txBody>
+          <a:bodyPr rtlCol="0" anchor="ctr"/>
+          <a:lstStyle/>
+          <a:p>
+            <a:pPr algn="ctr"/>
+            <a:endParaRPr lang="en-US"/>
+          </a:p>
+        </p:txBody>
+      </p:sp>
+      <p:sp>
+        <p:nvSpPr>
+          <p:cNvPr id="37" name="TextBox 36"/>
+          <p:cNvSpPr txBox="1"/>
+          <p:nvPr/>
+        </p:nvSpPr>
+        <p:spPr>
+          <a:xfrm>
+            <a:off x="9823297" y="4614497"/>
+            <a:ext cx="1983420" cy="369332"/>
+          </a:xfrm>
+          <a:prstGeom prst="rect">
+            <a:avLst/>
+          </a:prstGeom>
+          <a:noFill/>
+        </p:spPr>
+        <p:txBody>
+          <a:bodyPr wrap="square" rtlCol="0">
+            <a:spAutoFit/>
+          </a:bodyPr>
+          <a:lstStyle/>
+          <a:p>
+            <a:r>
+              <a:rPr lang="en-US" dirty="0" err="1" smtClean="0"/>
+              <a:t>Tukey</a:t>
+            </a:r>
+            <a:r>
+              <a:rPr lang="en-US" dirty="0" smtClean="0"/>
+              <a:t> HSD test</a:t>
+            </a:r>
+            <a:endParaRPr lang="en-US" dirty="0"/>
+          </a:p>
+        </p:txBody>
+      </p:sp>
+      <p:sp>
+        <p:nvSpPr>
+          <p:cNvPr id="38" name="Oval 37"/>
+          <p:cNvSpPr/>
+          <p:nvPr/>
+        </p:nvSpPr>
+        <p:spPr>
+          <a:xfrm>
+            <a:off x="9497821" y="4641348"/>
+            <a:ext cx="323557" cy="355660"/>
+          </a:xfrm>
+          <a:prstGeom prst="ellipse">
+            <a:avLst/>
+          </a:prstGeom>
+        </p:spPr>
+        <p:style>
+          <a:lnRef idx="2">
+            <a:schemeClr val="accent1">
+              <a:shade val="50000"/>
+            </a:schemeClr>
+          </a:lnRef>
+          <a:fillRef idx="1">
+            <a:schemeClr val="accent1"/>
+          </a:fillRef>
+          <a:effectRef idx="0">
+            <a:schemeClr val="accent1"/>
+          </a:effectRef>
+          <a:fontRef idx="minor">
+            <a:schemeClr val="lt1"/>
+          </a:fontRef>
+        </p:style>
+        <p:txBody>
+          <a:bodyPr rtlCol="0" anchor="ctr"/>
+          <a:lstStyle/>
+          <a:p>
+            <a:pPr algn="ctr"/>
+            <a:r>
+              <a:rPr lang="en-US" dirty="0" smtClean="0"/>
+              <a:t>6</a:t>
+            </a:r>
+            <a:endParaRPr lang="en-US" dirty="0"/>
+          </a:p>
+        </p:txBody>
+      </p:sp>
+      <p:sp>
+        <p:nvSpPr>
+          <p:cNvPr id="39" name="TextBox 38"/>
+          <p:cNvSpPr txBox="1"/>
+          <p:nvPr/>
+        </p:nvSpPr>
+        <p:spPr>
+          <a:xfrm>
+            <a:off x="6628572" y="2529712"/>
+            <a:ext cx="1436674" cy="646331"/>
+          </a:xfrm>
+          <a:prstGeom prst="rect">
+            <a:avLst/>
+          </a:prstGeom>
+          <a:noFill/>
+        </p:spPr>
+        <p:txBody>
+          <a:bodyPr wrap="square" rtlCol="0">
+            <a:spAutoFit/>
+          </a:bodyPr>
+          <a:lstStyle/>
+          <a:p>
+            <a:r>
+              <a:rPr lang="en-US" dirty="0" smtClean="0"/>
+              <a:t>Independent t-test</a:t>
+            </a:r>
+            <a:endParaRPr lang="en-US" dirty="0"/>
+          </a:p>
+        </p:txBody>
+      </p:sp>
+      <p:sp>
+        <p:nvSpPr>
+          <p:cNvPr id="40" name="Oval 39"/>
+          <p:cNvSpPr/>
+          <p:nvPr/>
+        </p:nvSpPr>
+        <p:spPr>
+          <a:xfrm>
+            <a:off x="6303096" y="2556563"/>
+            <a:ext cx="323557" cy="355660"/>
+          </a:xfrm>
+          <a:prstGeom prst="ellipse">
+            <a:avLst/>
+          </a:prstGeom>
+        </p:spPr>
+        <p:style>
+          <a:lnRef idx="2">
+            <a:schemeClr val="accent1">
+              <a:shade val="50000"/>
+            </a:schemeClr>
+          </a:lnRef>
+          <a:fillRef idx="1">
+            <a:schemeClr val="accent1"/>
+          </a:fillRef>
+          <a:effectRef idx="0">
+            <a:schemeClr val="accent1"/>
+          </a:effectRef>
+          <a:fontRef idx="minor">
+            <a:schemeClr val="lt1"/>
+          </a:fontRef>
+        </p:style>
+        <p:txBody>
+          <a:bodyPr rtlCol="0" anchor="ctr"/>
+          <a:lstStyle/>
+          <a:p>
+            <a:pPr algn="ctr"/>
+            <a:r>
+              <a:rPr lang="en-US" dirty="0" smtClean="0"/>
+              <a:t>5</a:t>
+            </a:r>
+            <a:endParaRPr lang="en-US" dirty="0"/>
+          </a:p>
+        </p:txBody>
+      </p:sp>
+      <p:sp>
+        <p:nvSpPr>
+          <p:cNvPr id="41" name="Rectangle 40"/>
+          <p:cNvSpPr/>
+          <p:nvPr/>
+        </p:nvSpPr>
+        <p:spPr>
+          <a:xfrm>
+            <a:off x="8449778" y="5107799"/>
+            <a:ext cx="2743200" cy="1300376"/>
+          </a:xfrm>
+          <a:prstGeom prst="rect">
+            <a:avLst/>
+          </a:prstGeom>
+          <a:solidFill>
+            <a:schemeClr val="accent6"/>
+          </a:solidFill>
+        </p:spPr>
+        <p:style>
+          <a:lnRef idx="2">
+            <a:schemeClr val="accent1">
+              <a:shade val="50000"/>
+            </a:schemeClr>
+          </a:lnRef>
+          <a:fillRef idx="1">
+            <a:schemeClr val="accent1"/>
+          </a:fillRef>
+          <a:effectRef idx="0">
+            <a:schemeClr val="accent1"/>
+          </a:effectRef>
+          <a:fontRef idx="minor">
+            <a:schemeClr val="lt1"/>
+          </a:fontRef>
+        </p:style>
+        <p:txBody>
+          <a:bodyPr rtlCol="0" anchor="ctr"/>
+          <a:lstStyle/>
+          <a:p>
+            <a:pPr marL="171450" indent="-171450">
+              <a:buFont typeface="Arial" panose="020B0604020202020204" pitchFamily="34" charset="0"/>
+              <a:buChar char="•"/>
+            </a:pPr>
+            <a:r>
+              <a:rPr lang="en-US" sz="1400" dirty="0" smtClean="0"/>
+              <a:t>Rejection of null </a:t>
+            </a:r>
+            <a:r>
+              <a:rPr lang="en-US" sz="1400" dirty="0" err="1" smtClean="0"/>
+              <a:t>hyposthesis</a:t>
+            </a:r>
+            <a:r>
+              <a:rPr lang="en-US" sz="1400" dirty="0" smtClean="0"/>
+              <a:t> that </a:t>
+            </a:r>
+            <a:r>
+              <a:rPr lang="en-US" sz="1400" dirty="0" err="1" smtClean="0"/>
+              <a:t>annual_installment</a:t>
+            </a:r>
+            <a:r>
+              <a:rPr lang="en-US" sz="1400" dirty="0" smtClean="0"/>
+              <a:t> as a percentage of annual income does not have impact on sub categories of </a:t>
+            </a:r>
+            <a:r>
+              <a:rPr lang="en-US" sz="1400" dirty="0" err="1" smtClean="0"/>
+              <a:t>loan_status</a:t>
+            </a:r>
+            <a:r>
+              <a:rPr lang="en-US" sz="1400" dirty="0" smtClean="0"/>
+              <a:t> </a:t>
+            </a:r>
+            <a:r>
+              <a:rPr lang="en-US" sz="1400" dirty="0" err="1" smtClean="0"/>
+              <a:t>i.e</a:t>
+            </a:r>
+            <a:r>
+              <a:rPr lang="en-US" sz="1400" dirty="0" smtClean="0"/>
+              <a:t> charged off and fully paid</a:t>
+            </a:r>
+            <a:endParaRPr lang="en-US" sz="1400" dirty="0"/>
+          </a:p>
+        </p:txBody>
+      </p:sp>
+      <p:sp>
+        <p:nvSpPr>
+          <p:cNvPr id="42" name="Flowchart: Terminator 41"/>
+          <p:cNvSpPr/>
+          <p:nvPr/>
+        </p:nvSpPr>
+        <p:spPr>
+          <a:xfrm>
+            <a:off x="1286596" y="314008"/>
+            <a:ext cx="1146629" cy="292296"/>
+          </a:xfrm>
+          <a:prstGeom prst="flowChartTerminator">
+            <a:avLst/>
+          </a:prstGeom>
+        </p:spPr>
+        <p:style>
+          <a:lnRef idx="1">
+            <a:schemeClr val="accent3"/>
+          </a:lnRef>
+          <a:fillRef idx="2">
+            <a:schemeClr val="accent3"/>
+          </a:fillRef>
+          <a:effectRef idx="1">
+            <a:schemeClr val="accent3"/>
+          </a:effectRef>
+          <a:fontRef idx="minor">
+            <a:schemeClr val="dk1"/>
+          </a:fontRef>
+        </p:style>
+        <p:txBody>
+          <a:bodyPr rtlCol="0" anchor="ctr"/>
+          <a:lstStyle/>
+          <a:p>
+            <a:pPr algn="ctr"/>
+            <a:r>
+              <a:rPr lang="en-US" dirty="0" smtClean="0"/>
+              <a:t>Example</a:t>
+            </a:r>
+            <a:endParaRPr lang="en-US" dirty="0"/>
+          </a:p>
+        </p:txBody>
+      </p:sp>
+    </p:spTree>
+    <p:extLst>
+      <p:ext uri="{BB962C8B-B14F-4D97-AF65-F5344CB8AC3E}">
+        <p14:creationId xmlns:p14="http://schemas.microsoft.com/office/powerpoint/2010/main" val="3362245505"/>
+      </p:ext>
+    </p:extLst>
+  </p:cSld>
+  <p:clrMapOvr>
+    <a:masterClrMapping/>
+  </p:clrMapOvr>
+  <p:timing>
+    <p:tnLst>
+      <p:par>
+        <p:cTn id="1" dur="indefinite" restart="never" nodeType="tmRoot"/>
+      </p:par>
+    </p:tnLst>
+  </p:timing>
 </p:sld>
 </file>
 

--- a/Lending Club Case Study.pptx
+++ b/Lending Club Case Study.pptx
@@ -15,7 +15,7 @@
     <p:sldId id="275" r:id="rId6"/>
     <p:sldId id="278" r:id="rId7"/>
     <p:sldId id="276" r:id="rId8"/>
-    <p:sldId id="274" r:id="rId9"/>
+    <p:sldId id="279" r:id="rId9"/>
   </p:sldIdLst>
   <p:sldSz cx="12192000" cy="6858000"/>
   <p:notesSz cx="6858000" cy="9144000"/>
@@ -3124,8 +3124,8 @@
     <dgm:cxn modelId="{FD9482CE-5868-4F4A-89D5-2FBF978C2317}" type="presOf" srcId="{97E1F8DA-9184-495E-996C-36244B32406E}" destId="{0642C37F-FB30-4846-BE4B-D2F52B6BEEBA}" srcOrd="0" destOrd="0" presId="urn:microsoft.com/office/officeart/2005/8/layout/chevron1"/>
     <dgm:cxn modelId="{02D998C1-FEF0-4BFC-82DB-63447C47D2AF}" srcId="{5AA2EE81-2B46-4E7C-8151-C5ADBC1E9B06}" destId="{A96FDC53-DB34-4D6A-834A-3DF6FDD23237}" srcOrd="3" destOrd="0" parTransId="{81E629A4-3158-4227-B78C-4E5534F5AE0E}" sibTransId="{148812BE-DA57-4A7A-9880-5BB9A5F41D0F}"/>
     <dgm:cxn modelId="{61877155-D254-4A67-87F5-B25311DED62A}" type="presOf" srcId="{1922C221-EC52-446B-A288-D28C05E1AD6B}" destId="{0642C37F-FB30-4846-BE4B-D2F52B6BEEBA}" srcOrd="0" destOrd="5" presId="urn:microsoft.com/office/officeart/2005/8/layout/chevron1"/>
+    <dgm:cxn modelId="{1CB58B3F-9CBA-4CE2-A084-777F758C5A5C}" srcId="{F846C395-E301-4F18-BCE1-229CA8D7EE54}" destId="{1346EFC4-CC1F-427C-A524-354B4BEF2CE8}" srcOrd="1" destOrd="0" parTransId="{E9321E74-DC68-4327-961C-C156F867F2EC}" sibTransId="{E6179ECD-CF9A-430A-A248-32D59B742019}"/>
     <dgm:cxn modelId="{E50E22ED-4B7D-4533-BB62-9AB2C93EF609}" type="presOf" srcId="{4D30DD77-81D7-4E67-974B-0E08966348AA}" destId="{DBC03AB4-E21A-47D4-99DD-ACE0B3A3D1FB}" srcOrd="0" destOrd="0" presId="urn:microsoft.com/office/officeart/2005/8/layout/chevron1"/>
-    <dgm:cxn modelId="{1CB58B3F-9CBA-4CE2-A084-777F758C5A5C}" srcId="{F846C395-E301-4F18-BCE1-229CA8D7EE54}" destId="{1346EFC4-CC1F-427C-A524-354B4BEF2CE8}" srcOrd="1" destOrd="0" parTransId="{E9321E74-DC68-4327-961C-C156F867F2EC}" sibTransId="{E6179ECD-CF9A-430A-A248-32D59B742019}"/>
     <dgm:cxn modelId="{13F23CFD-8B42-4B46-9C1D-75E18BA7E3D7}" type="presOf" srcId="{27A6CE2F-826E-44AF-B8FB-39149E70C2A0}" destId="{6B847F7A-43D7-4D12-B68D-C4F949358D9C}" srcOrd="0" destOrd="2" presId="urn:microsoft.com/office/officeart/2005/8/layout/chevron1"/>
     <dgm:cxn modelId="{DACE4E2D-41DF-4A8D-AE74-AE5DD1FFE72B}" srcId="{2048D61B-9E1D-4EF9-8274-0AE3554F1FFE}" destId="{1922C221-EC52-446B-A288-D28C05E1AD6B}" srcOrd="2" destOrd="0" parTransId="{D5BCB31C-ECF2-432C-A294-F935D5C0AC2A}" sibTransId="{2258886C-9B53-484E-B852-0ED3C9E44A1C}"/>
     <dgm:cxn modelId="{E483112B-AF62-41D7-A6A1-50276A351D4E}" srcId="{98C1584F-F82E-4C7C-8C81-5CC970AF2400}" destId="{D5DDD7BD-B53A-42EA-89CC-FC6635F2861B}" srcOrd="0" destOrd="0" parTransId="{2A01F52E-3D75-4A0B-B4DB-9DCEEE31812C}" sibTransId="{87D6EBBF-3CE6-45F7-8B00-D33044BFB9B9}"/>
@@ -3137,8 +3137,8 @@
     <dgm:cxn modelId="{3566DF9B-C9AA-4F38-8965-944F6265AC20}" srcId="{4D30DD77-81D7-4E67-974B-0E08966348AA}" destId="{F846C395-E301-4F18-BCE1-229CA8D7EE54}" srcOrd="2" destOrd="0" parTransId="{DEF0765C-EF1B-4FA6-A47C-7B55F753A4C9}" sibTransId="{7F5C0F62-227A-47F6-9A9A-10300A76F3F0}"/>
     <dgm:cxn modelId="{EBD53AC3-3656-4D9F-ABCD-76EC4005867D}" type="presOf" srcId="{A96FDC53-DB34-4D6A-834A-3DF6FDD23237}" destId="{8A244A91-436A-40E9-A942-1B0E9E89208F}" srcOrd="0" destOrd="4" presId="urn:microsoft.com/office/officeart/2005/8/layout/chevron1"/>
     <dgm:cxn modelId="{99211D89-2112-42AC-B32E-22B869FA7BC1}" type="presOf" srcId="{09B54E2C-2A2F-40BF-BB8A-45E153ABBF82}" destId="{6B847F7A-43D7-4D12-B68D-C4F949358D9C}" srcOrd="0" destOrd="1" presId="urn:microsoft.com/office/officeart/2005/8/layout/chevron1"/>
+    <dgm:cxn modelId="{8F197F4D-18AD-4A5E-8E0E-4CE74FC1C834}" type="presOf" srcId="{F846C395-E301-4F18-BCE1-229CA8D7EE54}" destId="{0642C37F-FB30-4846-BE4B-D2F52B6BEEBA}" srcOrd="0" destOrd="6" presId="urn:microsoft.com/office/officeart/2005/8/layout/chevron1"/>
     <dgm:cxn modelId="{A94C0C18-1892-464D-915F-8DFA772049F1}" srcId="{5AA2EE81-2B46-4E7C-8151-C5ADBC1E9B06}" destId="{60F2ED96-A630-4061-8FAC-FBCC79570DA2}" srcOrd="0" destOrd="0" parTransId="{2D27466A-68B4-41EF-AF8D-820983E79127}" sibTransId="{5F6AAD43-ED43-4F02-9C15-B1C6EB80AFDB}"/>
-    <dgm:cxn modelId="{8F197F4D-18AD-4A5E-8E0E-4CE74FC1C834}" type="presOf" srcId="{F846C395-E301-4F18-BCE1-229CA8D7EE54}" destId="{0642C37F-FB30-4846-BE4B-D2F52B6BEEBA}" srcOrd="0" destOrd="6" presId="urn:microsoft.com/office/officeart/2005/8/layout/chevron1"/>
     <dgm:cxn modelId="{B3562E10-DDA6-4BCD-9B37-3417C8026321}" type="presOf" srcId="{EB34FB77-C8F3-42AA-94E5-2EB3D690701A}" destId="{0642C37F-FB30-4846-BE4B-D2F52B6BEEBA}" srcOrd="0" destOrd="4" presId="urn:microsoft.com/office/officeart/2005/8/layout/chevron1"/>
     <dgm:cxn modelId="{704903FE-3010-410B-B103-94F277CBB1E2}" srcId="{4D30DD77-81D7-4E67-974B-0E08966348AA}" destId="{2048D61B-9E1D-4EF9-8274-0AE3554F1FFE}" srcOrd="1" destOrd="0" parTransId="{1333E74D-0309-4E1E-9488-C1139153B6DB}" sibTransId="{BB91244B-9776-4462-A68D-C8A48FD877E3}"/>
     <dgm:cxn modelId="{B9C1FAD9-56FD-4FE6-A34D-2A4F339A7E0D}" type="presParOf" srcId="{83E3395D-F688-44F0-A3DC-DD441AD38D8F}" destId="{8215CFAC-EA9F-49D5-A686-71EC4973729C}" srcOrd="0" destOrd="0" presId="urn:microsoft.com/office/officeart/2005/8/layout/chevron1"/>
@@ -7996,7 +7996,7 @@
           <a:p>
             <a:fld id="{2E309023-AF2B-4043-B228-F191CADC9BB1}" type="datetimeFigureOut">
               <a:rPr lang="en-IN" smtClean="0"/>
-              <a:t>02-02-2019</a:t>
+              <a:t>03-02-2019</a:t>
             </a:fld>
             <a:endParaRPr lang="en-IN"/>
           </a:p>
@@ -8395,7 +8395,7 @@
           <a:p>
             <a:fld id="{70C018FE-C8D6-4A9C-A702-41F1E0C1C452}" type="datetimeFigureOut">
               <a:rPr lang="en-IN" smtClean="0"/>
-              <a:t>02-02-2019</a:t>
+              <a:t>03-02-2019</a:t>
             </a:fld>
             <a:endParaRPr lang="en-IN"/>
           </a:p>
@@ -8565,7 +8565,7 @@
           <a:p>
             <a:fld id="{70C018FE-C8D6-4A9C-A702-41F1E0C1C452}" type="datetimeFigureOut">
               <a:rPr lang="en-IN" smtClean="0"/>
-              <a:t>02-02-2019</a:t>
+              <a:t>03-02-2019</a:t>
             </a:fld>
             <a:endParaRPr lang="en-IN"/>
           </a:p>
@@ -8745,7 +8745,7 @@
           <a:p>
             <a:fld id="{70C018FE-C8D6-4A9C-A702-41F1E0C1C452}" type="datetimeFigureOut">
               <a:rPr lang="en-IN" smtClean="0"/>
-              <a:t>02-02-2019</a:t>
+              <a:t>03-02-2019</a:t>
             </a:fld>
             <a:endParaRPr lang="en-IN"/>
           </a:p>
@@ -9177,7 +9177,7 @@
           <a:p>
             <a:fld id="{70C018FE-C8D6-4A9C-A702-41F1E0C1C452}" type="datetimeFigureOut">
               <a:rPr lang="en-IN" smtClean="0"/>
-              <a:t>02-02-2019</a:t>
+              <a:t>03-02-2019</a:t>
             </a:fld>
             <a:endParaRPr lang="en-IN"/>
           </a:p>
@@ -9409,7 +9409,7 @@
           <a:p>
             <a:fld id="{70C018FE-C8D6-4A9C-A702-41F1E0C1C452}" type="datetimeFigureOut">
               <a:rPr lang="en-IN" smtClean="0"/>
-              <a:t>02-02-2019</a:t>
+              <a:t>03-02-2019</a:t>
             </a:fld>
             <a:endParaRPr lang="en-IN"/>
           </a:p>
@@ -9776,7 +9776,7 @@
           <a:p>
             <a:fld id="{70C018FE-C8D6-4A9C-A702-41F1E0C1C452}" type="datetimeFigureOut">
               <a:rPr lang="en-IN" smtClean="0"/>
-              <a:t>02-02-2019</a:t>
+              <a:t>03-02-2019</a:t>
             </a:fld>
             <a:endParaRPr lang="en-IN"/>
           </a:p>
@@ -9894,7 +9894,7 @@
           <a:p>
             <a:fld id="{70C018FE-C8D6-4A9C-A702-41F1E0C1C452}" type="datetimeFigureOut">
               <a:rPr lang="en-IN" smtClean="0"/>
-              <a:t>02-02-2019</a:t>
+              <a:t>03-02-2019</a:t>
             </a:fld>
             <a:endParaRPr lang="en-IN"/>
           </a:p>
@@ -9989,7 +9989,7 @@
           <a:p>
             <a:fld id="{70C018FE-C8D6-4A9C-A702-41F1E0C1C452}" type="datetimeFigureOut">
               <a:rPr lang="en-IN" smtClean="0"/>
-              <a:t>02-02-2019</a:t>
+              <a:t>03-02-2019</a:t>
             </a:fld>
             <a:endParaRPr lang="en-IN"/>
           </a:p>
@@ -10265,7 +10265,7 @@
           <a:p>
             <a:fld id="{70C018FE-C8D6-4A9C-A702-41F1E0C1C452}" type="datetimeFigureOut">
               <a:rPr lang="en-IN" smtClean="0"/>
-              <a:t>02-02-2019</a:t>
+              <a:t>03-02-2019</a:t>
             </a:fld>
             <a:endParaRPr lang="en-IN"/>
           </a:p>
@@ -10522,7 +10522,7 @@
           <a:p>
             <a:fld id="{70C018FE-C8D6-4A9C-A702-41F1E0C1C452}" type="datetimeFigureOut">
               <a:rPr lang="en-IN" smtClean="0"/>
-              <a:t>02-02-2019</a:t>
+              <a:t>03-02-2019</a:t>
             </a:fld>
             <a:endParaRPr lang="en-IN"/>
           </a:p>
@@ -10733,7 +10733,7 @@
           <a:p>
             <a:fld id="{70C018FE-C8D6-4A9C-A702-41F1E0C1C452}" type="datetimeFigureOut">
               <a:rPr lang="en-IN" smtClean="0"/>
-              <a:t>02-02-2019</a:t>
+              <a:t>03-02-2019</a:t>
             </a:fld>
             <a:endParaRPr lang="en-IN" dirty="0"/>
           </a:p>
@@ -13840,11 +13840,7 @@
           <a:p>
             <a:r>
               <a:rPr lang="en-US" sz="1600" dirty="0" smtClean="0"/>
-              <a:t>Box </a:t>
-            </a:r>
-            <a:r>
-              <a:rPr lang="en-US" sz="1600" dirty="0" smtClean="0"/>
-              <a:t>plot - Univariate</a:t>
+              <a:t>Box plot - Univariate</a:t>
             </a:r>
             <a:endParaRPr lang="en-US" sz="1600" dirty="0"/>
           </a:p>
@@ -14996,7 +14992,6 @@
                 <a:rPr lang="en-US" sz="1200" dirty="0"/>
                 <a:t>:Number of derogatory public records: we found that if there is a record of derogatory public records present for a loan applicant that substantially increases the tendency for default. </a:t>
               </a:r>
-              <a:endParaRPr lang="en-US" sz="1200" dirty="0"/>
             </a:p>
           </p:txBody>
         </p:sp>
@@ -15118,7 +15113,6 @@
                 <a:rPr lang="en-US" sz="1200" dirty="0"/>
                 <a:t>: The number of payments on the loan: higher terms lead to more defaults. </a:t>
               </a:r>
-              <a:endParaRPr lang="en-US" sz="1200" dirty="0"/>
             </a:p>
             <a:p>
               <a:pPr marL="171450" indent="-171450">
@@ -15156,7 +15150,6 @@
                 <a:rPr lang="en-US" sz="1200" dirty="0"/>
                 <a:t> : The number of inquiries in past 6 months (excluding auto and mortgage inquiries) : The number of inquiries in past 6 months: we found that tendency to default increases as number of inquiries in past 6 months increases beyond 2, this suggests an evidence of 'credit seeking behavior' on part of loan applicant. </a:t>
               </a:r>
-              <a:endParaRPr lang="en-US" sz="1200" dirty="0"/>
             </a:p>
           </p:txBody>
         </p:sp>
@@ -15401,19 +15394,7 @@
             </a:r>
             <a:r>
               <a:rPr lang="en-US" dirty="0" smtClean="0"/>
-              <a:t>amount </a:t>
-            </a:r>
-            <a:r>
-              <a:rPr lang="en-US" dirty="0" smtClean="0"/>
-              <a:t>/reduce </a:t>
-            </a:r>
-            <a:r>
-              <a:rPr lang="en-US" dirty="0" smtClean="0"/>
-              <a:t>loan </a:t>
-            </a:r>
-            <a:r>
-              <a:rPr lang="en-US" dirty="0" smtClean="0"/>
-              <a:t>term for above cases</a:t>
+              <a:t>amount /reduce loan term for above cases</a:t>
             </a:r>
             <a:endParaRPr lang="en-US" dirty="0"/>
           </a:p>
@@ -16303,10 +16284,17 @@
           <a:lstStyle/>
           <a:p>
             <a:r>
+              <a:rPr lang="en-US" dirty="0"/>
+              <a:t>Data Analysis: </a:t>
+            </a:r>
+            <a:r>
               <a:rPr lang="en-US" dirty="0" smtClean="0"/>
-              <a:t>Data Analysis : Most Impacting Variables</a:t>
-            </a:r>
-            <a:endParaRPr lang="en-US" dirty="0"/>
+              <a:t>Other Impacting </a:t>
+            </a:r>
+            <a:r>
+              <a:rPr lang="en-US" dirty="0"/>
+              <a:t>Variables</a:t>
+            </a:r>
           </a:p>
         </p:txBody>
       </p:sp>
@@ -16322,20 +16310,37 @@
         </p:nvSpPr>
         <p:spPr>
           <a:xfrm>
-            <a:off x="475288" y="1402788"/>
-            <a:ext cx="11168742" cy="369742"/>
+            <a:off x="1344386" y="1366898"/>
+            <a:ext cx="8636192" cy="585025"/>
           </a:xfrm>
         </p:spPr>
         <p:txBody>
           <a:bodyPr>
-            <a:normAutofit/>
+            <a:normAutofit fontScale="92500" lnSpcReduction="10000"/>
           </a:bodyPr>
           <a:lstStyle/>
           <a:p>
-            <a:r>
-              <a:rPr lang="en-US" sz="1600" dirty="0" smtClean="0"/>
-              <a:t>We believe the following variables impact the loan status (Charged off/Fully paid) the most</a:t>
-            </a:r>
+            <a:pPr marL="0" indent="0">
+              <a:buNone/>
+            </a:pPr>
+            <a:r>
+              <a:rPr lang="en-US" sz="1600" dirty="0"/>
+              <a:t>Below variables also impact the loan status (Charged off/Fully paid) the most. </a:t>
+            </a:r>
+          </a:p>
+          <a:p>
+            <a:pPr marL="0" indent="0">
+              <a:buNone/>
+            </a:pPr>
+            <a:r>
+              <a:rPr lang="en-US" sz="1600" dirty="0"/>
+              <a:t>These can be looked upon at lower priority but needs attention.</a:t>
+            </a:r>
+          </a:p>
+          <a:p>
+            <a:pPr marL="0" indent="0">
+              <a:buNone/>
+            </a:pPr>
             <a:endParaRPr lang="en-US" sz="1600" dirty="0"/>
           </a:p>
         </p:txBody>
@@ -16348,8 +16353,8 @@
         </p:nvSpPr>
         <p:spPr>
           <a:xfrm>
-            <a:off x="1344386" y="1728782"/>
-            <a:ext cx="2743200" cy="1058795"/>
+            <a:off x="1344386" y="2024647"/>
+            <a:ext cx="8636193" cy="1058795"/>
           </a:xfrm>
           <a:prstGeom prst="rect">
             <a:avLst/>
@@ -16380,10 +16385,25 @@
               <a:buChar char="•"/>
             </a:pPr>
             <a:r>
-              <a:rPr lang="en-US" sz="1400" dirty="0" err="1" smtClean="0"/>
+              <a:rPr lang="en-US" sz="1400" b="1" dirty="0"/>
+              <a:t>Employee Length [</a:t>
+            </a:r>
+            <a:r>
+              <a:rPr lang="en-US" sz="1400" b="1" dirty="0" err="1"/>
               <a:t>emp_length</a:t>
             </a:r>
-            <a:endParaRPr lang="en-US" sz="1400" dirty="0"/>
+            <a:r>
+              <a:rPr lang="en-US" sz="1400" b="1" dirty="0"/>
+              <a:t>]: </a:t>
+            </a:r>
+            <a:r>
+              <a:rPr lang="en-US" sz="1400" dirty="0">
+                <a:solidFill>
+                  <a:schemeClr val="bg1"/>
+                </a:solidFill>
+              </a:rPr>
+              <a:t>There is a possibility of default where the customer is not employed (‘NA’) or have experience &gt;10 years</a:t>
+            </a:r>
           </a:p>
           <a:p>
             <a:pPr marL="171450" indent="-171450">
@@ -16391,32 +16411,29 @@
               <a:buChar char="•"/>
             </a:pPr>
             <a:r>
-              <a:rPr lang="en-US" sz="1400" dirty="0" err="1" smtClean="0"/>
+              <a:rPr lang="en-US" sz="1400" b="1" dirty="0" err="1"/>
+              <a:t>Earlist</a:t>
+            </a:r>
+            <a:r>
+              <a:rPr lang="en-US" sz="1400" b="1" dirty="0"/>
+              <a:t> credit line [</a:t>
+            </a:r>
+            <a:r>
+              <a:rPr lang="en-US" sz="1400" b="1" dirty="0" err="1"/>
               <a:t>earliest_cr_line</a:t>
             </a:r>
             <a:r>
-              <a:rPr lang="en-US" sz="1400" dirty="0" smtClean="0"/>
-              <a:t> </a:t>
-            </a:r>
-            <a:r>
-              <a:rPr lang="en-US" sz="1400" dirty="0"/>
-              <a:t>- charged off proportion increasing from </a:t>
-            </a:r>
-            <a:r>
-              <a:rPr lang="en-US" sz="1400" dirty="0" smtClean="0"/>
-              <a:t>2004</a:t>
-            </a:r>
-          </a:p>
-          <a:p>
-            <a:pPr marL="171450" indent="-171450">
-              <a:buFont typeface="Arial" panose="020B0604020202020204" pitchFamily="34" charset="0"/>
-              <a:buChar char="•"/>
-            </a:pPr>
-            <a:r>
-              <a:rPr lang="en-US" sz="1400" dirty="0" err="1" smtClean="0"/>
-              <a:t>dti</a:t>
-            </a:r>
-            <a:endParaRPr lang="en-US" sz="1400" dirty="0"/>
+              <a:rPr lang="en-US" sz="1400" b="1" dirty="0"/>
+              <a:t>]: </a:t>
+            </a:r>
+            <a:r>
+              <a:rPr lang="en-US" sz="1400" dirty="0">
+                <a:solidFill>
+                  <a:schemeClr val="bg2"/>
+                </a:solidFill>
+              </a:rPr>
+              <a:t>The month the borrower's earliest reported credit line was opened : charged off proportion increasing from 2004</a:t>
+            </a:r>
           </a:p>
         </p:txBody>
       </p:sp>
@@ -16427,9 +16444,9 @@
           <p:nvPr/>
         </p:nvSpPr>
         <p:spPr>
-          <a:xfrm>
-            <a:off x="1344386" y="2816151"/>
-            <a:ext cx="2743200" cy="274320"/>
+          <a:xfrm rot="16200000">
+            <a:off x="674089" y="2414463"/>
+            <a:ext cx="1060704" cy="274320"/>
           </a:xfrm>
           <a:prstGeom prst="rect">
             <a:avLst/>
@@ -16462,10 +16479,9 @@
           <a:p>
             <a:pPr algn="ctr"/>
             <a:r>
-              <a:rPr lang="en-US" dirty="0" smtClean="0"/>
+              <a:rPr lang="en-US" sz="1600" dirty="0"/>
               <a:t>Customer</a:t>
             </a:r>
-            <a:endParaRPr lang="en-US" dirty="0"/>
           </a:p>
         </p:txBody>
       </p:sp>
@@ -16477,8 +16493,8 @@
         </p:nvSpPr>
         <p:spPr>
           <a:xfrm>
-            <a:off x="4525736" y="1728782"/>
-            <a:ext cx="2743200" cy="1058795"/>
+            <a:off x="1354114" y="3541123"/>
+            <a:ext cx="8636192" cy="1058795"/>
           </a:xfrm>
           <a:prstGeom prst="rect">
             <a:avLst/>
@@ -16512,10 +16528,17 @@
               <a:buChar char="•"/>
             </a:pPr>
             <a:r>
-              <a:rPr lang="en-US" sz="1400" dirty="0" smtClean="0"/>
-              <a:t>purpose</a:t>
-            </a:r>
-            <a:endParaRPr lang="en-US" sz="1400" dirty="0"/>
+              <a:rPr lang="en-US" sz="1400" b="1" dirty="0"/>
+              <a:t>Purpose [purpose]: </a:t>
+            </a:r>
+            <a:r>
+              <a:rPr lang="en-US" sz="1400" dirty="0">
+                <a:solidFill>
+                  <a:schemeClr val="bg2"/>
+                </a:solidFill>
+              </a:rPr>
+              <a:t>Few purposes for loan have a higher tendency for default like small business, renewable energy, education and others. This might be due to risk associated with these ventures.</a:t>
+            </a:r>
           </a:p>
         </p:txBody>
       </p:sp>
@@ -16526,9 +16549,9 @@
           <p:nvPr/>
         </p:nvSpPr>
         <p:spPr>
-          <a:xfrm>
-            <a:off x="4525736" y="2816151"/>
-            <a:ext cx="2743200" cy="274320"/>
+          <a:xfrm rot="16200000">
+            <a:off x="676873" y="3934315"/>
+            <a:ext cx="1060704" cy="274320"/>
           </a:xfrm>
           <a:prstGeom prst="rect">
             <a:avLst/>
@@ -16561,10 +16584,9 @@
           <a:p>
             <a:pPr algn="ctr"/>
             <a:r>
-              <a:rPr lang="en-US" dirty="0" smtClean="0"/>
+              <a:rPr lang="en-US" dirty="0"/>
               <a:t>Loan </a:t>
             </a:r>
-            <a:endParaRPr lang="en-US" dirty="0"/>
           </a:p>
         </p:txBody>
       </p:sp>
@@ -16576,8 +16598,8 @@
         </p:nvSpPr>
         <p:spPr>
           <a:xfrm>
-            <a:off x="7707086" y="1728782"/>
-            <a:ext cx="2743200" cy="1058795"/>
+            <a:off x="1344386" y="5065859"/>
+            <a:ext cx="8636192" cy="1058795"/>
           </a:xfrm>
           <a:prstGeom prst="rect">
             <a:avLst/>
@@ -16611,16 +16633,32 @@
               <a:buChar char="•"/>
             </a:pPr>
             <a:r>
-              <a:rPr lang="en-US" sz="1400" dirty="0" err="1"/>
-              <a:t>annual_installment</a:t>
-            </a:r>
-            <a:r>
-              <a:rPr lang="en-US" sz="1400" dirty="0"/>
-              <a:t> over </a:t>
-            </a:r>
-            <a:r>
-              <a:rPr lang="en-US" sz="1400" dirty="0" err="1"/>
-              <a:t>annual_income</a:t>
+              <a:rPr lang="en-US" sz="1400" b="1" dirty="0"/>
+              <a:t>Annual Installment over annual income [installment over </a:t>
+            </a:r>
+            <a:r>
+              <a:rPr lang="en-US" sz="1400" b="1" dirty="0" err="1"/>
+              <a:t>annual_inc</a:t>
+            </a:r>
+            <a:r>
+              <a:rPr lang="en-US" sz="1400" b="1" dirty="0"/>
+              <a:t>]: </a:t>
+            </a:r>
+            <a:r>
+              <a:rPr lang="en-US" sz="1400" b="1" dirty="0">
+                <a:solidFill>
+                  <a:schemeClr val="bg2"/>
+                </a:solidFill>
+              </a:rPr>
+              <a:t>It</a:t>
+            </a:r>
+            <a:r>
+              <a:rPr lang="en-US" sz="1400" dirty="0">
+                <a:solidFill>
+                  <a:schemeClr val="bg2"/>
+                </a:solidFill>
+              </a:rPr>
+              <a:t> refers to the capacity of an individual to pay for the loan. It appears that if the value is less it rises the chances of the borrower to default.</a:t>
             </a:r>
             <a:endParaRPr lang="en-US" sz="1400" dirty="0"/>
           </a:p>
@@ -16636,9 +16674,9 @@
           <p:nvPr/>
         </p:nvSpPr>
         <p:spPr>
-          <a:xfrm>
-            <a:off x="7707085" y="2816151"/>
-            <a:ext cx="2743200" cy="274320"/>
+          <a:xfrm rot="16200000">
+            <a:off x="676873" y="5457142"/>
+            <a:ext cx="1060704" cy="274320"/>
           </a:xfrm>
           <a:prstGeom prst="rect">
             <a:avLst/>
@@ -16678,1051 +16716,16 @@
           <a:p>
             <a:pPr algn="ctr"/>
             <a:r>
-              <a:rPr lang="en-US" dirty="0" smtClean="0"/>
+              <a:rPr lang="en-US" dirty="0"/>
               <a:t>Derived</a:t>
             </a:r>
-            <a:endParaRPr lang="en-US" dirty="0"/>
-          </a:p>
-        </p:txBody>
-      </p:sp>
-      <p:sp>
-        <p:nvSpPr>
-          <p:cNvPr id="10" name="Content Placeholder 2"/>
-          <p:cNvSpPr txBox="1">
-            <a:spLocks/>
-          </p:cNvSpPr>
-          <p:nvPr/>
-        </p:nvSpPr>
-        <p:spPr>
-          <a:xfrm>
-            <a:off x="670551" y="3072669"/>
-            <a:ext cx="11168742" cy="369742"/>
-          </a:xfrm>
-          <a:prstGeom prst="rect">
-            <a:avLst/>
-          </a:prstGeom>
-        </p:spPr>
-        <p:txBody>
-          <a:bodyPr vert="horz" lIns="91440" tIns="45720" rIns="91440" bIns="45720" rtlCol="0">
-            <a:normAutofit/>
-          </a:bodyPr>
-          <a:lstStyle>
-            <a:lvl1pPr marL="228600" indent="-228600" algn="l" defTabSz="914400" rtl="0" eaLnBrk="1" latinLnBrk="0" hangingPunct="1">
-              <a:lnSpc>
-                <a:spcPct val="90000"/>
-              </a:lnSpc>
-              <a:spcBef>
-                <a:spcPts val="1000"/>
-              </a:spcBef>
-              <a:buFont typeface="Arial" panose="020B0604020202020204" pitchFamily="34" charset="0"/>
-              <a:buChar char="•"/>
-              <a:defRPr sz="2800" kern="1200">
-                <a:solidFill>
-                  <a:schemeClr val="tx1"/>
-                </a:solidFill>
-                <a:latin typeface="Times New Roman" panose="02020603050405020304" pitchFamily="18" charset="0"/>
-                <a:ea typeface="+mn-ea"/>
-                <a:cs typeface="Times New Roman" panose="02020603050405020304" pitchFamily="18" charset="0"/>
-              </a:defRPr>
-            </a:lvl1pPr>
-            <a:lvl2pPr marL="685800" indent="-228600" algn="l" defTabSz="914400" rtl="0" eaLnBrk="1" latinLnBrk="0" hangingPunct="1">
-              <a:lnSpc>
-                <a:spcPct val="90000"/>
-              </a:lnSpc>
-              <a:spcBef>
-                <a:spcPts val="500"/>
-              </a:spcBef>
-              <a:buFont typeface="Arial" panose="020B0604020202020204" pitchFamily="34" charset="0"/>
-              <a:buChar char="•"/>
-              <a:defRPr sz="2400" kern="1200">
-                <a:solidFill>
-                  <a:schemeClr val="tx1"/>
-                </a:solidFill>
-                <a:latin typeface="Times New Roman" panose="02020603050405020304" pitchFamily="18" charset="0"/>
-                <a:ea typeface="+mn-ea"/>
-                <a:cs typeface="Times New Roman" panose="02020603050405020304" pitchFamily="18" charset="0"/>
-              </a:defRPr>
-            </a:lvl2pPr>
-            <a:lvl3pPr marL="1143000" indent="-228600" algn="l" defTabSz="914400" rtl="0" eaLnBrk="1" latinLnBrk="0" hangingPunct="1">
-              <a:lnSpc>
-                <a:spcPct val="90000"/>
-              </a:lnSpc>
-              <a:spcBef>
-                <a:spcPts val="500"/>
-              </a:spcBef>
-              <a:buFont typeface="Arial" panose="020B0604020202020204" pitchFamily="34" charset="0"/>
-              <a:buChar char="•"/>
-              <a:defRPr sz="2000" kern="1200">
-                <a:solidFill>
-                  <a:schemeClr val="tx1"/>
-                </a:solidFill>
-                <a:latin typeface="Times New Roman" panose="02020603050405020304" pitchFamily="18" charset="0"/>
-                <a:ea typeface="+mn-ea"/>
-                <a:cs typeface="Times New Roman" panose="02020603050405020304" pitchFamily="18" charset="0"/>
-              </a:defRPr>
-            </a:lvl3pPr>
-            <a:lvl4pPr marL="1600200" indent="-228600" algn="l" defTabSz="914400" rtl="0" eaLnBrk="1" latinLnBrk="0" hangingPunct="1">
-              <a:lnSpc>
-                <a:spcPct val="90000"/>
-              </a:lnSpc>
-              <a:spcBef>
-                <a:spcPts val="500"/>
-              </a:spcBef>
-              <a:buFont typeface="Arial" panose="020B0604020202020204" pitchFamily="34" charset="0"/>
-              <a:buChar char="•"/>
-              <a:defRPr sz="1800" kern="1200">
-                <a:solidFill>
-                  <a:schemeClr val="tx1"/>
-                </a:solidFill>
-                <a:latin typeface="Times New Roman" panose="02020603050405020304" pitchFamily="18" charset="0"/>
-                <a:ea typeface="+mn-ea"/>
-                <a:cs typeface="Times New Roman" panose="02020603050405020304" pitchFamily="18" charset="0"/>
-              </a:defRPr>
-            </a:lvl4pPr>
-            <a:lvl5pPr marL="2057400" indent="-228600" algn="l" defTabSz="914400" rtl="0" eaLnBrk="1" latinLnBrk="0" hangingPunct="1">
-              <a:lnSpc>
-                <a:spcPct val="90000"/>
-              </a:lnSpc>
-              <a:spcBef>
-                <a:spcPts val="500"/>
-              </a:spcBef>
-              <a:buFont typeface="Arial" panose="020B0604020202020204" pitchFamily="34" charset="0"/>
-              <a:buChar char="•"/>
-              <a:defRPr sz="1800" kern="1200">
-                <a:solidFill>
-                  <a:schemeClr val="tx1"/>
-                </a:solidFill>
-                <a:latin typeface="Times New Roman" panose="02020603050405020304" pitchFamily="18" charset="0"/>
-                <a:ea typeface="+mn-ea"/>
-                <a:cs typeface="Times New Roman" panose="02020603050405020304" pitchFamily="18" charset="0"/>
-              </a:defRPr>
-            </a:lvl5pPr>
-            <a:lvl6pPr marL="2514600" indent="-228600" algn="l" defTabSz="914400" rtl="0" eaLnBrk="1" latinLnBrk="0" hangingPunct="1">
-              <a:lnSpc>
-                <a:spcPct val="90000"/>
-              </a:lnSpc>
-              <a:spcBef>
-                <a:spcPts val="500"/>
-              </a:spcBef>
-              <a:buFont typeface="Arial" panose="020B0604020202020204" pitchFamily="34" charset="0"/>
-              <a:buChar char="•"/>
-              <a:defRPr sz="1800" kern="1200">
-                <a:solidFill>
-                  <a:schemeClr val="tx1"/>
-                </a:solidFill>
-                <a:latin typeface="+mn-lt"/>
-                <a:ea typeface="+mn-ea"/>
-                <a:cs typeface="+mn-cs"/>
-              </a:defRPr>
-            </a:lvl6pPr>
-            <a:lvl7pPr marL="2971800" indent="-228600" algn="l" defTabSz="914400" rtl="0" eaLnBrk="1" latinLnBrk="0" hangingPunct="1">
-              <a:lnSpc>
-                <a:spcPct val="90000"/>
-              </a:lnSpc>
-              <a:spcBef>
-                <a:spcPts val="500"/>
-              </a:spcBef>
-              <a:buFont typeface="Arial" panose="020B0604020202020204" pitchFamily="34" charset="0"/>
-              <a:buChar char="•"/>
-              <a:defRPr sz="1800" kern="1200">
-                <a:solidFill>
-                  <a:schemeClr val="tx1"/>
-                </a:solidFill>
-                <a:latin typeface="+mn-lt"/>
-                <a:ea typeface="+mn-ea"/>
-                <a:cs typeface="+mn-cs"/>
-              </a:defRPr>
-            </a:lvl7pPr>
-            <a:lvl8pPr marL="3429000" indent="-228600" algn="l" defTabSz="914400" rtl="0" eaLnBrk="1" latinLnBrk="0" hangingPunct="1">
-              <a:lnSpc>
-                <a:spcPct val="90000"/>
-              </a:lnSpc>
-              <a:spcBef>
-                <a:spcPts val="500"/>
-              </a:spcBef>
-              <a:buFont typeface="Arial" panose="020B0604020202020204" pitchFamily="34" charset="0"/>
-              <a:buChar char="•"/>
-              <a:defRPr sz="1800" kern="1200">
-                <a:solidFill>
-                  <a:schemeClr val="tx1"/>
-                </a:solidFill>
-                <a:latin typeface="+mn-lt"/>
-                <a:ea typeface="+mn-ea"/>
-                <a:cs typeface="+mn-cs"/>
-              </a:defRPr>
-            </a:lvl8pPr>
-            <a:lvl9pPr marL="3886200" indent="-228600" algn="l" defTabSz="914400" rtl="0" eaLnBrk="1" latinLnBrk="0" hangingPunct="1">
-              <a:lnSpc>
-                <a:spcPct val="90000"/>
-              </a:lnSpc>
-              <a:spcBef>
-                <a:spcPts val="500"/>
-              </a:spcBef>
-              <a:buFont typeface="Arial" panose="020B0604020202020204" pitchFamily="34" charset="0"/>
-              <a:buChar char="•"/>
-              <a:defRPr sz="1800" kern="1200">
-                <a:solidFill>
-                  <a:schemeClr val="tx1"/>
-                </a:solidFill>
-                <a:latin typeface="+mn-lt"/>
-                <a:ea typeface="+mn-ea"/>
-                <a:cs typeface="+mn-cs"/>
-              </a:defRPr>
-            </a:lvl9pPr>
-          </a:lstStyle>
-          <a:p>
-            <a:r>
-              <a:rPr lang="en-US" sz="1600" dirty="0" smtClean="0"/>
-              <a:t>Additional Information: </a:t>
-            </a:r>
-            <a:endParaRPr lang="en-US" sz="1600" dirty="0"/>
-          </a:p>
-        </p:txBody>
-      </p:sp>
-      <p:sp>
-        <p:nvSpPr>
-          <p:cNvPr id="11" name="Rectangle 10"/>
-          <p:cNvSpPr/>
-          <p:nvPr/>
-        </p:nvSpPr>
-        <p:spPr>
-          <a:xfrm>
-            <a:off x="1344386" y="3367954"/>
-            <a:ext cx="2743200" cy="523236"/>
-          </a:xfrm>
-          <a:prstGeom prst="rect">
-            <a:avLst/>
-          </a:prstGeom>
-        </p:spPr>
-        <p:style>
-          <a:lnRef idx="2">
-            <a:schemeClr val="accent1">
-              <a:shade val="50000"/>
-            </a:schemeClr>
-          </a:lnRef>
-          <a:fillRef idx="1">
-            <a:schemeClr val="accent1"/>
-          </a:fillRef>
-          <a:effectRef idx="0">
-            <a:schemeClr val="accent1"/>
-          </a:effectRef>
-          <a:fontRef idx="minor">
-            <a:schemeClr val="lt1"/>
-          </a:fontRef>
-        </p:style>
-        <p:txBody>
-          <a:bodyPr rtlCol="0" anchor="ctr"/>
-          <a:lstStyle/>
-          <a:p>
-            <a:pPr marL="171450" indent="-171450">
-              <a:buFont typeface="Arial" panose="020B0604020202020204" pitchFamily="34" charset="0"/>
-              <a:buChar char="•"/>
-            </a:pPr>
-            <a:r>
-              <a:rPr lang="en-US" sz="1400" dirty="0" err="1"/>
-              <a:t>verification_status</a:t>
-            </a:r>
-            <a:r>
-              <a:rPr lang="en-US" sz="1400" dirty="0"/>
-              <a:t> - process </a:t>
-            </a:r>
-            <a:r>
-              <a:rPr lang="en-US" sz="1400" dirty="0" smtClean="0"/>
-              <a:t>related</a:t>
-            </a:r>
-            <a:endParaRPr lang="en-US" sz="1400" dirty="0"/>
-          </a:p>
-        </p:txBody>
-      </p:sp>
-      <p:sp>
-        <p:nvSpPr>
-          <p:cNvPr id="12" name="Rectangle 11"/>
-          <p:cNvSpPr/>
-          <p:nvPr/>
-        </p:nvSpPr>
-        <p:spPr>
-          <a:xfrm>
-            <a:off x="1344386" y="3919764"/>
-            <a:ext cx="2743200" cy="274320"/>
-          </a:xfrm>
-          <a:prstGeom prst="rect">
-            <a:avLst/>
-          </a:prstGeom>
-          <a:solidFill>
-            <a:schemeClr val="accent1">
-              <a:lumMod val="50000"/>
-            </a:schemeClr>
-          </a:solidFill>
-        </p:spPr>
-        <p:style>
-          <a:lnRef idx="2">
-            <a:schemeClr val="accent1">
-              <a:shade val="50000"/>
-            </a:schemeClr>
-          </a:lnRef>
-          <a:fillRef idx="1">
-            <a:schemeClr val="accent1"/>
-          </a:fillRef>
-          <a:effectRef idx="0">
-            <a:schemeClr val="accent1"/>
-          </a:effectRef>
-          <a:fontRef idx="minor">
-            <a:schemeClr val="lt1"/>
-          </a:fontRef>
-        </p:style>
-        <p:txBody>
-          <a:bodyPr rtlCol="0" anchor="ctr"/>
-          <a:lstStyle/>
-          <a:p>
-            <a:pPr algn="ctr"/>
-            <a:r>
-              <a:rPr lang="en-US" dirty="0" smtClean="0"/>
-              <a:t>Customer</a:t>
-            </a:r>
-            <a:endParaRPr lang="en-US" dirty="0"/>
-          </a:p>
-        </p:txBody>
-      </p:sp>
-      <p:sp>
-        <p:nvSpPr>
-          <p:cNvPr id="13" name="Rectangle 12"/>
-          <p:cNvSpPr/>
-          <p:nvPr/>
-        </p:nvSpPr>
-        <p:spPr>
-          <a:xfrm>
-            <a:off x="4525736" y="3367954"/>
-            <a:ext cx="2743200" cy="523236"/>
-          </a:xfrm>
-          <a:prstGeom prst="rect">
-            <a:avLst/>
-          </a:prstGeom>
-          <a:solidFill>
-            <a:schemeClr val="accent2"/>
-          </a:solidFill>
-        </p:spPr>
-        <p:style>
-          <a:lnRef idx="2">
-            <a:schemeClr val="accent1">
-              <a:shade val="50000"/>
-            </a:schemeClr>
-          </a:lnRef>
-          <a:fillRef idx="1">
-            <a:schemeClr val="accent1"/>
-          </a:fillRef>
-          <a:effectRef idx="0">
-            <a:schemeClr val="accent1"/>
-          </a:effectRef>
-          <a:fontRef idx="minor">
-            <a:schemeClr val="lt1"/>
-          </a:fontRef>
-        </p:style>
-        <p:txBody>
-          <a:bodyPr rtlCol="0" anchor="ctr"/>
-          <a:lstStyle/>
-          <a:p>
-            <a:pPr marL="171450" indent="-171450">
-              <a:buFont typeface="Arial" panose="020B0604020202020204" pitchFamily="34" charset="0"/>
-              <a:buChar char="•"/>
-            </a:pPr>
-            <a:r>
-              <a:rPr lang="en-US" sz="1400" dirty="0" err="1"/>
-              <a:t>issue_d</a:t>
-            </a:r>
-            <a:r>
-              <a:rPr lang="en-US" sz="1400" dirty="0" smtClean="0"/>
-              <a:t> </a:t>
-            </a:r>
-            <a:r>
-              <a:rPr lang="en-US" sz="1400" dirty="0"/>
-              <a:t>- process </a:t>
-            </a:r>
-            <a:r>
-              <a:rPr lang="en-US" sz="1400" dirty="0" smtClean="0"/>
-              <a:t>related</a:t>
-            </a:r>
-            <a:endParaRPr lang="en-US" sz="1400" dirty="0"/>
-          </a:p>
-        </p:txBody>
-      </p:sp>
-      <p:sp>
-        <p:nvSpPr>
-          <p:cNvPr id="14" name="Rectangle 13"/>
-          <p:cNvSpPr/>
-          <p:nvPr/>
-        </p:nvSpPr>
-        <p:spPr>
-          <a:xfrm>
-            <a:off x="4525736" y="3919764"/>
-            <a:ext cx="2743200" cy="274320"/>
-          </a:xfrm>
-          <a:prstGeom prst="rect">
-            <a:avLst/>
-          </a:prstGeom>
-          <a:solidFill>
-            <a:schemeClr val="accent2">
-              <a:lumMod val="50000"/>
-            </a:schemeClr>
-          </a:solidFill>
-        </p:spPr>
-        <p:style>
-          <a:lnRef idx="2">
-            <a:schemeClr val="accent1">
-              <a:shade val="50000"/>
-            </a:schemeClr>
-          </a:lnRef>
-          <a:fillRef idx="1">
-            <a:schemeClr val="accent1"/>
-          </a:fillRef>
-          <a:effectRef idx="0">
-            <a:schemeClr val="accent1"/>
-          </a:effectRef>
-          <a:fontRef idx="minor">
-            <a:schemeClr val="lt1"/>
-          </a:fontRef>
-        </p:style>
-        <p:txBody>
-          <a:bodyPr rtlCol="0" anchor="ctr"/>
-          <a:lstStyle/>
-          <a:p>
-            <a:pPr algn="ctr"/>
-            <a:r>
-              <a:rPr lang="en-US" dirty="0" smtClean="0"/>
-              <a:t>Loan </a:t>
-            </a:r>
-            <a:endParaRPr lang="en-US" dirty="0"/>
-          </a:p>
-        </p:txBody>
-      </p:sp>
-      <p:sp>
-        <p:nvSpPr>
-          <p:cNvPr id="15" name="Content Placeholder 2"/>
-          <p:cNvSpPr txBox="1">
-            <a:spLocks/>
-          </p:cNvSpPr>
-          <p:nvPr/>
-        </p:nvSpPr>
-        <p:spPr>
-          <a:xfrm>
-            <a:off x="670551" y="4222658"/>
-            <a:ext cx="11168742" cy="369742"/>
-          </a:xfrm>
-          <a:prstGeom prst="rect">
-            <a:avLst/>
-          </a:prstGeom>
-        </p:spPr>
-        <p:txBody>
-          <a:bodyPr vert="horz" lIns="91440" tIns="45720" rIns="91440" bIns="45720" rtlCol="0">
-            <a:normAutofit/>
-          </a:bodyPr>
-          <a:lstStyle>
-            <a:lvl1pPr marL="228600" indent="-228600" algn="l" defTabSz="914400" rtl="0" eaLnBrk="1" latinLnBrk="0" hangingPunct="1">
-              <a:lnSpc>
-                <a:spcPct val="90000"/>
-              </a:lnSpc>
-              <a:spcBef>
-                <a:spcPts val="1000"/>
-              </a:spcBef>
-              <a:buFont typeface="Arial" panose="020B0604020202020204" pitchFamily="34" charset="0"/>
-              <a:buChar char="•"/>
-              <a:defRPr sz="2800" kern="1200">
-                <a:solidFill>
-                  <a:schemeClr val="tx1"/>
-                </a:solidFill>
-                <a:latin typeface="Times New Roman" panose="02020603050405020304" pitchFamily="18" charset="0"/>
-                <a:ea typeface="+mn-ea"/>
-                <a:cs typeface="Times New Roman" panose="02020603050405020304" pitchFamily="18" charset="0"/>
-              </a:defRPr>
-            </a:lvl1pPr>
-            <a:lvl2pPr marL="685800" indent="-228600" algn="l" defTabSz="914400" rtl="0" eaLnBrk="1" latinLnBrk="0" hangingPunct="1">
-              <a:lnSpc>
-                <a:spcPct val="90000"/>
-              </a:lnSpc>
-              <a:spcBef>
-                <a:spcPts val="500"/>
-              </a:spcBef>
-              <a:buFont typeface="Arial" panose="020B0604020202020204" pitchFamily="34" charset="0"/>
-              <a:buChar char="•"/>
-              <a:defRPr sz="2400" kern="1200">
-                <a:solidFill>
-                  <a:schemeClr val="tx1"/>
-                </a:solidFill>
-                <a:latin typeface="Times New Roman" panose="02020603050405020304" pitchFamily="18" charset="0"/>
-                <a:ea typeface="+mn-ea"/>
-                <a:cs typeface="Times New Roman" panose="02020603050405020304" pitchFamily="18" charset="0"/>
-              </a:defRPr>
-            </a:lvl2pPr>
-            <a:lvl3pPr marL="1143000" indent="-228600" algn="l" defTabSz="914400" rtl="0" eaLnBrk="1" latinLnBrk="0" hangingPunct="1">
-              <a:lnSpc>
-                <a:spcPct val="90000"/>
-              </a:lnSpc>
-              <a:spcBef>
-                <a:spcPts val="500"/>
-              </a:spcBef>
-              <a:buFont typeface="Arial" panose="020B0604020202020204" pitchFamily="34" charset="0"/>
-              <a:buChar char="•"/>
-              <a:defRPr sz="2000" kern="1200">
-                <a:solidFill>
-                  <a:schemeClr val="tx1"/>
-                </a:solidFill>
-                <a:latin typeface="Times New Roman" panose="02020603050405020304" pitchFamily="18" charset="0"/>
-                <a:ea typeface="+mn-ea"/>
-                <a:cs typeface="Times New Roman" panose="02020603050405020304" pitchFamily="18" charset="0"/>
-              </a:defRPr>
-            </a:lvl3pPr>
-            <a:lvl4pPr marL="1600200" indent="-228600" algn="l" defTabSz="914400" rtl="0" eaLnBrk="1" latinLnBrk="0" hangingPunct="1">
-              <a:lnSpc>
-                <a:spcPct val="90000"/>
-              </a:lnSpc>
-              <a:spcBef>
-                <a:spcPts val="500"/>
-              </a:spcBef>
-              <a:buFont typeface="Arial" panose="020B0604020202020204" pitchFamily="34" charset="0"/>
-              <a:buChar char="•"/>
-              <a:defRPr sz="1800" kern="1200">
-                <a:solidFill>
-                  <a:schemeClr val="tx1"/>
-                </a:solidFill>
-                <a:latin typeface="Times New Roman" panose="02020603050405020304" pitchFamily="18" charset="0"/>
-                <a:ea typeface="+mn-ea"/>
-                <a:cs typeface="Times New Roman" panose="02020603050405020304" pitchFamily="18" charset="0"/>
-              </a:defRPr>
-            </a:lvl4pPr>
-            <a:lvl5pPr marL="2057400" indent="-228600" algn="l" defTabSz="914400" rtl="0" eaLnBrk="1" latinLnBrk="0" hangingPunct="1">
-              <a:lnSpc>
-                <a:spcPct val="90000"/>
-              </a:lnSpc>
-              <a:spcBef>
-                <a:spcPts val="500"/>
-              </a:spcBef>
-              <a:buFont typeface="Arial" panose="020B0604020202020204" pitchFamily="34" charset="0"/>
-              <a:buChar char="•"/>
-              <a:defRPr sz="1800" kern="1200">
-                <a:solidFill>
-                  <a:schemeClr val="tx1"/>
-                </a:solidFill>
-                <a:latin typeface="Times New Roman" panose="02020603050405020304" pitchFamily="18" charset="0"/>
-                <a:ea typeface="+mn-ea"/>
-                <a:cs typeface="Times New Roman" panose="02020603050405020304" pitchFamily="18" charset="0"/>
-              </a:defRPr>
-            </a:lvl5pPr>
-            <a:lvl6pPr marL="2514600" indent="-228600" algn="l" defTabSz="914400" rtl="0" eaLnBrk="1" latinLnBrk="0" hangingPunct="1">
-              <a:lnSpc>
-                <a:spcPct val="90000"/>
-              </a:lnSpc>
-              <a:spcBef>
-                <a:spcPts val="500"/>
-              </a:spcBef>
-              <a:buFont typeface="Arial" panose="020B0604020202020204" pitchFamily="34" charset="0"/>
-              <a:buChar char="•"/>
-              <a:defRPr sz="1800" kern="1200">
-                <a:solidFill>
-                  <a:schemeClr val="tx1"/>
-                </a:solidFill>
-                <a:latin typeface="+mn-lt"/>
-                <a:ea typeface="+mn-ea"/>
-                <a:cs typeface="+mn-cs"/>
-              </a:defRPr>
-            </a:lvl6pPr>
-            <a:lvl7pPr marL="2971800" indent="-228600" algn="l" defTabSz="914400" rtl="0" eaLnBrk="1" latinLnBrk="0" hangingPunct="1">
-              <a:lnSpc>
-                <a:spcPct val="90000"/>
-              </a:lnSpc>
-              <a:spcBef>
-                <a:spcPts val="500"/>
-              </a:spcBef>
-              <a:buFont typeface="Arial" panose="020B0604020202020204" pitchFamily="34" charset="0"/>
-              <a:buChar char="•"/>
-              <a:defRPr sz="1800" kern="1200">
-                <a:solidFill>
-                  <a:schemeClr val="tx1"/>
-                </a:solidFill>
-                <a:latin typeface="+mn-lt"/>
-                <a:ea typeface="+mn-ea"/>
-                <a:cs typeface="+mn-cs"/>
-              </a:defRPr>
-            </a:lvl7pPr>
-            <a:lvl8pPr marL="3429000" indent="-228600" algn="l" defTabSz="914400" rtl="0" eaLnBrk="1" latinLnBrk="0" hangingPunct="1">
-              <a:lnSpc>
-                <a:spcPct val="90000"/>
-              </a:lnSpc>
-              <a:spcBef>
-                <a:spcPts val="500"/>
-              </a:spcBef>
-              <a:buFont typeface="Arial" panose="020B0604020202020204" pitchFamily="34" charset="0"/>
-              <a:buChar char="•"/>
-              <a:defRPr sz="1800" kern="1200">
-                <a:solidFill>
-                  <a:schemeClr val="tx1"/>
-                </a:solidFill>
-                <a:latin typeface="+mn-lt"/>
-                <a:ea typeface="+mn-ea"/>
-                <a:cs typeface="+mn-cs"/>
-              </a:defRPr>
-            </a:lvl8pPr>
-            <a:lvl9pPr marL="3886200" indent="-228600" algn="l" defTabSz="914400" rtl="0" eaLnBrk="1" latinLnBrk="0" hangingPunct="1">
-              <a:lnSpc>
-                <a:spcPct val="90000"/>
-              </a:lnSpc>
-              <a:spcBef>
-                <a:spcPts val="500"/>
-              </a:spcBef>
-              <a:buFont typeface="Arial" panose="020B0604020202020204" pitchFamily="34" charset="0"/>
-              <a:buChar char="•"/>
-              <a:defRPr sz="1800" kern="1200">
-                <a:solidFill>
-                  <a:schemeClr val="tx1"/>
-                </a:solidFill>
-                <a:latin typeface="+mn-lt"/>
-                <a:ea typeface="+mn-ea"/>
-                <a:cs typeface="+mn-cs"/>
-              </a:defRPr>
-            </a:lvl9pPr>
-          </a:lstStyle>
-          <a:p>
-            <a:r>
-              <a:rPr lang="en-US" sz="1600" dirty="0" smtClean="0"/>
-              <a:t>Other Significant Variables</a:t>
-            </a:r>
-            <a:endParaRPr lang="en-US" sz="1600" dirty="0"/>
-          </a:p>
-        </p:txBody>
-      </p:sp>
-      <p:sp>
-        <p:nvSpPr>
-          <p:cNvPr id="16" name="Rectangle 15"/>
-          <p:cNvSpPr/>
-          <p:nvPr/>
-        </p:nvSpPr>
-        <p:spPr>
-          <a:xfrm>
-            <a:off x="1344385" y="4592401"/>
-            <a:ext cx="2743200" cy="1190642"/>
-          </a:xfrm>
-          <a:prstGeom prst="rect">
-            <a:avLst/>
-          </a:prstGeom>
-        </p:spPr>
-        <p:style>
-          <a:lnRef idx="2">
-            <a:schemeClr val="accent1">
-              <a:shade val="50000"/>
-            </a:schemeClr>
-          </a:lnRef>
-          <a:fillRef idx="1">
-            <a:schemeClr val="accent1"/>
-          </a:fillRef>
-          <a:effectRef idx="0">
-            <a:schemeClr val="accent1"/>
-          </a:effectRef>
-          <a:fontRef idx="minor">
-            <a:schemeClr val="lt1"/>
-          </a:fontRef>
-        </p:style>
-        <p:txBody>
-          <a:bodyPr rtlCol="0" anchor="ctr"/>
-          <a:lstStyle/>
-          <a:p>
-            <a:pPr marL="171450" indent="-171450">
-              <a:buFont typeface="Arial" panose="020B0604020202020204" pitchFamily="34" charset="0"/>
-              <a:buChar char="•"/>
-            </a:pPr>
-            <a:r>
-              <a:rPr lang="en-US" sz="1400" dirty="0" err="1"/>
-              <a:t>addr_state</a:t>
-            </a:r>
-            <a:endParaRPr lang="en-US" sz="1400" dirty="0"/>
-          </a:p>
-          <a:p>
-            <a:pPr marL="171450" indent="-171450">
-              <a:buFont typeface="Arial" panose="020B0604020202020204" pitchFamily="34" charset="0"/>
-              <a:buChar char="•"/>
-            </a:pPr>
-            <a:r>
-              <a:rPr lang="en-US" sz="1400" dirty="0" err="1"/>
-              <a:t>dti</a:t>
-            </a:r>
-            <a:endParaRPr lang="en-US" sz="1400" dirty="0"/>
-          </a:p>
-          <a:p>
-            <a:pPr marL="171450" indent="-171450">
-              <a:buFont typeface="Arial" panose="020B0604020202020204" pitchFamily="34" charset="0"/>
-              <a:buChar char="•"/>
-            </a:pPr>
-            <a:r>
-              <a:rPr lang="en-US" sz="1400" dirty="0" err="1"/>
-              <a:t>home_ownership</a:t>
-            </a:r>
-            <a:endParaRPr lang="en-US" sz="1400" dirty="0"/>
-          </a:p>
-          <a:p>
-            <a:pPr marL="171450" indent="-171450">
-              <a:buFont typeface="Arial" panose="020B0604020202020204" pitchFamily="34" charset="0"/>
-              <a:buChar char="•"/>
-            </a:pPr>
-            <a:r>
-              <a:rPr lang="en-US" sz="1400" dirty="0" err="1"/>
-              <a:t>mths_since_last_record</a:t>
-            </a:r>
-            <a:endParaRPr lang="en-US" sz="1400" dirty="0"/>
-          </a:p>
-          <a:p>
-            <a:pPr marL="171450" indent="-171450">
-              <a:buFont typeface="Arial" panose="020B0604020202020204" pitchFamily="34" charset="0"/>
-              <a:buChar char="•"/>
-            </a:pPr>
-            <a:r>
-              <a:rPr lang="en-US" sz="1400" dirty="0" err="1"/>
-              <a:t>total_acc</a:t>
-            </a:r>
-            <a:endParaRPr lang="en-US" sz="1400" dirty="0"/>
-          </a:p>
-        </p:txBody>
-      </p:sp>
-      <p:sp>
-        <p:nvSpPr>
-          <p:cNvPr id="17" name="Rectangle 16"/>
-          <p:cNvSpPr/>
-          <p:nvPr/>
-        </p:nvSpPr>
-        <p:spPr>
-          <a:xfrm>
-            <a:off x="1344385" y="5811616"/>
-            <a:ext cx="2743200" cy="274320"/>
-          </a:xfrm>
-          <a:prstGeom prst="rect">
-            <a:avLst/>
-          </a:prstGeom>
-          <a:solidFill>
-            <a:schemeClr val="accent1">
-              <a:lumMod val="50000"/>
-            </a:schemeClr>
-          </a:solidFill>
-        </p:spPr>
-        <p:style>
-          <a:lnRef idx="2">
-            <a:schemeClr val="accent1">
-              <a:shade val="50000"/>
-            </a:schemeClr>
-          </a:lnRef>
-          <a:fillRef idx="1">
-            <a:schemeClr val="accent1"/>
-          </a:fillRef>
-          <a:effectRef idx="0">
-            <a:schemeClr val="accent1"/>
-          </a:effectRef>
-          <a:fontRef idx="minor">
-            <a:schemeClr val="lt1"/>
-          </a:fontRef>
-        </p:style>
-        <p:txBody>
-          <a:bodyPr rtlCol="0" anchor="ctr"/>
-          <a:lstStyle/>
-          <a:p>
-            <a:pPr algn="ctr"/>
-            <a:r>
-              <a:rPr lang="en-US" dirty="0" smtClean="0"/>
-              <a:t>Customer</a:t>
-            </a:r>
-            <a:endParaRPr lang="en-US" dirty="0"/>
-          </a:p>
-        </p:txBody>
-      </p:sp>
-      <p:sp>
-        <p:nvSpPr>
-          <p:cNvPr id="18" name="Rectangle 17"/>
-          <p:cNvSpPr/>
-          <p:nvPr/>
-        </p:nvSpPr>
-        <p:spPr>
-          <a:xfrm>
-            <a:off x="4525735" y="4592401"/>
-            <a:ext cx="2743200" cy="1190642"/>
-          </a:xfrm>
-          <a:prstGeom prst="rect">
-            <a:avLst/>
-          </a:prstGeom>
-          <a:solidFill>
-            <a:schemeClr val="accent2"/>
-          </a:solidFill>
-        </p:spPr>
-        <p:style>
-          <a:lnRef idx="2">
-            <a:schemeClr val="accent1">
-              <a:shade val="50000"/>
-            </a:schemeClr>
-          </a:lnRef>
-          <a:fillRef idx="1">
-            <a:schemeClr val="accent1"/>
-          </a:fillRef>
-          <a:effectRef idx="0">
-            <a:schemeClr val="accent1"/>
-          </a:effectRef>
-          <a:fontRef idx="minor">
-            <a:schemeClr val="lt1"/>
-          </a:fontRef>
-        </p:style>
-        <p:txBody>
-          <a:bodyPr rtlCol="0" anchor="ctr"/>
-          <a:lstStyle/>
-          <a:p>
-            <a:pPr marL="171450" indent="-171450">
-              <a:buFont typeface="Arial" panose="020B0604020202020204" pitchFamily="34" charset="0"/>
-              <a:buChar char="•"/>
-            </a:pPr>
-            <a:r>
-              <a:rPr lang="en-US" sz="1400" dirty="0" err="1"/>
-              <a:t>loan_amnt</a:t>
-            </a:r>
-            <a:endParaRPr lang="en-US" sz="1400" dirty="0"/>
-          </a:p>
-          <a:p>
-            <a:pPr marL="171450" indent="-171450">
-              <a:buFont typeface="Arial" panose="020B0604020202020204" pitchFamily="34" charset="0"/>
-              <a:buChar char="•"/>
-            </a:pPr>
-            <a:r>
-              <a:rPr lang="en-US" sz="1400" dirty="0"/>
-              <a:t>installment</a:t>
-            </a:r>
-          </a:p>
-        </p:txBody>
-      </p:sp>
-      <p:sp>
-        <p:nvSpPr>
-          <p:cNvPr id="19" name="Rectangle 18"/>
-          <p:cNvSpPr/>
-          <p:nvPr/>
-        </p:nvSpPr>
-        <p:spPr>
-          <a:xfrm>
-            <a:off x="4525735" y="5811616"/>
-            <a:ext cx="2743200" cy="274320"/>
-          </a:xfrm>
-          <a:prstGeom prst="rect">
-            <a:avLst/>
-          </a:prstGeom>
-          <a:solidFill>
-            <a:schemeClr val="accent2">
-              <a:lumMod val="50000"/>
-            </a:schemeClr>
-          </a:solidFill>
-        </p:spPr>
-        <p:style>
-          <a:lnRef idx="2">
-            <a:schemeClr val="accent1">
-              <a:shade val="50000"/>
-            </a:schemeClr>
-          </a:lnRef>
-          <a:fillRef idx="1">
-            <a:schemeClr val="accent1"/>
-          </a:fillRef>
-          <a:effectRef idx="0">
-            <a:schemeClr val="accent1"/>
-          </a:effectRef>
-          <a:fontRef idx="minor">
-            <a:schemeClr val="lt1"/>
-          </a:fontRef>
-        </p:style>
-        <p:txBody>
-          <a:bodyPr rtlCol="0" anchor="ctr"/>
-          <a:lstStyle/>
-          <a:p>
-            <a:pPr algn="ctr"/>
-            <a:r>
-              <a:rPr lang="en-US" dirty="0" smtClean="0"/>
-              <a:t>Loan </a:t>
-            </a:r>
-            <a:endParaRPr lang="en-US" dirty="0"/>
-          </a:p>
-        </p:txBody>
-      </p:sp>
-      <p:sp>
-        <p:nvSpPr>
-          <p:cNvPr id="20" name="Rectangle 19"/>
-          <p:cNvSpPr/>
-          <p:nvPr/>
-        </p:nvSpPr>
-        <p:spPr>
-          <a:xfrm>
-            <a:off x="7707085" y="4592401"/>
-            <a:ext cx="2743200" cy="1190642"/>
-          </a:xfrm>
-          <a:prstGeom prst="rect">
-            <a:avLst/>
-          </a:prstGeom>
-          <a:solidFill>
-            <a:schemeClr val="accent6"/>
-          </a:solidFill>
-        </p:spPr>
-        <p:style>
-          <a:lnRef idx="2">
-            <a:schemeClr val="accent1">
-              <a:shade val="50000"/>
-            </a:schemeClr>
-          </a:lnRef>
-          <a:fillRef idx="1">
-            <a:schemeClr val="accent1"/>
-          </a:fillRef>
-          <a:effectRef idx="0">
-            <a:schemeClr val="accent1"/>
-          </a:effectRef>
-          <a:fontRef idx="minor">
-            <a:schemeClr val="lt1"/>
-          </a:fontRef>
-        </p:style>
-        <p:txBody>
-          <a:bodyPr rtlCol="0" anchor="ctr"/>
-          <a:lstStyle/>
-          <a:p>
-            <a:pPr marL="171450" indent="-171450">
-              <a:buFont typeface="Arial" panose="020B0604020202020204" pitchFamily="34" charset="0"/>
-              <a:buChar char="•"/>
-            </a:pPr>
-            <a:r>
-              <a:rPr lang="en-US" sz="1400" dirty="0"/>
-              <a:t>Loan amount over annual income</a:t>
-            </a:r>
-          </a:p>
-          <a:p>
-            <a:pPr marL="171450" indent="-171450">
-              <a:buFont typeface="Arial" panose="020B0604020202020204" pitchFamily="34" charset="0"/>
-              <a:buChar char="•"/>
-            </a:pPr>
-            <a:r>
-              <a:rPr lang="en-US" sz="1400" dirty="0"/>
-              <a:t>Surplus amount</a:t>
-            </a:r>
-          </a:p>
-          <a:p>
-            <a:pPr marL="171450" indent="-171450">
-              <a:buFont typeface="Arial" panose="020B0604020202020204" pitchFamily="34" charset="0"/>
-              <a:buChar char="•"/>
-            </a:pPr>
-            <a:r>
-              <a:rPr lang="en-US" sz="1400" dirty="0"/>
-              <a:t>Funded amount over loan amount</a:t>
-            </a:r>
-          </a:p>
-          <a:p>
-            <a:pPr marL="171450" indent="-171450">
-              <a:buFont typeface="Arial" panose="020B0604020202020204" pitchFamily="34" charset="0"/>
-              <a:buChar char="•"/>
-            </a:pPr>
-            <a:r>
-              <a:rPr lang="en-US" sz="1400" dirty="0" err="1"/>
-              <a:t>open_acc</a:t>
-            </a:r>
-            <a:r>
-              <a:rPr lang="en-US" sz="1400" dirty="0"/>
-              <a:t> over </a:t>
-            </a:r>
-            <a:r>
-              <a:rPr lang="en-US" sz="1400" dirty="0" err="1"/>
-              <a:t>total_vamp</a:t>
-            </a:r>
-            <a:endParaRPr lang="en-IN" sz="2000" dirty="0"/>
-          </a:p>
-        </p:txBody>
-      </p:sp>
-      <p:sp>
-        <p:nvSpPr>
-          <p:cNvPr id="21" name="Rectangle 20"/>
-          <p:cNvSpPr/>
-          <p:nvPr/>
-        </p:nvSpPr>
-        <p:spPr>
-          <a:xfrm>
-            <a:off x="7707084" y="5811616"/>
-            <a:ext cx="2743200" cy="274320"/>
-          </a:xfrm>
-          <a:prstGeom prst="rect">
-            <a:avLst/>
-          </a:prstGeom>
-          <a:solidFill>
-            <a:schemeClr val="accent6">
-              <a:lumMod val="50000"/>
-            </a:schemeClr>
-          </a:solidFill>
-          <a:ln>
-            <a:solidFill>
-              <a:schemeClr val="accent6">
-                <a:lumMod val="50000"/>
-              </a:schemeClr>
-            </a:solidFill>
-          </a:ln>
-        </p:spPr>
-        <p:style>
-          <a:lnRef idx="2">
-            <a:schemeClr val="accent1">
-              <a:shade val="50000"/>
-            </a:schemeClr>
-          </a:lnRef>
-          <a:fillRef idx="1">
-            <a:schemeClr val="accent1"/>
-          </a:fillRef>
-          <a:effectRef idx="0">
-            <a:schemeClr val="accent1"/>
-          </a:effectRef>
-          <a:fontRef idx="minor">
-            <a:schemeClr val="lt1"/>
-          </a:fontRef>
-        </p:style>
-        <p:txBody>
-          <a:bodyPr rtlCol="0" anchor="ctr"/>
-          <a:lstStyle/>
-          <a:p>
-            <a:pPr algn="ctr"/>
-            <a:r>
-              <a:rPr lang="en-US" dirty="0" smtClean="0"/>
-              <a:t>Derived</a:t>
-            </a:r>
-            <a:endParaRPr lang="en-US" dirty="0"/>
-          </a:p>
-        </p:txBody>
-      </p:sp>
-      <p:sp>
-        <p:nvSpPr>
-          <p:cNvPr id="22" name="TextBox 21"/>
-          <p:cNvSpPr txBox="1"/>
-          <p:nvPr/>
-        </p:nvSpPr>
-        <p:spPr>
-          <a:xfrm rot="19335274">
-            <a:off x="40241" y="568053"/>
-            <a:ext cx="2608288" cy="369332"/>
-          </a:xfrm>
-          <a:prstGeom prst="rect">
-            <a:avLst/>
-          </a:prstGeom>
-          <a:noFill/>
-        </p:spPr>
-        <p:txBody>
-          <a:bodyPr wrap="square" rtlCol="0">
-            <a:spAutoFit/>
-          </a:bodyPr>
-          <a:lstStyle/>
-          <a:p>
-            <a:r>
-              <a:rPr lang="en-US" dirty="0" smtClean="0">
-                <a:solidFill>
-                  <a:srgbClr val="FF0000"/>
-                </a:solidFill>
-              </a:rPr>
-              <a:t>Ashutosh to update</a:t>
-            </a:r>
-            <a:endParaRPr lang="en-US" dirty="0">
-              <a:solidFill>
-                <a:srgbClr val="FF0000"/>
-              </a:solidFill>
-            </a:endParaRPr>
           </a:p>
         </p:txBody>
       </p:sp>
     </p:spTree>
     <p:extLst>
       <p:ext uri="{BB962C8B-B14F-4D97-AF65-F5344CB8AC3E}">
-        <p14:creationId xmlns:p14="http://schemas.microsoft.com/office/powerpoint/2010/main" val="3517758081"/>
+        <p14:creationId xmlns:p14="http://schemas.microsoft.com/office/powerpoint/2010/main" val="2474277808"/>
       </p:ext>
     </p:extLst>
   </p:cSld>
